--- a/pres_full.pptx
+++ b/pres_full.pptx
@@ -6,17 +6,18 @@
     <p:sldMasterId id="2147483661" r:id="rId2"/>
   </p:sldMasterIdLst>
   <p:notesMasterIdLst>
-    <p:notesMasterId r:id="rId11"/>
+    <p:notesMasterId r:id="rId12"/>
   </p:notesMasterIdLst>
   <p:sldIdLst>
     <p:sldId id="256" r:id="rId3"/>
-    <p:sldId id="257" r:id="rId4"/>
-    <p:sldId id="259" r:id="rId5"/>
+    <p:sldId id="259" r:id="rId4"/>
+    <p:sldId id="266" r:id="rId5"/>
     <p:sldId id="260" r:id="rId6"/>
     <p:sldId id="261" r:id="rId7"/>
     <p:sldId id="262" r:id="rId8"/>
     <p:sldId id="263" r:id="rId9"/>
-    <p:sldId id="264" r:id="rId10"/>
+    <p:sldId id="267" r:id="rId10"/>
+    <p:sldId id="264" r:id="rId11"/>
   </p:sldIdLst>
   <p:sldSz cx="12192000" cy="6858000"/>
   <p:notesSz cx="6858000" cy="9144000"/>
@@ -115,6 +116,11 @@
       </a:defRPr>
     </a:lvl9pPr>
   </p:defaultTextStyle>
+  <p:extLst>
+    <p:ext uri="{EFAFB233-063F-42B5-8137-9DF3F51BA10A}">
+      <p15:sldGuideLst xmlns:p15="http://schemas.microsoft.com/office/powerpoint/2012/main"/>
+    </p:ext>
+  </p:extLst>
 </p:presentation>
 </file>
 
@@ -517,7 +523,7 @@
       </p:grpSpPr>
       <p:sp>
         <p:nvSpPr>
-          <p:cNvPr id="216" name="PlaceHolder 1"/>
+          <p:cNvPr id="222" name="PlaceHolder 1"/>
           <p:cNvSpPr>
             <a:spLocks noGrp="1" noRot="1" noChangeAspect="1"/>
           </p:cNvSpPr>
@@ -528,19 +534,19 @@
         <p:spPr>
           <a:xfrm>
             <a:off x="685800" y="1143000"/>
-            <a:ext cx="5486040" cy="3085920"/>
-          </a:xfrm>
-          <a:prstGeom prst="rect">
-            <a:avLst/>
-          </a:prstGeom>
-          <a:ln w="0">
-            <a:noFill/>
-          </a:ln>
-        </p:spPr>
-      </p:sp>
-      <p:sp>
-        <p:nvSpPr>
-          <p:cNvPr id="217" name="PlaceHolder 2"/>
+            <a:ext cx="5486400" cy="3086100"/>
+          </a:xfrm>
+          <a:prstGeom prst="rect">
+            <a:avLst/>
+          </a:prstGeom>
+          <a:ln w="0">
+            <a:noFill/>
+          </a:ln>
+        </p:spPr>
+      </p:sp>
+      <p:sp>
+        <p:nvSpPr>
+          <p:cNvPr id="223" name="PlaceHolder 2"/>
           <p:cNvSpPr>
             <a:spLocks noGrp="1"/>
           </p:cNvSpPr>
@@ -575,12 +581,12 @@
       </p:sp>
       <p:sp>
         <p:nvSpPr>
-          <p:cNvPr id="218" name="PlaceHolder 3"/>
-          <p:cNvSpPr>
-            <a:spLocks noGrp="1"/>
-          </p:cNvSpPr>
-          <p:nvPr>
-            <p:ph type="sldNum" idx="10"/>
+          <p:cNvPr id="224" name="PlaceHolder 3"/>
+          <p:cNvSpPr>
+            <a:spLocks noGrp="1"/>
+          </p:cNvSpPr>
+          <p:nvPr>
+            <p:ph type="sldNum" idx="12"/>
           </p:nvPr>
         </p:nvSpPr>
         <p:spPr>
@@ -618,7 +624,7 @@
               </a:lnSpc>
               <a:buNone/>
             </a:pPr>
-            <a:fld id="{89DD21F0-641B-4621-81BB-E4940991027B}" type="slidenum">
+            <a:fld id="{A31009AC-ED6B-43BF-88B5-D11BC88AF973}" type="slidenum">
               <a:rPr lang="fr-FR" sz="1200" b="0" strike="noStrike" spc="-1">
                 <a:latin typeface="Times New Roman"/>
               </a:rPr>
@@ -657,7 +663,7 @@
       </p:grpSpPr>
       <p:sp>
         <p:nvSpPr>
-          <p:cNvPr id="222" name="PlaceHolder 1"/>
+          <p:cNvPr id="225" name="PlaceHolder 1"/>
           <p:cNvSpPr>
             <a:spLocks noGrp="1" noRot="1" noChangeAspect="1"/>
           </p:cNvSpPr>
@@ -680,7 +686,7 @@
       </p:sp>
       <p:sp>
         <p:nvSpPr>
-          <p:cNvPr id="223" name="PlaceHolder 2"/>
+          <p:cNvPr id="226" name="PlaceHolder 2"/>
           <p:cNvSpPr>
             <a:spLocks noGrp="1"/>
           </p:cNvSpPr>
@@ -715,12 +721,12 @@
       </p:sp>
       <p:sp>
         <p:nvSpPr>
-          <p:cNvPr id="224" name="PlaceHolder 3"/>
-          <p:cNvSpPr>
-            <a:spLocks noGrp="1"/>
-          </p:cNvSpPr>
-          <p:nvPr>
-            <p:ph type="sldNum" idx="12"/>
+          <p:cNvPr id="227" name="PlaceHolder 3"/>
+          <p:cNvSpPr>
+            <a:spLocks noGrp="1"/>
+          </p:cNvSpPr>
+          <p:nvPr>
+            <p:ph type="sldNum" idx="13"/>
           </p:nvPr>
         </p:nvSpPr>
         <p:spPr>
@@ -758,7 +764,7 @@
               </a:lnSpc>
               <a:buNone/>
             </a:pPr>
-            <a:fld id="{A31009AC-ED6B-43BF-88B5-D11BC88AF973}" type="slidenum">
+            <a:fld id="{77031ED6-F518-41E5-AFEC-8575AAB2BACC}" type="slidenum">
               <a:rPr lang="fr-FR" sz="1200" b="0" strike="noStrike" spc="-1">
                 <a:latin typeface="Times New Roman"/>
               </a:rPr>
@@ -771,6 +777,11 @@
         </p:txBody>
       </p:sp>
     </p:spTree>
+    <p:extLst>
+      <p:ext uri="{BB962C8B-B14F-4D97-AF65-F5344CB8AC3E}">
+        <p14:creationId xmlns:p14="http://schemas.microsoft.com/office/powerpoint/2010/main" val="457918873"/>
+      </p:ext>
+    </p:extLst>
   </p:cSld>
   <p:clrMapOvr>
     <a:masterClrMapping/>
@@ -808,7 +819,7 @@
         <p:spPr>
           <a:xfrm>
             <a:off x="685800" y="1143000"/>
-            <a:ext cx="5486040" cy="3085920"/>
+            <a:ext cx="5486400" cy="3086100"/>
           </a:xfrm>
           <a:prstGeom prst="rect">
             <a:avLst/>
@@ -1357,7 +1368,7 @@
       </p:grpSpPr>
       <p:sp>
         <p:nvSpPr>
-          <p:cNvPr id="237" name="PlaceHolder 1"/>
+          <p:cNvPr id="234" name="PlaceHolder 1"/>
           <p:cNvSpPr>
             <a:spLocks noGrp="1" noRot="1" noChangeAspect="1"/>
           </p:cNvSpPr>
@@ -1368,19 +1379,19 @@
         <p:spPr>
           <a:xfrm>
             <a:off x="685800" y="1143000"/>
-            <a:ext cx="5486040" cy="3085920"/>
-          </a:xfrm>
-          <a:prstGeom prst="rect">
-            <a:avLst/>
-          </a:prstGeom>
-          <a:ln w="0">
-            <a:noFill/>
-          </a:ln>
-        </p:spPr>
-      </p:sp>
-      <p:sp>
-        <p:nvSpPr>
-          <p:cNvPr id="238" name="PlaceHolder 2"/>
+            <a:ext cx="5486400" cy="3086100"/>
+          </a:xfrm>
+          <a:prstGeom prst="rect">
+            <a:avLst/>
+          </a:prstGeom>
+          <a:ln w="0">
+            <a:noFill/>
+          </a:ln>
+        </p:spPr>
+      </p:sp>
+      <p:sp>
+        <p:nvSpPr>
+          <p:cNvPr id="235" name="PlaceHolder 2"/>
           <p:cNvSpPr>
             <a:spLocks noGrp="1"/>
           </p:cNvSpPr>
@@ -1415,12 +1426,12 @@
       </p:sp>
       <p:sp>
         <p:nvSpPr>
-          <p:cNvPr id="239" name="PlaceHolder 3"/>
-          <p:cNvSpPr>
-            <a:spLocks noGrp="1"/>
-          </p:cNvSpPr>
-          <p:nvPr>
-            <p:ph type="sldNum" idx="17"/>
+          <p:cNvPr id="236" name="PlaceHolder 3"/>
+          <p:cNvSpPr>
+            <a:spLocks noGrp="1"/>
+          </p:cNvSpPr>
+          <p:nvPr>
+            <p:ph type="sldNum" idx="16"/>
           </p:nvPr>
         </p:nvSpPr>
         <p:spPr>
@@ -1458,11 +1469,156 @@
               </a:lnSpc>
               <a:buNone/>
             </a:pPr>
+            <a:fld id="{2A8820FF-591B-439B-9A2F-8E50D5ED7AF8}" type="slidenum">
+              <a:rPr lang="fr-FR" sz="1200" b="0" strike="noStrike" spc="-1">
+                <a:latin typeface="Times New Roman"/>
+              </a:rPr>
+              <a:t>8</a:t>
+            </a:fld>
+            <a:endParaRPr lang="fr-CH" sz="1200" b="0" strike="noStrike" spc="-1">
+              <a:latin typeface="Times New Roman"/>
+            </a:endParaRPr>
+          </a:p>
+        </p:txBody>
+      </p:sp>
+    </p:spTree>
+    <p:extLst>
+      <p:ext uri="{BB962C8B-B14F-4D97-AF65-F5344CB8AC3E}">
+        <p14:creationId xmlns:p14="http://schemas.microsoft.com/office/powerpoint/2010/main" val="3569709161"/>
+      </p:ext>
+    </p:extLst>
+  </p:cSld>
+  <p:clrMapOvr>
+    <a:masterClrMapping/>
+  </p:clrMapOvr>
+</p:notes>
+</file>
+
+<file path=ppt/notesSlides/notesSlide8.xml><?xml version="1.0" encoding="utf-8"?>
+<p:notes xmlns:a="http://schemas.openxmlformats.org/drawingml/2006/main" xmlns:r="http://schemas.openxmlformats.org/officeDocument/2006/relationships" xmlns:p="http://schemas.openxmlformats.org/presentationml/2006/main">
+  <p:cSld>
+    <p:spTree>
+      <p:nvGrpSpPr>
+        <p:cNvPr id="1" name=""/>
+        <p:cNvGrpSpPr/>
+        <p:nvPr/>
+      </p:nvGrpSpPr>
+      <p:grpSpPr>
+        <a:xfrm>
+          <a:off x="0" y="0"/>
+          <a:ext cx="0" cy="0"/>
+          <a:chOff x="0" y="0"/>
+          <a:chExt cx="0" cy="0"/>
+        </a:xfrm>
+      </p:grpSpPr>
+      <p:sp>
+        <p:nvSpPr>
+          <p:cNvPr id="237" name="PlaceHolder 1"/>
+          <p:cNvSpPr>
+            <a:spLocks noGrp="1" noRot="1" noChangeAspect="1"/>
+          </p:cNvSpPr>
+          <p:nvPr>
+            <p:ph type="sldImg"/>
+          </p:nvPr>
+        </p:nvSpPr>
+        <p:spPr>
+          <a:xfrm>
+            <a:off x="685800" y="1143000"/>
+            <a:ext cx="5486400" cy="3086100"/>
+          </a:xfrm>
+          <a:prstGeom prst="rect">
+            <a:avLst/>
+          </a:prstGeom>
+          <a:ln w="0">
+            <a:noFill/>
+          </a:ln>
+        </p:spPr>
+      </p:sp>
+      <p:sp>
+        <p:nvSpPr>
+          <p:cNvPr id="238" name="PlaceHolder 2"/>
+          <p:cNvSpPr>
+            <a:spLocks noGrp="1"/>
+          </p:cNvSpPr>
+          <p:nvPr>
+            <p:ph type="body"/>
+          </p:nvPr>
+        </p:nvSpPr>
+        <p:spPr>
+          <a:xfrm>
+            <a:off x="685800" y="4400640"/>
+            <a:ext cx="5486040" cy="3600000"/>
+          </a:xfrm>
+          <a:prstGeom prst="rect">
+            <a:avLst/>
+          </a:prstGeom>
+          <a:noFill/>
+          <a:ln w="0">
+            <a:noFill/>
+          </a:ln>
+        </p:spPr>
+        <p:txBody>
+          <a:bodyPr anchor="t">
+            <a:noAutofit/>
+          </a:bodyPr>
+          <a:lstStyle/>
+          <a:p>
+            <a:endParaRPr lang="fr-CH" sz="2000" b="0" strike="noStrike" spc="-1">
+              <a:latin typeface="Arial"/>
+            </a:endParaRPr>
+          </a:p>
+        </p:txBody>
+      </p:sp>
+      <p:sp>
+        <p:nvSpPr>
+          <p:cNvPr id="239" name="PlaceHolder 3"/>
+          <p:cNvSpPr>
+            <a:spLocks noGrp="1"/>
+          </p:cNvSpPr>
+          <p:nvPr>
+            <p:ph type="sldNum" idx="17"/>
+          </p:nvPr>
+        </p:nvSpPr>
+        <p:spPr>
+          <a:xfrm>
+            <a:off x="3884760" y="8685360"/>
+            <a:ext cx="2971440" cy="458280"/>
+          </a:xfrm>
+          <a:prstGeom prst="rect">
+            <a:avLst/>
+          </a:prstGeom>
+          <a:noFill/>
+          <a:ln w="0">
+            <a:noFill/>
+          </a:ln>
+        </p:spPr>
+        <p:txBody>
+          <a:bodyPr anchor="b">
+            <a:noAutofit/>
+          </a:bodyPr>
+          <a:lstStyle>
+            <a:lvl1pPr algn="r">
+              <a:lnSpc>
+                <a:spcPct val="100000"/>
+              </a:lnSpc>
+              <a:buNone/>
+              <a:defRPr lang="fr-FR" sz="1200" b="0" strike="noStrike" spc="-1">
+                <a:latin typeface="Times New Roman"/>
+              </a:defRPr>
+            </a:lvl1pPr>
+          </a:lstStyle>
+          <a:p>
+            <a:pPr algn="r">
+              <a:lnSpc>
+                <a:spcPct val="100000"/>
+              </a:lnSpc>
+              <a:buNone/>
+            </a:pPr>
             <a:fld id="{6A81C512-D66D-41FE-8747-27720A67AA29}" type="slidenum">
               <a:rPr lang="fr-FR" sz="1200" b="0" strike="noStrike" spc="-1">
                 <a:latin typeface="Times New Roman"/>
               </a:rPr>
-              <a:t>8</a:t>
+              <a:t>9</a:t>
             </a:fld>
             <a:endParaRPr lang="fr-CH" sz="1200" b="0" strike="noStrike" spc="-1">
               <a:latin typeface="Times New Roman"/>
@@ -8565,526 +8721,6 @@
       </p:grpSpPr>
       <p:sp>
         <p:nvSpPr>
-          <p:cNvPr id="95" name="Rectangle 9"/>
-          <p:cNvSpPr/>
-          <p:nvPr/>
-        </p:nvSpPr>
-        <p:spPr>
-          <a:xfrm>
-            <a:off x="0" y="0"/>
-            <a:ext cx="12191760" cy="6857640"/>
-          </a:xfrm>
-          <a:prstGeom prst="rect">
-            <a:avLst/>
-          </a:prstGeom>
-          <a:solidFill>
-            <a:srgbClr val="FFFFFF"/>
-          </a:solidFill>
-          <a:ln w="12600">
-            <a:noFill/>
-          </a:ln>
-        </p:spPr>
-        <p:style>
-          <a:lnRef idx="0">
-            <a:scrgbClr r="0" g="0" b="0"/>
-          </a:lnRef>
-          <a:fillRef idx="0">
-            <a:scrgbClr r="0" g="0" b="0"/>
-          </a:fillRef>
-          <a:effectRef idx="0">
-            <a:scrgbClr r="0" g="0" b="0"/>
-          </a:effectRef>
-          <a:fontRef idx="minor"/>
-        </p:style>
-      </p:sp>
-      <p:sp>
-        <p:nvSpPr>
-          <p:cNvPr id="96" name="PlaceHolder 1"/>
-          <p:cNvSpPr>
-            <a:spLocks noGrp="1"/>
-          </p:cNvSpPr>
-          <p:nvPr>
-            <p:ph type="title"/>
-          </p:nvPr>
-        </p:nvSpPr>
-        <p:spPr>
-          <a:xfrm>
-            <a:off x="643320" y="321840"/>
-            <a:ext cx="10904760" cy="1135440"/>
-          </a:xfrm>
-          <a:prstGeom prst="rect">
-            <a:avLst/>
-          </a:prstGeom>
-          <a:noFill/>
-          <a:ln w="0">
-            <a:noFill/>
-          </a:ln>
-        </p:spPr>
-        <p:txBody>
-          <a:bodyPr anchor="ctr">
-            <a:normAutofit/>
-          </a:bodyPr>
-          <a:lstStyle/>
-          <a:p>
-            <a:pPr>
-              <a:lnSpc>
-                <a:spcPct val="90000"/>
-              </a:lnSpc>
-              <a:buNone/>
-            </a:pPr>
-            <a:r>
-              <a:rPr lang="fr-FR" sz="3600" b="0" strike="noStrike" spc="-1">
-                <a:solidFill>
-                  <a:srgbClr val="000000"/>
-                </a:solidFill>
-                <a:latin typeface="Calibri Light"/>
-              </a:rPr>
-              <a:t>Summary</a:t>
-            </a:r>
-            <a:endParaRPr lang="fr-FR" sz="3600" b="0" strike="noStrike" spc="-1">
-              <a:solidFill>
-                <a:srgbClr val="000000"/>
-              </a:solidFill>
-              <a:latin typeface="Calibri"/>
-            </a:endParaRPr>
-          </a:p>
-        </p:txBody>
-      </p:sp>
-      <p:sp>
-        <p:nvSpPr>
-          <p:cNvPr id="97" name="PlaceHolder 2"/>
-          <p:cNvSpPr>
-            <a:spLocks noGrp="1"/>
-          </p:cNvSpPr>
-          <p:nvPr>
-            <p:ph/>
-          </p:nvPr>
-        </p:nvSpPr>
-        <p:spPr>
-          <a:xfrm>
-            <a:off x="643320" y="1783080"/>
-            <a:ext cx="4007880" cy="4393800"/>
-          </a:xfrm>
-          <a:prstGeom prst="rect">
-            <a:avLst/>
-          </a:prstGeom>
-          <a:noFill/>
-          <a:ln w="0">
-            <a:noFill/>
-          </a:ln>
-        </p:spPr>
-        <p:txBody>
-          <a:bodyPr anchor="t">
-            <a:normAutofit/>
-          </a:bodyPr>
-          <a:lstStyle/>
-          <a:p>
-            <a:pPr marL="228600" indent="-228600">
-              <a:lnSpc>
-                <a:spcPct val="90000"/>
-              </a:lnSpc>
-              <a:spcBef>
-                <a:spcPts val="1001"/>
-              </a:spcBef>
-              <a:buClr>
-                <a:srgbClr val="000000"/>
-              </a:buClr>
-              <a:buFont typeface="Arial"/>
-              <a:buChar char="•"/>
-            </a:pPr>
-            <a:r>
-              <a:rPr lang="fr-FR" sz="2000" b="0" strike="noStrike" spc="-1">
-                <a:solidFill>
-                  <a:srgbClr val="000000"/>
-                </a:solidFill>
-                <a:latin typeface="Calibri"/>
-              </a:rPr>
-              <a:t>Reproducibility – What is it ?</a:t>
-            </a:r>
-          </a:p>
-          <a:p>
-            <a:pPr marL="228600" indent="-228600">
-              <a:lnSpc>
-                <a:spcPct val="90000"/>
-              </a:lnSpc>
-              <a:spcBef>
-                <a:spcPts val="1001"/>
-              </a:spcBef>
-              <a:buClr>
-                <a:srgbClr val="000000"/>
-              </a:buClr>
-              <a:buFont typeface="Arial"/>
-              <a:buChar char="•"/>
-            </a:pPr>
-            <a:r>
-              <a:rPr lang="fr-FR" sz="2000" b="0" strike="noStrike" spc="-1">
-                <a:solidFill>
-                  <a:srgbClr val="000000"/>
-                </a:solidFill>
-                <a:latin typeface="Calibri"/>
-              </a:rPr>
-              <a:t>Workflow management</a:t>
-            </a:r>
-          </a:p>
-          <a:p>
-            <a:pPr marL="228600" indent="-228600">
-              <a:lnSpc>
-                <a:spcPct val="90000"/>
-              </a:lnSpc>
-              <a:spcBef>
-                <a:spcPts val="1001"/>
-              </a:spcBef>
-              <a:buClr>
-                <a:srgbClr val="000000"/>
-              </a:buClr>
-              <a:buFont typeface="Arial"/>
-              <a:buChar char="•"/>
-            </a:pPr>
-            <a:r>
-              <a:rPr lang="fr-FR" sz="2000" b="0" strike="noStrike" spc="-1">
-                <a:solidFill>
-                  <a:srgbClr val="000000"/>
-                </a:solidFill>
-                <a:latin typeface="Calibri"/>
-              </a:rPr>
-              <a:t>Version Control Git</a:t>
-            </a:r>
-          </a:p>
-          <a:p>
-            <a:pPr marL="685800" lvl="1" indent="-228600">
-              <a:lnSpc>
-                <a:spcPct val="90000"/>
-              </a:lnSpc>
-              <a:spcBef>
-                <a:spcPts val="499"/>
-              </a:spcBef>
-              <a:buClr>
-                <a:srgbClr val="000000"/>
-              </a:buClr>
-              <a:buFont typeface="Arial"/>
-              <a:buChar char="•"/>
-            </a:pPr>
-            <a:r>
-              <a:rPr lang="fr-FR" sz="2000" b="0" strike="noStrike" spc="-1">
-                <a:solidFill>
-                  <a:srgbClr val="000000"/>
-                </a:solidFill>
-                <a:latin typeface="Calibri"/>
-              </a:rPr>
-              <a:t>Code sharing with github</a:t>
-            </a:r>
-          </a:p>
-          <a:p>
-            <a:pPr marL="228600" indent="-228600">
-              <a:lnSpc>
-                <a:spcPct val="90000"/>
-              </a:lnSpc>
-              <a:spcBef>
-                <a:spcPts val="1001"/>
-              </a:spcBef>
-              <a:buClr>
-                <a:srgbClr val="000000"/>
-              </a:buClr>
-              <a:buFont typeface="Arial"/>
-              <a:buChar char="•"/>
-            </a:pPr>
-            <a:r>
-              <a:rPr lang="fr-FR" sz="2000" b="0" strike="noStrike" spc="-1">
-                <a:solidFill>
-                  <a:srgbClr val="000000"/>
-                </a:solidFill>
-                <a:latin typeface="Calibri"/>
-              </a:rPr>
-              <a:t>Unit testing – CI</a:t>
-            </a:r>
-          </a:p>
-          <a:p>
-            <a:pPr marL="228600" indent="-228600">
-              <a:lnSpc>
-                <a:spcPct val="90000"/>
-              </a:lnSpc>
-              <a:spcBef>
-                <a:spcPts val="1001"/>
-              </a:spcBef>
-              <a:buClr>
-                <a:srgbClr val="000000"/>
-              </a:buClr>
-              <a:buFont typeface="Arial"/>
-              <a:buChar char="•"/>
-            </a:pPr>
-            <a:r>
-              <a:rPr lang="fr-FR" sz="2000" b="0" strike="noStrike" spc="-1">
-                <a:solidFill>
-                  <a:srgbClr val="000000"/>
-                </a:solidFill>
-                <a:latin typeface="Calibri"/>
-              </a:rPr>
-              <a:t>Documentation</a:t>
-            </a:r>
-          </a:p>
-          <a:p>
-            <a:pPr marL="228600" indent="-228600">
-              <a:lnSpc>
-                <a:spcPct val="90000"/>
-              </a:lnSpc>
-              <a:spcBef>
-                <a:spcPts val="1001"/>
-              </a:spcBef>
-              <a:buClr>
-                <a:srgbClr val="000000"/>
-              </a:buClr>
-              <a:buFont typeface="Arial"/>
-              <a:buChar char="•"/>
-            </a:pPr>
-            <a:r>
-              <a:rPr lang="fr-FR" sz="2000" b="0" strike="noStrike" spc="-1">
-                <a:solidFill>
-                  <a:srgbClr val="000000"/>
-                </a:solidFill>
-                <a:latin typeface="Calibri"/>
-              </a:rPr>
-              <a:t>Packaging</a:t>
-            </a:r>
-          </a:p>
-          <a:p>
-            <a:pPr marL="228600" indent="-228600">
-              <a:lnSpc>
-                <a:spcPct val="90000"/>
-              </a:lnSpc>
-              <a:spcBef>
-                <a:spcPts val="1001"/>
-              </a:spcBef>
-              <a:buClr>
-                <a:srgbClr val="000000"/>
-              </a:buClr>
-              <a:buFont typeface="Arial"/>
-              <a:buChar char="•"/>
-            </a:pPr>
-            <a:r>
-              <a:rPr lang="fr-FR" sz="2000" b="0" strike="noStrike" spc="-1">
-                <a:solidFill>
-                  <a:srgbClr val="000000"/>
-                </a:solidFill>
-                <a:latin typeface="Calibri"/>
-              </a:rPr>
-              <a:t>Licensing</a:t>
-            </a:r>
-          </a:p>
-        </p:txBody>
-      </p:sp>
-      <p:grpSp>
-        <p:nvGrpSpPr>
-          <p:cNvPr id="98" name="Group 11"/>
-          <p:cNvGrpSpPr/>
-          <p:nvPr/>
-        </p:nvGrpSpPr>
-        <p:grpSpPr>
-          <a:xfrm>
-            <a:off x="360" y="4601520"/>
-            <a:ext cx="1013760" cy="2017080"/>
-            <a:chOff x="360" y="4601520"/>
-            <a:chExt cx="1013760" cy="2017080"/>
-          </a:xfrm>
-        </p:grpSpPr>
-        <p:sp>
-          <p:nvSpPr>
-            <p:cNvPr id="99" name="Isosceles Triangle 12"/>
-            <p:cNvSpPr/>
-            <p:nvPr/>
-          </p:nvSpPr>
-          <p:spPr>
-            <a:xfrm rot="5400000">
-              <a:off x="-501120" y="5103000"/>
-              <a:ext cx="2017080" cy="1013760"/>
-            </a:xfrm>
-            <a:prstGeom prst="triangle">
-              <a:avLst>
-                <a:gd name="adj" fmla="val 50000"/>
-              </a:avLst>
-            </a:prstGeom>
-            <a:solidFill>
-              <a:srgbClr val="4472C4">
-                <a:alpha val="30000"/>
-              </a:srgbClr>
-            </a:solidFill>
-            <a:ln w="12600">
-              <a:noFill/>
-            </a:ln>
-          </p:spPr>
-          <p:style>
-            <a:lnRef idx="0">
-              <a:scrgbClr r="0" g="0" b="0"/>
-            </a:lnRef>
-            <a:fillRef idx="0">
-              <a:scrgbClr r="0" g="0" b="0"/>
-            </a:fillRef>
-            <a:effectRef idx="0">
-              <a:scrgbClr r="0" g="0" b="0"/>
-            </a:effectRef>
-            <a:fontRef idx="minor"/>
-          </p:style>
-        </p:sp>
-        <p:sp>
-          <p:nvSpPr>
-            <p:cNvPr id="100" name="Rectangle 13"/>
-            <p:cNvSpPr/>
-            <p:nvPr/>
-          </p:nvSpPr>
-          <p:spPr>
-            <a:xfrm rot="2700000">
-              <a:off x="428040" y="5728680"/>
-              <a:ext cx="485280" cy="485280"/>
-            </a:xfrm>
-            <a:prstGeom prst="rect">
-              <a:avLst/>
-            </a:prstGeom>
-            <a:solidFill>
-              <a:srgbClr val="4472C4">
-                <a:alpha val="30000"/>
-              </a:srgbClr>
-            </a:solidFill>
-            <a:ln w="12600">
-              <a:noFill/>
-            </a:ln>
-          </p:spPr>
-          <p:style>
-            <a:lnRef idx="0">
-              <a:scrgbClr r="0" g="0" b="0"/>
-            </a:lnRef>
-            <a:fillRef idx="0">
-              <a:scrgbClr r="0" g="0" b="0"/>
-            </a:fillRef>
-            <a:effectRef idx="0">
-              <a:scrgbClr r="0" g="0" b="0"/>
-            </a:effectRef>
-            <a:fontRef idx="minor"/>
-          </p:style>
-        </p:sp>
-      </p:grpSp>
-      <p:grpSp>
-        <p:nvGrpSpPr>
-          <p:cNvPr id="101" name="Group 15"/>
-          <p:cNvGrpSpPr/>
-          <p:nvPr/>
-        </p:nvGrpSpPr>
-        <p:grpSpPr>
-          <a:xfrm>
-            <a:off x="11219400" y="360"/>
-            <a:ext cx="972360" cy="1935000"/>
-            <a:chOff x="11219400" y="360"/>
-            <a:chExt cx="972360" cy="1935000"/>
-          </a:xfrm>
-        </p:grpSpPr>
-        <p:sp>
-          <p:nvSpPr>
-            <p:cNvPr id="102" name="Rectangle 16"/>
-            <p:cNvSpPr/>
-            <p:nvPr/>
-          </p:nvSpPr>
-          <p:spPr>
-            <a:xfrm rot="2700000">
-              <a:off x="11321280" y="1074600"/>
-              <a:ext cx="492840" cy="492840"/>
-            </a:xfrm>
-            <a:prstGeom prst="rect">
-              <a:avLst/>
-            </a:prstGeom>
-            <a:solidFill>
-              <a:srgbClr val="FFC000">
-                <a:alpha val="30000"/>
-              </a:srgbClr>
-            </a:solidFill>
-            <a:ln w="12600">
-              <a:noFill/>
-            </a:ln>
-          </p:spPr>
-          <p:style>
-            <a:lnRef idx="0">
-              <a:scrgbClr r="0" g="0" b="0"/>
-            </a:lnRef>
-            <a:fillRef idx="0">
-              <a:scrgbClr r="0" g="0" b="0"/>
-            </a:fillRef>
-            <a:effectRef idx="0">
-              <a:scrgbClr r="0" g="0" b="0"/>
-            </a:effectRef>
-            <a:fontRef idx="minor"/>
-          </p:style>
-        </p:sp>
-        <p:sp>
-          <p:nvSpPr>
-            <p:cNvPr id="103" name="Isosceles Triangle 17"/>
-            <p:cNvSpPr/>
-            <p:nvPr/>
-          </p:nvSpPr>
-          <p:spPr>
-            <a:xfrm rot="16200000">
-              <a:off x="10738080" y="481680"/>
-              <a:ext cx="1935000" cy="972360"/>
-            </a:xfrm>
-            <a:prstGeom prst="triangle">
-              <a:avLst>
-                <a:gd name="adj" fmla="val 50000"/>
-              </a:avLst>
-            </a:prstGeom>
-            <a:solidFill>
-              <a:srgbClr val="FFC000">
-                <a:alpha val="30000"/>
-              </a:srgbClr>
-            </a:solidFill>
-            <a:ln w="12600">
-              <a:noFill/>
-            </a:ln>
-          </p:spPr>
-          <p:style>
-            <a:lnRef idx="0">
-              <a:scrgbClr r="0" g="0" b="0"/>
-            </a:lnRef>
-            <a:fillRef idx="0">
-              <a:scrgbClr r="0" g="0" b="0"/>
-            </a:fillRef>
-            <a:effectRef idx="0">
-              <a:scrgbClr r="0" g="0" b="0"/>
-            </a:effectRef>
-            <a:fontRef idx="minor"/>
-          </p:style>
-        </p:sp>
-      </p:grpSp>
-    </p:spTree>
-  </p:cSld>
-  <p:clrMapOvr>
-    <a:masterClrMapping/>
-  </p:clrMapOvr>
-</p:sld>
-</file>
-
-<file path=ppt/slides/slide3.xml><?xml version="1.0" encoding="utf-8"?>
-<p:sld xmlns:a="http://schemas.openxmlformats.org/drawingml/2006/main" xmlns:r="http://schemas.openxmlformats.org/officeDocument/2006/relationships" xmlns:p="http://schemas.openxmlformats.org/presentationml/2006/main">
-  <p:cSld>
-    <p:bg>
-      <p:bgPr>
-        <a:solidFill>
-          <a:srgbClr val="FFFFFF"/>
-        </a:solidFill>
-        <a:effectLst/>
-      </p:bgPr>
-    </p:bg>
-    <p:spTree>
-      <p:nvGrpSpPr>
-        <p:cNvPr id="1" name=""/>
-        <p:cNvGrpSpPr/>
-        <p:nvPr/>
-      </p:nvGrpSpPr>
-      <p:grpSpPr>
-        <a:xfrm>
-          <a:off x="0" y="0"/>
-          <a:ext cx="0" cy="0"/>
-          <a:chOff x="0" y="0"/>
-          <a:chExt cx="0" cy="0"/>
-        </a:xfrm>
-      </p:grpSpPr>
-      <p:sp>
-        <p:nvSpPr>
           <p:cNvPr id="116" name="Rectangle 9"/>
           <p:cNvSpPr/>
           <p:nvPr/>
@@ -10735,6 +10371,79 @@
           </a:ln>
         </p:spPr>
       </p:pic>
+      <p:sp>
+        <p:nvSpPr>
+          <p:cNvPr id="2" name="ZoneTexte 1">
+            <a:extLst>
+              <a:ext uri="{FF2B5EF4-FFF2-40B4-BE49-F238E27FC236}">
+                <a16:creationId xmlns:a16="http://schemas.microsoft.com/office/drawing/2014/main" id="{0FC1966F-FEFA-F24D-AEAF-8936112490AF}"/>
+              </a:ext>
+            </a:extLst>
+          </p:cNvPr>
+          <p:cNvSpPr txBox="1"/>
+          <p:nvPr/>
+        </p:nvSpPr>
+        <p:spPr>
+          <a:xfrm>
+            <a:off x="9974069" y="2712240"/>
+            <a:ext cx="1695421" cy="971010"/>
+          </a:xfrm>
+          <a:prstGeom prst="rect">
+            <a:avLst/>
+          </a:prstGeom>
+          <a:noFill/>
+        </p:spPr>
+        <p:txBody>
+          <a:bodyPr wrap="square" rtlCol="0">
+            <a:spAutoFit/>
+          </a:bodyPr>
+          <a:lstStyle/>
+          <a:p>
+            <a:r>
+              <a:rPr lang="fr-FR" sz="1400" dirty="0"/>
+              <a:t>Versions</a:t>
+            </a:r>
+          </a:p>
+          <a:p>
+            <a:pPr marL="285750" indent="-285750">
+              <a:buFontTx/>
+              <a:buChar char="-"/>
+            </a:pPr>
+            <a:r>
+              <a:rPr lang="fr-FR" sz="1400" dirty="0"/>
+              <a:t>Pandas 1.4.1</a:t>
+            </a:r>
+          </a:p>
+          <a:p>
+            <a:pPr marL="285750" indent="-285750">
+              <a:buFontTx/>
+              <a:buChar char="-"/>
+            </a:pPr>
+            <a:r>
+              <a:rPr lang="fr-FR" sz="1400" dirty="0" err="1"/>
+              <a:t>Sklearn</a:t>
+            </a:r>
+            <a:r>
+              <a:rPr lang="fr-FR" sz="1400" dirty="0"/>
+              <a:t> 1.0.2</a:t>
+            </a:r>
+          </a:p>
+          <a:p>
+            <a:pPr marL="285750" indent="-285750">
+              <a:buFontTx/>
+              <a:buChar char="-"/>
+            </a:pPr>
+            <a:r>
+              <a:rPr lang="fr-FR" sz="1400" dirty="0" err="1"/>
+              <a:t>Seaborn</a:t>
+            </a:r>
+            <a:r>
+              <a:rPr lang="fr-FR" sz="1400" dirty="0"/>
+              <a:t> 0.11.2</a:t>
+            </a:r>
+          </a:p>
+        </p:txBody>
+      </p:sp>
     </p:spTree>
   </p:cSld>
   <p:clrMapOvr>
@@ -10743,7 +10452,7 @@
 </p:sld>
 </file>
 
-<file path=ppt/slides/slide4.xml><?xml version="1.0" encoding="utf-8"?>
+<file path=ppt/slides/slide3.xml><?xml version="1.0" encoding="utf-8"?>
 <p:sld xmlns:a="http://schemas.openxmlformats.org/drawingml/2006/main" xmlns:r="http://schemas.openxmlformats.org/officeDocument/2006/relationships" xmlns:p="http://schemas.openxmlformats.org/presentationml/2006/main">
   <p:cSld>
     <p:bg>
@@ -11312,6 +11021,657 @@
           </a:ln>
         </p:spPr>
       </p:pic>
+    </p:spTree>
+    <p:extLst>
+      <p:ext uri="{BB962C8B-B14F-4D97-AF65-F5344CB8AC3E}">
+        <p14:creationId xmlns:p14="http://schemas.microsoft.com/office/powerpoint/2010/main" val="847606999"/>
+      </p:ext>
+    </p:extLst>
+  </p:cSld>
+  <p:clrMapOvr>
+    <a:masterClrMapping/>
+  </p:clrMapOvr>
+</p:sld>
+</file>
+
+<file path=ppt/slides/slide4.xml><?xml version="1.0" encoding="utf-8"?>
+<p:sld xmlns:a="http://schemas.openxmlformats.org/drawingml/2006/main" xmlns:r="http://schemas.openxmlformats.org/officeDocument/2006/relationships" xmlns:p="http://schemas.openxmlformats.org/presentationml/2006/main">
+  <p:cSld>
+    <p:bg>
+      <p:bgPr>
+        <a:solidFill>
+          <a:srgbClr val="FFFFFF"/>
+        </a:solidFill>
+        <a:effectLst/>
+      </p:bgPr>
+    </p:bg>
+    <p:spTree>
+      <p:nvGrpSpPr>
+        <p:cNvPr id="1" name=""/>
+        <p:cNvGrpSpPr/>
+        <p:nvPr/>
+      </p:nvGrpSpPr>
+      <p:grpSpPr>
+        <a:xfrm>
+          <a:off x="0" y="0"/>
+          <a:ext cx="0" cy="0"/>
+          <a:chOff x="0" y="0"/>
+          <a:chExt cx="0" cy="0"/>
+        </a:xfrm>
+      </p:grpSpPr>
+      <p:sp>
+        <p:nvSpPr>
+          <p:cNvPr id="157" name="PlaceHolder 1"/>
+          <p:cNvSpPr>
+            <a:spLocks noGrp="1"/>
+          </p:cNvSpPr>
+          <p:nvPr>
+            <p:ph type="title"/>
+          </p:nvPr>
+        </p:nvSpPr>
+        <p:spPr>
+          <a:xfrm>
+            <a:off x="643320" y="321840"/>
+            <a:ext cx="10904760" cy="1135440"/>
+          </a:xfrm>
+          <a:prstGeom prst="rect">
+            <a:avLst/>
+          </a:prstGeom>
+          <a:noFill/>
+          <a:ln w="0">
+            <a:noFill/>
+          </a:ln>
+        </p:spPr>
+        <p:txBody>
+          <a:bodyPr anchor="ctr">
+            <a:normAutofit/>
+          </a:bodyPr>
+          <a:lstStyle/>
+          <a:p>
+            <a:pPr>
+              <a:lnSpc>
+                <a:spcPct val="90000"/>
+              </a:lnSpc>
+              <a:buNone/>
+            </a:pPr>
+            <a:r>
+              <a:rPr lang="fr-FR" sz="3600" b="0" strike="noStrike" spc="-1" dirty="0" err="1">
+                <a:solidFill>
+                  <a:srgbClr val="000000"/>
+                </a:solidFill>
+                <a:latin typeface="Calibri Light"/>
+              </a:rPr>
+              <a:t>Github</a:t>
+            </a:r>
+            <a:r>
+              <a:rPr lang="fr-FR" sz="3600" b="0" strike="noStrike" spc="-1" dirty="0">
+                <a:solidFill>
+                  <a:srgbClr val="000000"/>
+                </a:solidFill>
+                <a:latin typeface="Calibri Light"/>
+              </a:rPr>
+              <a:t> - </a:t>
+            </a:r>
+            <a:r>
+              <a:rPr lang="fr-FR" sz="3600" b="0" strike="noStrike" spc="-1" dirty="0" err="1">
+                <a:solidFill>
+                  <a:srgbClr val="000000"/>
+                </a:solidFill>
+                <a:latin typeface="Calibri Light"/>
+              </a:rPr>
+              <a:t>organization</a:t>
+            </a:r>
+            <a:endParaRPr lang="fr-FR" sz="3600" b="0" strike="noStrike" spc="-1" dirty="0">
+              <a:solidFill>
+                <a:srgbClr val="000000"/>
+              </a:solidFill>
+              <a:latin typeface="Calibri"/>
+            </a:endParaRPr>
+          </a:p>
+        </p:txBody>
+      </p:sp>
+      <p:sp>
+        <p:nvSpPr>
+          <p:cNvPr id="158" name="PlaceHolder 2"/>
+          <p:cNvSpPr>
+            <a:spLocks noGrp="1"/>
+          </p:cNvSpPr>
+          <p:nvPr>
+            <p:ph/>
+          </p:nvPr>
+        </p:nvSpPr>
+        <p:spPr>
+          <a:xfrm>
+            <a:off x="643320" y="1351080"/>
+            <a:ext cx="5139360" cy="4393800"/>
+          </a:xfrm>
+          <a:prstGeom prst="rect">
+            <a:avLst/>
+          </a:prstGeom>
+          <a:noFill/>
+          <a:ln w="0">
+            <a:noFill/>
+          </a:ln>
+        </p:spPr>
+        <p:txBody>
+          <a:bodyPr anchor="t">
+            <a:normAutofit/>
+          </a:bodyPr>
+          <a:lstStyle/>
+          <a:p>
+            <a:pPr marL="228600" indent="-228600">
+              <a:lnSpc>
+                <a:spcPct val="90000"/>
+              </a:lnSpc>
+              <a:spcBef>
+                <a:spcPts val="1001"/>
+              </a:spcBef>
+              <a:buClr>
+                <a:srgbClr val="000000"/>
+              </a:buClr>
+              <a:buFont typeface="Arial"/>
+              <a:buChar char="•"/>
+            </a:pPr>
+            <a:endParaRPr lang="fr-FR" sz="2000" b="0" strike="noStrike" spc="-1" dirty="0">
+              <a:solidFill>
+                <a:srgbClr val="000000"/>
+              </a:solidFill>
+              <a:latin typeface="Calibri"/>
+            </a:endParaRPr>
+          </a:p>
+          <a:p>
+            <a:pPr>
+              <a:lnSpc>
+                <a:spcPct val="90000"/>
+              </a:lnSpc>
+              <a:spcBef>
+                <a:spcPts val="1001"/>
+              </a:spcBef>
+              <a:buNone/>
+            </a:pPr>
+            <a:endParaRPr lang="fr-FR" sz="2000" b="0" strike="noStrike" spc="-1" dirty="0">
+              <a:solidFill>
+                <a:srgbClr val="000000"/>
+              </a:solidFill>
+              <a:latin typeface="Calibri"/>
+            </a:endParaRPr>
+          </a:p>
+        </p:txBody>
+      </p:sp>
+      <p:grpSp>
+        <p:nvGrpSpPr>
+          <p:cNvPr id="159" name="Group 74"/>
+          <p:cNvGrpSpPr/>
+          <p:nvPr/>
+        </p:nvGrpSpPr>
+        <p:grpSpPr>
+          <a:xfrm>
+            <a:off x="11219400" y="360"/>
+            <a:ext cx="972360" cy="1935000"/>
+            <a:chOff x="11219400" y="360"/>
+            <a:chExt cx="972360" cy="1935000"/>
+          </a:xfrm>
+        </p:grpSpPr>
+        <p:sp>
+          <p:nvSpPr>
+            <p:cNvPr id="160" name="Rectangle 75"/>
+            <p:cNvSpPr/>
+            <p:nvPr/>
+          </p:nvSpPr>
+          <p:spPr>
+            <a:xfrm rot="2700000">
+              <a:off x="11321280" y="1074600"/>
+              <a:ext cx="492840" cy="492840"/>
+            </a:xfrm>
+            <a:prstGeom prst="rect">
+              <a:avLst/>
+            </a:prstGeom>
+            <a:solidFill>
+              <a:srgbClr val="FFC000">
+                <a:alpha val="30000"/>
+              </a:srgbClr>
+            </a:solidFill>
+            <a:ln w="12600">
+              <a:noFill/>
+            </a:ln>
+          </p:spPr>
+          <p:style>
+            <a:lnRef idx="0">
+              <a:scrgbClr r="0" g="0" b="0"/>
+            </a:lnRef>
+            <a:fillRef idx="0">
+              <a:scrgbClr r="0" g="0" b="0"/>
+            </a:fillRef>
+            <a:effectRef idx="0">
+              <a:scrgbClr r="0" g="0" b="0"/>
+            </a:effectRef>
+            <a:fontRef idx="minor"/>
+          </p:style>
+        </p:sp>
+        <p:sp>
+          <p:nvSpPr>
+            <p:cNvPr id="161" name="Isosceles Triangle 76"/>
+            <p:cNvSpPr/>
+            <p:nvPr/>
+          </p:nvSpPr>
+          <p:spPr>
+            <a:xfrm rot="16200000">
+              <a:off x="10738080" y="481680"/>
+              <a:ext cx="1935000" cy="972360"/>
+            </a:xfrm>
+            <a:prstGeom prst="triangle">
+              <a:avLst>
+                <a:gd name="adj" fmla="val 50000"/>
+              </a:avLst>
+            </a:prstGeom>
+            <a:solidFill>
+              <a:srgbClr val="FFC000">
+                <a:alpha val="30000"/>
+              </a:srgbClr>
+            </a:solidFill>
+            <a:ln w="12600">
+              <a:noFill/>
+            </a:ln>
+          </p:spPr>
+          <p:style>
+            <a:lnRef idx="0">
+              <a:scrgbClr r="0" g="0" b="0"/>
+            </a:lnRef>
+            <a:fillRef idx="0">
+              <a:scrgbClr r="0" g="0" b="0"/>
+            </a:fillRef>
+            <a:effectRef idx="0">
+              <a:scrgbClr r="0" g="0" b="0"/>
+            </a:effectRef>
+            <a:fontRef idx="minor"/>
+          </p:style>
+        </p:sp>
+      </p:grpSp>
+      <p:grpSp>
+        <p:nvGrpSpPr>
+          <p:cNvPr id="163" name="Group 78"/>
+          <p:cNvGrpSpPr/>
+          <p:nvPr/>
+        </p:nvGrpSpPr>
+        <p:grpSpPr>
+          <a:xfrm>
+            <a:off x="360" y="4601520"/>
+            <a:ext cx="1013760" cy="2017080"/>
+            <a:chOff x="360" y="4601520"/>
+            <a:chExt cx="1013760" cy="2017080"/>
+          </a:xfrm>
+        </p:grpSpPr>
+        <p:sp>
+          <p:nvSpPr>
+            <p:cNvPr id="164" name="Isosceles Triangle 79"/>
+            <p:cNvSpPr/>
+            <p:nvPr/>
+          </p:nvSpPr>
+          <p:spPr>
+            <a:xfrm rot="5400000">
+              <a:off x="-501120" y="5103000"/>
+              <a:ext cx="2017080" cy="1013760"/>
+            </a:xfrm>
+            <a:prstGeom prst="triangle">
+              <a:avLst>
+                <a:gd name="adj" fmla="val 50000"/>
+              </a:avLst>
+            </a:prstGeom>
+            <a:solidFill>
+              <a:srgbClr val="4472C4">
+                <a:alpha val="30000"/>
+              </a:srgbClr>
+            </a:solidFill>
+            <a:ln w="12600">
+              <a:noFill/>
+            </a:ln>
+          </p:spPr>
+          <p:style>
+            <a:lnRef idx="0">
+              <a:scrgbClr r="0" g="0" b="0"/>
+            </a:lnRef>
+            <a:fillRef idx="0">
+              <a:scrgbClr r="0" g="0" b="0"/>
+            </a:fillRef>
+            <a:effectRef idx="0">
+              <a:scrgbClr r="0" g="0" b="0"/>
+            </a:effectRef>
+            <a:fontRef idx="minor"/>
+          </p:style>
+        </p:sp>
+        <p:sp>
+          <p:nvSpPr>
+            <p:cNvPr id="165" name="Rectangle 80"/>
+            <p:cNvSpPr/>
+            <p:nvPr/>
+          </p:nvSpPr>
+          <p:spPr>
+            <a:xfrm rot="2700000">
+              <a:off x="428040" y="5728680"/>
+              <a:ext cx="485280" cy="485280"/>
+            </a:xfrm>
+            <a:prstGeom prst="rect">
+              <a:avLst/>
+            </a:prstGeom>
+            <a:solidFill>
+              <a:srgbClr val="4472C4">
+                <a:alpha val="30000"/>
+              </a:srgbClr>
+            </a:solidFill>
+            <a:ln w="12600">
+              <a:noFill/>
+            </a:ln>
+          </p:spPr>
+          <p:style>
+            <a:lnRef idx="0">
+              <a:scrgbClr r="0" g="0" b="0"/>
+            </a:lnRef>
+            <a:fillRef idx="0">
+              <a:scrgbClr r="0" g="0" b="0"/>
+            </a:fillRef>
+            <a:effectRef idx="0">
+              <a:scrgbClr r="0" g="0" b="0"/>
+            </a:effectRef>
+            <a:fontRef idx="minor"/>
+          </p:style>
+        </p:sp>
+      </p:grpSp>
+      <p:pic>
+        <p:nvPicPr>
+          <p:cNvPr id="168" name="Picture 6" descr="How to start with GitHub and contribute to the open source | by raviteja  yamsani | Medium"/>
+          <p:cNvPicPr/>
+          <p:nvPr/>
+        </p:nvPicPr>
+        <p:blipFill>
+          <a:blip r:embed="rId3"/>
+          <a:srcRect l="24201" r="19139"/>
+          <a:stretch/>
+        </p:blipFill>
+        <p:spPr>
+          <a:xfrm>
+            <a:off x="8165047" y="967860"/>
+            <a:ext cx="2172960" cy="2120400"/>
+          </a:xfrm>
+          <a:prstGeom prst="rect">
+            <a:avLst/>
+          </a:prstGeom>
+          <a:ln w="0">
+            <a:noFill/>
+          </a:ln>
+        </p:spPr>
+      </p:pic>
+      <p:sp>
+        <p:nvSpPr>
+          <p:cNvPr id="15" name="PlaceHolder 2">
+            <a:extLst>
+              <a:ext uri="{FF2B5EF4-FFF2-40B4-BE49-F238E27FC236}">
+                <a16:creationId xmlns:a16="http://schemas.microsoft.com/office/drawing/2014/main" id="{19504FDA-F60B-F549-BFE2-78D5E0F4C19B}"/>
+              </a:ext>
+            </a:extLst>
+          </p:cNvPr>
+          <p:cNvSpPr txBox="1">
+            <a:spLocks/>
+          </p:cNvSpPr>
+          <p:nvPr/>
+        </p:nvSpPr>
+        <p:spPr>
+          <a:xfrm>
+            <a:off x="670679" y="1503058"/>
+            <a:ext cx="4071649" cy="3938518"/>
+          </a:xfrm>
+          <a:prstGeom prst="rect">
+            <a:avLst/>
+          </a:prstGeom>
+          <a:noFill/>
+          <a:ln w="0">
+            <a:noFill/>
+          </a:ln>
+        </p:spPr>
+        <p:txBody>
+          <a:bodyPr anchor="t">
+            <a:normAutofit/>
+          </a:bodyPr>
+          <a:lstStyle>
+            <a:lvl1pPr marL="228600" indent="-228600" algn="l" defTabSz="914400" rtl="0" eaLnBrk="1" latinLnBrk="0" hangingPunct="1">
+              <a:lnSpc>
+                <a:spcPct val="90000"/>
+              </a:lnSpc>
+              <a:spcBef>
+                <a:spcPts val="1000"/>
+              </a:spcBef>
+              <a:buFont typeface="Arial" panose="020B0604020202020204" pitchFamily="34" charset="0"/>
+              <a:buChar char="•"/>
+              <a:defRPr sz="2800" kern="1200">
+                <a:solidFill>
+                  <a:schemeClr val="tx1"/>
+                </a:solidFill>
+                <a:latin typeface="+mn-lt"/>
+                <a:ea typeface="+mn-ea"/>
+                <a:cs typeface="+mn-cs"/>
+              </a:defRPr>
+            </a:lvl1pPr>
+            <a:lvl2pPr marL="685800" indent="-228600" algn="l" defTabSz="914400" rtl="0" eaLnBrk="1" latinLnBrk="0" hangingPunct="1">
+              <a:lnSpc>
+                <a:spcPct val="90000"/>
+              </a:lnSpc>
+              <a:spcBef>
+                <a:spcPts val="500"/>
+              </a:spcBef>
+              <a:buFont typeface="Arial" panose="020B0604020202020204" pitchFamily="34" charset="0"/>
+              <a:buChar char="•"/>
+              <a:defRPr sz="2400" kern="1200">
+                <a:solidFill>
+                  <a:schemeClr val="tx1"/>
+                </a:solidFill>
+                <a:latin typeface="+mn-lt"/>
+                <a:ea typeface="+mn-ea"/>
+                <a:cs typeface="+mn-cs"/>
+              </a:defRPr>
+            </a:lvl2pPr>
+            <a:lvl3pPr marL="1143000" indent="-228600" algn="l" defTabSz="914400" rtl="0" eaLnBrk="1" latinLnBrk="0" hangingPunct="1">
+              <a:lnSpc>
+                <a:spcPct val="90000"/>
+              </a:lnSpc>
+              <a:spcBef>
+                <a:spcPts val="500"/>
+              </a:spcBef>
+              <a:buFont typeface="Arial" panose="020B0604020202020204" pitchFamily="34" charset="0"/>
+              <a:buChar char="•"/>
+              <a:defRPr sz="2000" kern="1200">
+                <a:solidFill>
+                  <a:schemeClr val="tx1"/>
+                </a:solidFill>
+                <a:latin typeface="+mn-lt"/>
+                <a:ea typeface="+mn-ea"/>
+                <a:cs typeface="+mn-cs"/>
+              </a:defRPr>
+            </a:lvl3pPr>
+            <a:lvl4pPr marL="1600200" indent="-228600" algn="l" defTabSz="914400" rtl="0" eaLnBrk="1" latinLnBrk="0" hangingPunct="1">
+              <a:lnSpc>
+                <a:spcPct val="90000"/>
+              </a:lnSpc>
+              <a:spcBef>
+                <a:spcPts val="500"/>
+              </a:spcBef>
+              <a:buFont typeface="Arial" panose="020B0604020202020204" pitchFamily="34" charset="0"/>
+              <a:buChar char="•"/>
+              <a:defRPr sz="1800" kern="1200">
+                <a:solidFill>
+                  <a:schemeClr val="tx1"/>
+                </a:solidFill>
+                <a:latin typeface="+mn-lt"/>
+                <a:ea typeface="+mn-ea"/>
+                <a:cs typeface="+mn-cs"/>
+              </a:defRPr>
+            </a:lvl4pPr>
+            <a:lvl5pPr marL="2057400" indent="-228600" algn="l" defTabSz="914400" rtl="0" eaLnBrk="1" latinLnBrk="0" hangingPunct="1">
+              <a:lnSpc>
+                <a:spcPct val="90000"/>
+              </a:lnSpc>
+              <a:spcBef>
+                <a:spcPts val="500"/>
+              </a:spcBef>
+              <a:buFont typeface="Arial" panose="020B0604020202020204" pitchFamily="34" charset="0"/>
+              <a:buChar char="•"/>
+              <a:defRPr sz="1800" kern="1200">
+                <a:solidFill>
+                  <a:schemeClr val="tx1"/>
+                </a:solidFill>
+                <a:latin typeface="+mn-lt"/>
+                <a:ea typeface="+mn-ea"/>
+                <a:cs typeface="+mn-cs"/>
+              </a:defRPr>
+            </a:lvl5pPr>
+            <a:lvl6pPr marL="2514600" indent="-228600" algn="l" defTabSz="914400" rtl="0" eaLnBrk="1" latinLnBrk="0" hangingPunct="1">
+              <a:lnSpc>
+                <a:spcPct val="90000"/>
+              </a:lnSpc>
+              <a:spcBef>
+                <a:spcPts val="500"/>
+              </a:spcBef>
+              <a:buFont typeface="Arial" panose="020B0604020202020204" pitchFamily="34" charset="0"/>
+              <a:buChar char="•"/>
+              <a:defRPr sz="1800" kern="1200">
+                <a:solidFill>
+                  <a:schemeClr val="tx1"/>
+                </a:solidFill>
+                <a:latin typeface="+mn-lt"/>
+                <a:ea typeface="+mn-ea"/>
+                <a:cs typeface="+mn-cs"/>
+              </a:defRPr>
+            </a:lvl6pPr>
+            <a:lvl7pPr marL="2971800" indent="-228600" algn="l" defTabSz="914400" rtl="0" eaLnBrk="1" latinLnBrk="0" hangingPunct="1">
+              <a:lnSpc>
+                <a:spcPct val="90000"/>
+              </a:lnSpc>
+              <a:spcBef>
+                <a:spcPts val="500"/>
+              </a:spcBef>
+              <a:buFont typeface="Arial" panose="020B0604020202020204" pitchFamily="34" charset="0"/>
+              <a:buChar char="•"/>
+              <a:defRPr sz="1800" kern="1200">
+                <a:solidFill>
+                  <a:schemeClr val="tx1"/>
+                </a:solidFill>
+                <a:latin typeface="+mn-lt"/>
+                <a:ea typeface="+mn-ea"/>
+                <a:cs typeface="+mn-cs"/>
+              </a:defRPr>
+            </a:lvl7pPr>
+            <a:lvl8pPr marL="3429000" indent="-228600" algn="l" defTabSz="914400" rtl="0" eaLnBrk="1" latinLnBrk="0" hangingPunct="1">
+              <a:lnSpc>
+                <a:spcPct val="90000"/>
+              </a:lnSpc>
+              <a:spcBef>
+                <a:spcPts val="500"/>
+              </a:spcBef>
+              <a:buFont typeface="Arial" panose="020B0604020202020204" pitchFamily="34" charset="0"/>
+              <a:buChar char="•"/>
+              <a:defRPr sz="1800" kern="1200">
+                <a:solidFill>
+                  <a:schemeClr val="tx1"/>
+                </a:solidFill>
+                <a:latin typeface="+mn-lt"/>
+                <a:ea typeface="+mn-ea"/>
+                <a:cs typeface="+mn-cs"/>
+              </a:defRPr>
+            </a:lvl8pPr>
+            <a:lvl9pPr marL="3886200" indent="-228600" algn="l" defTabSz="914400" rtl="0" eaLnBrk="1" latinLnBrk="0" hangingPunct="1">
+              <a:lnSpc>
+                <a:spcPct val="90000"/>
+              </a:lnSpc>
+              <a:spcBef>
+                <a:spcPts val="500"/>
+              </a:spcBef>
+              <a:buFont typeface="Arial" panose="020B0604020202020204" pitchFamily="34" charset="0"/>
+              <a:buChar char="•"/>
+              <a:defRPr sz="1800" kern="1200">
+                <a:solidFill>
+                  <a:schemeClr val="tx1"/>
+                </a:solidFill>
+                <a:latin typeface="+mn-lt"/>
+                <a:ea typeface="+mn-ea"/>
+                <a:cs typeface="+mn-cs"/>
+              </a:defRPr>
+            </a:lvl9pPr>
+          </a:lstStyle>
+          <a:p>
+            <a:pPr>
+              <a:spcBef>
+                <a:spcPts val="1001"/>
+              </a:spcBef>
+              <a:buClr>
+                <a:srgbClr val="000000"/>
+              </a:buClr>
+              <a:buFont typeface="Arial"/>
+              <a:buChar char="•"/>
+            </a:pPr>
+            <a:r>
+              <a:rPr lang="fr-FR" sz="2000" spc="-1" dirty="0">
+                <a:solidFill>
+                  <a:srgbClr val="000000"/>
+                </a:solidFill>
+                <a:latin typeface="Calibri"/>
+              </a:rPr>
+              <a:t>~200 </a:t>
+            </a:r>
+            <a:r>
+              <a:rPr lang="fr-FR" sz="2000" spc="-1" dirty="0" err="1">
+                <a:solidFill>
+                  <a:srgbClr val="000000"/>
+                </a:solidFill>
+                <a:latin typeface="Calibri"/>
+              </a:rPr>
+              <a:t>commits</a:t>
+            </a:r>
+            <a:endParaRPr lang="fr-FR" sz="2000" spc="-1" dirty="0">
+              <a:solidFill>
+                <a:srgbClr val="000000"/>
+              </a:solidFill>
+              <a:latin typeface="Calibri"/>
+            </a:endParaRPr>
+          </a:p>
+          <a:p>
+            <a:pPr>
+              <a:spcBef>
+                <a:spcPts val="1001"/>
+              </a:spcBef>
+              <a:buClr>
+                <a:srgbClr val="000000"/>
+              </a:buClr>
+              <a:buFont typeface="Arial"/>
+              <a:buChar char="•"/>
+            </a:pPr>
+            <a:r>
+              <a:rPr lang="fr-FR" sz="2000" spc="-1" dirty="0">
+                <a:solidFill>
+                  <a:srgbClr val="000000"/>
+                </a:solidFill>
+                <a:latin typeface="Calibri"/>
+              </a:rPr>
+              <a:t>6 branches</a:t>
+            </a:r>
+          </a:p>
+          <a:p>
+            <a:pPr>
+              <a:spcBef>
+                <a:spcPts val="1001"/>
+              </a:spcBef>
+              <a:buClr>
+                <a:srgbClr val="000000"/>
+              </a:buClr>
+              <a:buFont typeface="Arial"/>
+              <a:buChar char="•"/>
+            </a:pPr>
+            <a:endParaRPr lang="fr-FR" sz="2000" spc="-1" dirty="0">
+              <a:solidFill>
+                <a:srgbClr val="000000"/>
+              </a:solidFill>
+              <a:latin typeface="Calibri"/>
+            </a:endParaRPr>
+          </a:p>
+        </p:txBody>
+      </p:sp>
     </p:spTree>
   </p:cSld>
   <p:clrMapOvr>
@@ -12675,6 +13035,698 @@
       </p:grpSpPr>
       <p:sp>
         <p:nvSpPr>
+          <p:cNvPr id="194" name="Rectangle 9"/>
+          <p:cNvSpPr/>
+          <p:nvPr/>
+        </p:nvSpPr>
+        <p:spPr>
+          <a:xfrm>
+            <a:off x="0" y="0"/>
+            <a:ext cx="12191760" cy="6857640"/>
+          </a:xfrm>
+          <a:prstGeom prst="rect">
+            <a:avLst/>
+          </a:prstGeom>
+          <a:solidFill>
+            <a:srgbClr val="FFFFFF"/>
+          </a:solidFill>
+          <a:ln w="12600">
+            <a:noFill/>
+          </a:ln>
+        </p:spPr>
+        <p:style>
+          <a:lnRef idx="0">
+            <a:scrgbClr r="0" g="0" b="0"/>
+          </a:lnRef>
+          <a:fillRef idx="0">
+            <a:scrgbClr r="0" g="0" b="0"/>
+          </a:fillRef>
+          <a:effectRef idx="0">
+            <a:scrgbClr r="0" g="0" b="0"/>
+          </a:effectRef>
+          <a:fontRef idx="minor"/>
+        </p:style>
+      </p:sp>
+      <p:sp>
+        <p:nvSpPr>
+          <p:cNvPr id="195" name="PlaceHolder 1"/>
+          <p:cNvSpPr>
+            <a:spLocks noGrp="1"/>
+          </p:cNvSpPr>
+          <p:nvPr>
+            <p:ph type="title"/>
+          </p:nvPr>
+        </p:nvSpPr>
+        <p:spPr>
+          <a:xfrm>
+            <a:off x="643320" y="321840"/>
+            <a:ext cx="10904760" cy="1135440"/>
+          </a:xfrm>
+          <a:prstGeom prst="rect">
+            <a:avLst/>
+          </a:prstGeom>
+          <a:noFill/>
+          <a:ln w="0">
+            <a:noFill/>
+          </a:ln>
+        </p:spPr>
+        <p:txBody>
+          <a:bodyPr anchor="ctr">
+            <a:normAutofit/>
+          </a:bodyPr>
+          <a:lstStyle/>
+          <a:p>
+            <a:pPr>
+              <a:lnSpc>
+                <a:spcPct val="90000"/>
+              </a:lnSpc>
+              <a:buNone/>
+            </a:pPr>
+            <a:r>
+              <a:rPr lang="fr-FR" sz="3600" b="0" strike="noStrike" spc="-1" dirty="0" err="1">
+                <a:solidFill>
+                  <a:srgbClr val="000000"/>
+                </a:solidFill>
+                <a:latin typeface="Calibri Light"/>
+              </a:rPr>
+              <a:t>Licensing</a:t>
+            </a:r>
+            <a:r>
+              <a:rPr lang="fr-FR" sz="3600" b="0" strike="noStrike" spc="-1" dirty="0">
+                <a:solidFill>
+                  <a:srgbClr val="000000"/>
+                </a:solidFill>
+                <a:latin typeface="Calibri Light"/>
+              </a:rPr>
+              <a:t> - </a:t>
+            </a:r>
+            <a:r>
+              <a:rPr lang="fr-FR" sz="3600" b="0" strike="noStrike" spc="-1" dirty="0" err="1">
+                <a:solidFill>
+                  <a:srgbClr val="000000"/>
+                </a:solidFill>
+                <a:latin typeface="Calibri Light"/>
+              </a:rPr>
+              <a:t>dependencies</a:t>
+            </a:r>
+            <a:endParaRPr lang="fr-FR" sz="3600" b="0" strike="noStrike" spc="-1" dirty="0">
+              <a:solidFill>
+                <a:srgbClr val="000000"/>
+              </a:solidFill>
+              <a:latin typeface="Calibri"/>
+            </a:endParaRPr>
+          </a:p>
+        </p:txBody>
+      </p:sp>
+      <p:sp>
+        <p:nvSpPr>
+          <p:cNvPr id="196" name="PlaceHolder 2"/>
+          <p:cNvSpPr>
+            <a:spLocks noGrp="1"/>
+          </p:cNvSpPr>
+          <p:nvPr>
+            <p:ph/>
+          </p:nvPr>
+        </p:nvSpPr>
+        <p:spPr>
+          <a:xfrm>
+            <a:off x="643319" y="1783080"/>
+            <a:ext cx="11272871" cy="4393800"/>
+          </a:xfrm>
+          <a:prstGeom prst="rect">
+            <a:avLst/>
+          </a:prstGeom>
+          <a:noFill/>
+          <a:ln w="0">
+            <a:noFill/>
+          </a:ln>
+        </p:spPr>
+        <p:txBody>
+          <a:bodyPr anchor="t">
+            <a:normAutofit/>
+          </a:bodyPr>
+          <a:lstStyle/>
+          <a:p>
+            <a:pPr>
+              <a:spcBef>
+                <a:spcPts val="1001"/>
+              </a:spcBef>
+              <a:buClr>
+                <a:srgbClr val="000000"/>
+              </a:buClr>
+              <a:buFont typeface="Arial"/>
+              <a:buChar char="•"/>
+            </a:pPr>
+            <a:r>
+              <a:rPr lang="fr-FR" spc="-1" dirty="0" err="1">
+                <a:solidFill>
+                  <a:srgbClr val="000000"/>
+                </a:solidFill>
+                <a:latin typeface="Calibri"/>
+              </a:rPr>
+              <a:t>Legal</a:t>
+            </a:r>
+            <a:r>
+              <a:rPr lang="fr-FR" spc="-1" dirty="0">
+                <a:solidFill>
+                  <a:srgbClr val="000000"/>
+                </a:solidFill>
+                <a:latin typeface="Calibri"/>
+              </a:rPr>
+              <a:t> Instrument </a:t>
+            </a:r>
+          </a:p>
+          <a:p>
+            <a:pPr>
+              <a:spcBef>
+                <a:spcPts val="1001"/>
+              </a:spcBef>
+              <a:buClr>
+                <a:srgbClr val="000000"/>
+              </a:buClr>
+              <a:buFont typeface="Arial"/>
+              <a:buChar char="•"/>
+            </a:pPr>
+            <a:r>
+              <a:rPr lang="fr-FR" spc="-1" dirty="0" err="1">
+                <a:solidFill>
+                  <a:srgbClr val="000000"/>
+                </a:solidFill>
+                <a:latin typeface="Calibri"/>
+              </a:rPr>
+              <a:t>Regulate</a:t>
+            </a:r>
+            <a:r>
+              <a:rPr lang="fr-FR" spc="-1" dirty="0">
+                <a:solidFill>
+                  <a:srgbClr val="000000"/>
+                </a:solidFill>
+                <a:latin typeface="Calibri"/>
+              </a:rPr>
+              <a:t> the use and distribution of  </a:t>
+            </a:r>
+            <a:r>
+              <a:rPr lang="fr-FR" spc="-1" dirty="0" err="1">
+                <a:solidFill>
+                  <a:srgbClr val="000000"/>
+                </a:solidFill>
+                <a:latin typeface="Calibri"/>
+              </a:rPr>
+              <a:t>copyrighted</a:t>
+            </a:r>
+            <a:r>
+              <a:rPr lang="fr-FR" spc="-1" dirty="0">
+                <a:solidFill>
+                  <a:srgbClr val="000000"/>
+                </a:solidFill>
+                <a:latin typeface="Calibri"/>
+              </a:rPr>
+              <a:t> software</a:t>
+            </a:r>
+          </a:p>
+          <a:p>
+            <a:pPr>
+              <a:spcBef>
+                <a:spcPts val="1001"/>
+              </a:spcBef>
+              <a:buClr>
+                <a:srgbClr val="000000"/>
+              </a:buClr>
+              <a:buFont typeface="Arial"/>
+              <a:buChar char="•"/>
+            </a:pPr>
+            <a:r>
+              <a:rPr lang="fr-FR" spc="-1" dirty="0" err="1">
+                <a:solidFill>
+                  <a:srgbClr val="000000"/>
+                </a:solidFill>
+                <a:latin typeface="Calibri"/>
+              </a:rPr>
+              <a:t>Licenses</a:t>
+            </a:r>
+            <a:r>
+              <a:rPr lang="fr-FR" spc="-1" dirty="0">
+                <a:solidFill>
+                  <a:srgbClr val="000000"/>
+                </a:solidFill>
+                <a:latin typeface="Calibri"/>
+              </a:rPr>
+              <a:t> of </a:t>
+            </a:r>
+            <a:r>
+              <a:rPr lang="fr-FR" spc="-1" dirty="0" err="1">
+                <a:solidFill>
+                  <a:srgbClr val="000000"/>
+                </a:solidFill>
+                <a:latin typeface="Calibri"/>
+              </a:rPr>
+              <a:t>dependencies</a:t>
+            </a:r>
+            <a:r>
+              <a:rPr lang="fr-FR" spc="-1" dirty="0">
+                <a:solidFill>
+                  <a:srgbClr val="000000"/>
+                </a:solidFill>
+                <a:latin typeface="Calibri"/>
+              </a:rPr>
+              <a:t> : </a:t>
+            </a:r>
+          </a:p>
+          <a:p>
+            <a:pPr lvl="1">
+              <a:spcBef>
+                <a:spcPts val="1001"/>
+              </a:spcBef>
+              <a:buClr>
+                <a:srgbClr val="000000"/>
+              </a:buClr>
+              <a:buFont typeface="Arial"/>
+              <a:buChar char="•"/>
+            </a:pPr>
+            <a:r>
+              <a:rPr lang="fr-FR" spc="-1" dirty="0">
+                <a:solidFill>
+                  <a:srgbClr val="000000"/>
+                </a:solidFill>
+                <a:latin typeface="Calibri"/>
+              </a:rPr>
+              <a:t>Pandas : BSD 3-Clause </a:t>
+            </a:r>
+          </a:p>
+          <a:p>
+            <a:pPr lvl="1">
+              <a:spcBef>
+                <a:spcPts val="1001"/>
+              </a:spcBef>
+              <a:buClr>
+                <a:srgbClr val="000000"/>
+              </a:buClr>
+              <a:buFont typeface="Arial"/>
+              <a:buChar char="•"/>
+            </a:pPr>
+            <a:r>
+              <a:rPr lang="fr-FR" spc="-1" dirty="0" err="1">
+                <a:solidFill>
+                  <a:srgbClr val="000000"/>
+                </a:solidFill>
+                <a:latin typeface="Calibri"/>
+              </a:rPr>
+              <a:t>Numpy</a:t>
+            </a:r>
+            <a:r>
+              <a:rPr lang="fr-FR" spc="-1" dirty="0">
+                <a:solidFill>
+                  <a:srgbClr val="000000"/>
+                </a:solidFill>
+                <a:latin typeface="Calibri"/>
+              </a:rPr>
+              <a:t> : All </a:t>
+            </a:r>
+            <a:r>
+              <a:rPr lang="fr-FR" spc="-1" dirty="0" err="1">
+                <a:solidFill>
+                  <a:srgbClr val="000000"/>
+                </a:solidFill>
+                <a:latin typeface="Calibri"/>
+              </a:rPr>
+              <a:t>rights</a:t>
+            </a:r>
+            <a:r>
+              <a:rPr lang="fr-FR" spc="-1" dirty="0">
+                <a:solidFill>
+                  <a:srgbClr val="000000"/>
+                </a:solidFill>
+                <a:latin typeface="Calibri"/>
+              </a:rPr>
+              <a:t> </a:t>
+            </a:r>
+            <a:r>
+              <a:rPr lang="fr-FR" spc="-1" dirty="0" err="1">
+                <a:solidFill>
+                  <a:srgbClr val="000000"/>
+                </a:solidFill>
+                <a:latin typeface="Calibri"/>
+              </a:rPr>
+              <a:t>reserved</a:t>
+            </a:r>
+            <a:r>
+              <a:rPr lang="fr-FR" spc="-1" dirty="0">
+                <a:solidFill>
+                  <a:srgbClr val="000000"/>
+                </a:solidFill>
+                <a:latin typeface="Calibri"/>
+              </a:rPr>
+              <a:t> </a:t>
+            </a:r>
+          </a:p>
+          <a:p>
+            <a:pPr lvl="1">
+              <a:spcBef>
+                <a:spcPts val="1001"/>
+              </a:spcBef>
+              <a:buClr>
+                <a:srgbClr val="000000"/>
+              </a:buClr>
+              <a:buFont typeface="Arial"/>
+              <a:buChar char="•"/>
+            </a:pPr>
+            <a:r>
+              <a:rPr lang="fr-FR" spc="-1" dirty="0" err="1">
+                <a:solidFill>
+                  <a:srgbClr val="000000"/>
+                </a:solidFill>
+                <a:latin typeface="Calibri"/>
+              </a:rPr>
+              <a:t>Sklearn</a:t>
+            </a:r>
+            <a:r>
+              <a:rPr lang="fr-FR" spc="-1" dirty="0">
+                <a:solidFill>
+                  <a:srgbClr val="000000"/>
+                </a:solidFill>
+                <a:latin typeface="Calibri"/>
+              </a:rPr>
+              <a:t> : BSD 3-Clause</a:t>
+            </a:r>
+          </a:p>
+          <a:p>
+            <a:pPr lvl="1">
+              <a:spcBef>
+                <a:spcPts val="1001"/>
+              </a:spcBef>
+              <a:buClr>
+                <a:srgbClr val="000000"/>
+              </a:buClr>
+              <a:buFont typeface="Arial"/>
+              <a:buChar char="•"/>
+            </a:pPr>
+            <a:r>
+              <a:rPr lang="fr-FR" spc="-1" dirty="0" err="1">
+                <a:solidFill>
+                  <a:srgbClr val="000000"/>
+                </a:solidFill>
+                <a:latin typeface="Calibri"/>
+              </a:rPr>
+              <a:t>Seaborn</a:t>
+            </a:r>
+            <a:r>
+              <a:rPr lang="fr-FR" spc="-1" dirty="0">
+                <a:solidFill>
+                  <a:srgbClr val="000000"/>
+                </a:solidFill>
+                <a:latin typeface="Calibri"/>
+              </a:rPr>
+              <a:t> : all </a:t>
+            </a:r>
+            <a:r>
+              <a:rPr lang="fr-FR" spc="-1" dirty="0" err="1">
+                <a:solidFill>
+                  <a:srgbClr val="000000"/>
+                </a:solidFill>
+                <a:latin typeface="Calibri"/>
+              </a:rPr>
+              <a:t>rights</a:t>
+            </a:r>
+            <a:r>
+              <a:rPr lang="fr-FR" spc="-1" dirty="0">
+                <a:solidFill>
+                  <a:srgbClr val="000000"/>
+                </a:solidFill>
+                <a:latin typeface="Calibri"/>
+              </a:rPr>
+              <a:t> </a:t>
+            </a:r>
+            <a:r>
+              <a:rPr lang="fr-FR" spc="-1" dirty="0" err="1">
+                <a:solidFill>
+                  <a:srgbClr val="000000"/>
+                </a:solidFill>
+                <a:latin typeface="Calibri"/>
+              </a:rPr>
+              <a:t>reserved</a:t>
+            </a:r>
+            <a:endParaRPr lang="fr-FR" spc="-1" dirty="0">
+              <a:solidFill>
+                <a:srgbClr val="000000"/>
+              </a:solidFill>
+              <a:latin typeface="Calibri"/>
+            </a:endParaRPr>
+          </a:p>
+          <a:p>
+            <a:pPr lvl="1">
+              <a:spcBef>
+                <a:spcPts val="1001"/>
+              </a:spcBef>
+              <a:buClr>
+                <a:srgbClr val="000000"/>
+              </a:buClr>
+              <a:buFont typeface="Arial"/>
+              <a:buChar char="•"/>
+            </a:pPr>
+            <a:endParaRPr lang="fr-FR" spc="-1" dirty="0">
+              <a:solidFill>
+                <a:srgbClr val="000000"/>
+              </a:solidFill>
+              <a:latin typeface="Calibri"/>
+            </a:endParaRPr>
+          </a:p>
+          <a:p>
+            <a:pPr>
+              <a:lnSpc>
+                <a:spcPct val="90000"/>
+              </a:lnSpc>
+              <a:spcBef>
+                <a:spcPts val="1417"/>
+              </a:spcBef>
+              <a:buNone/>
+            </a:pPr>
+            <a:endParaRPr lang="fr-FR" sz="2800" b="0" strike="noStrike" spc="-1" dirty="0">
+              <a:solidFill>
+                <a:srgbClr val="000000"/>
+              </a:solidFill>
+              <a:latin typeface="Calibri"/>
+            </a:endParaRPr>
+          </a:p>
+        </p:txBody>
+      </p:sp>
+      <p:grpSp>
+        <p:nvGrpSpPr>
+          <p:cNvPr id="197" name="Group 11"/>
+          <p:cNvGrpSpPr/>
+          <p:nvPr/>
+        </p:nvGrpSpPr>
+        <p:grpSpPr>
+          <a:xfrm>
+            <a:off x="360" y="4601520"/>
+            <a:ext cx="1013760" cy="2017080"/>
+            <a:chOff x="360" y="4601520"/>
+            <a:chExt cx="1013760" cy="2017080"/>
+          </a:xfrm>
+        </p:grpSpPr>
+        <p:sp>
+          <p:nvSpPr>
+            <p:cNvPr id="198" name="Isosceles Triangle 12"/>
+            <p:cNvSpPr/>
+            <p:nvPr/>
+          </p:nvSpPr>
+          <p:spPr>
+            <a:xfrm rot="5400000">
+              <a:off x="-501120" y="5103000"/>
+              <a:ext cx="2017080" cy="1013760"/>
+            </a:xfrm>
+            <a:prstGeom prst="triangle">
+              <a:avLst>
+                <a:gd name="adj" fmla="val 50000"/>
+              </a:avLst>
+            </a:prstGeom>
+            <a:solidFill>
+              <a:srgbClr val="4472C4">
+                <a:alpha val="30000"/>
+              </a:srgbClr>
+            </a:solidFill>
+            <a:ln w="12600">
+              <a:noFill/>
+            </a:ln>
+          </p:spPr>
+          <p:style>
+            <a:lnRef idx="0">
+              <a:scrgbClr r="0" g="0" b="0"/>
+            </a:lnRef>
+            <a:fillRef idx="0">
+              <a:scrgbClr r="0" g="0" b="0"/>
+            </a:fillRef>
+            <a:effectRef idx="0">
+              <a:scrgbClr r="0" g="0" b="0"/>
+            </a:effectRef>
+            <a:fontRef idx="minor"/>
+          </p:style>
+        </p:sp>
+        <p:sp>
+          <p:nvSpPr>
+            <p:cNvPr id="199" name="Rectangle 13"/>
+            <p:cNvSpPr/>
+            <p:nvPr/>
+          </p:nvSpPr>
+          <p:spPr>
+            <a:xfrm rot="2700000">
+              <a:off x="428040" y="5728680"/>
+              <a:ext cx="485280" cy="485280"/>
+            </a:xfrm>
+            <a:prstGeom prst="rect">
+              <a:avLst/>
+            </a:prstGeom>
+            <a:solidFill>
+              <a:srgbClr val="4472C4">
+                <a:alpha val="30000"/>
+              </a:srgbClr>
+            </a:solidFill>
+            <a:ln w="12600">
+              <a:noFill/>
+            </a:ln>
+          </p:spPr>
+          <p:style>
+            <a:lnRef idx="0">
+              <a:scrgbClr r="0" g="0" b="0"/>
+            </a:lnRef>
+            <a:fillRef idx="0">
+              <a:scrgbClr r="0" g="0" b="0"/>
+            </a:fillRef>
+            <a:effectRef idx="0">
+              <a:scrgbClr r="0" g="0" b="0"/>
+            </a:effectRef>
+            <a:fontRef idx="minor"/>
+          </p:style>
+        </p:sp>
+      </p:grpSp>
+      <p:grpSp>
+        <p:nvGrpSpPr>
+          <p:cNvPr id="200" name="Group 15"/>
+          <p:cNvGrpSpPr/>
+          <p:nvPr/>
+        </p:nvGrpSpPr>
+        <p:grpSpPr>
+          <a:xfrm>
+            <a:off x="11219400" y="360"/>
+            <a:ext cx="972360" cy="1935000"/>
+            <a:chOff x="11219400" y="360"/>
+            <a:chExt cx="972360" cy="1935000"/>
+          </a:xfrm>
+        </p:grpSpPr>
+        <p:sp>
+          <p:nvSpPr>
+            <p:cNvPr id="201" name="Rectangle 16"/>
+            <p:cNvSpPr/>
+            <p:nvPr/>
+          </p:nvSpPr>
+          <p:spPr>
+            <a:xfrm rot="2700000">
+              <a:off x="11321280" y="1074600"/>
+              <a:ext cx="492840" cy="492840"/>
+            </a:xfrm>
+            <a:prstGeom prst="rect">
+              <a:avLst/>
+            </a:prstGeom>
+            <a:solidFill>
+              <a:srgbClr val="FFC000">
+                <a:alpha val="30000"/>
+              </a:srgbClr>
+            </a:solidFill>
+            <a:ln w="12600">
+              <a:noFill/>
+            </a:ln>
+          </p:spPr>
+          <p:style>
+            <a:lnRef idx="0">
+              <a:scrgbClr r="0" g="0" b="0"/>
+            </a:lnRef>
+            <a:fillRef idx="0">
+              <a:scrgbClr r="0" g="0" b="0"/>
+            </a:fillRef>
+            <a:effectRef idx="0">
+              <a:scrgbClr r="0" g="0" b="0"/>
+            </a:effectRef>
+            <a:fontRef idx="minor"/>
+          </p:style>
+        </p:sp>
+        <p:sp>
+          <p:nvSpPr>
+            <p:cNvPr id="202" name="Isosceles Triangle 17"/>
+            <p:cNvSpPr/>
+            <p:nvPr/>
+          </p:nvSpPr>
+          <p:spPr>
+            <a:xfrm rot="16200000">
+              <a:off x="10738080" y="481680"/>
+              <a:ext cx="1935000" cy="972360"/>
+            </a:xfrm>
+            <a:prstGeom prst="triangle">
+              <a:avLst>
+                <a:gd name="adj" fmla="val 50000"/>
+              </a:avLst>
+            </a:prstGeom>
+            <a:solidFill>
+              <a:srgbClr val="FFC000">
+                <a:alpha val="30000"/>
+              </a:srgbClr>
+            </a:solidFill>
+            <a:ln w="12600">
+              <a:noFill/>
+            </a:ln>
+          </p:spPr>
+          <p:style>
+            <a:lnRef idx="0">
+              <a:scrgbClr r="0" g="0" b="0"/>
+            </a:lnRef>
+            <a:fillRef idx="0">
+              <a:scrgbClr r="0" g="0" b="0"/>
+            </a:fillRef>
+            <a:effectRef idx="0">
+              <a:scrgbClr r="0" g="0" b="0"/>
+            </a:effectRef>
+            <a:fontRef idx="minor"/>
+          </p:style>
+        </p:sp>
+      </p:grpSp>
+    </p:spTree>
+    <p:extLst>
+      <p:ext uri="{BB962C8B-B14F-4D97-AF65-F5344CB8AC3E}">
+        <p14:creationId xmlns:p14="http://schemas.microsoft.com/office/powerpoint/2010/main" val="1115296858"/>
+      </p:ext>
+    </p:extLst>
+  </p:cSld>
+  <p:clrMapOvr>
+    <a:masterClrMapping/>
+  </p:clrMapOvr>
+</p:sld>
+</file>
+
+<file path=ppt/slides/slide9.xml><?xml version="1.0" encoding="utf-8"?>
+<p:sld xmlns:a="http://schemas.openxmlformats.org/drawingml/2006/main" xmlns:r="http://schemas.openxmlformats.org/officeDocument/2006/relationships" xmlns:p="http://schemas.openxmlformats.org/presentationml/2006/main">
+  <p:cSld>
+    <p:bg>
+      <p:bgPr>
+        <a:solidFill>
+          <a:srgbClr val="FFFFFF"/>
+        </a:solidFill>
+        <a:effectLst/>
+      </p:bgPr>
+    </p:bg>
+    <p:spTree>
+      <p:nvGrpSpPr>
+        <p:cNvPr id="1" name=""/>
+        <p:cNvGrpSpPr/>
+        <p:nvPr/>
+      </p:nvGrpSpPr>
+      <p:grpSpPr>
+        <a:xfrm>
+          <a:off x="0" y="0"/>
+          <a:ext cx="0" cy="0"/>
+          <a:chOff x="0" y="0"/>
+          <a:chExt cx="0" cy="0"/>
+        </a:xfrm>
+      </p:grpSpPr>
+      <p:sp>
+        <p:nvSpPr>
           <p:cNvPr id="203" name="Rectangle 9"/>
           <p:cNvSpPr/>
           <p:nvPr/>
@@ -12803,14 +13855,83 @@
               <a:buChar char="•"/>
             </a:pPr>
             <a:r>
-              <a:rPr lang="fr-FR" sz="2000" b="0" strike="noStrike" spc="-1">
+              <a:rPr lang="fr-FR" sz="2000" b="0" strike="noStrike" spc="-1" dirty="0">
                 <a:solidFill>
                   <a:srgbClr val="000000"/>
                 </a:solidFill>
                 <a:latin typeface="Calibri"/>
               </a:rPr>
-              <a:t>Legal Instrument </a:t>
+              <a:t>MIT : </a:t>
             </a:r>
+            <a:r>
+              <a:rPr lang="fr-FR" sz="2000" b="0" strike="noStrike" spc="-1" dirty="0" err="1">
+                <a:solidFill>
+                  <a:srgbClr val="000000"/>
+                </a:solidFill>
+                <a:latin typeface="Calibri"/>
+              </a:rPr>
+              <a:t>can</a:t>
+            </a:r>
+            <a:r>
+              <a:rPr lang="fr-FR" sz="2000" b="0" strike="noStrike" spc="-1" dirty="0">
+                <a:solidFill>
+                  <a:srgbClr val="000000"/>
+                </a:solidFill>
+                <a:latin typeface="Calibri"/>
+              </a:rPr>
+              <a:t> </a:t>
+            </a:r>
+            <a:r>
+              <a:rPr lang="fr-FR" sz="2000" b="0" strike="noStrike" spc="-1" dirty="0" err="1">
+                <a:solidFill>
+                  <a:srgbClr val="000000"/>
+                </a:solidFill>
+                <a:latin typeface="Calibri"/>
+              </a:rPr>
+              <a:t>be</a:t>
+            </a:r>
+            <a:r>
+              <a:rPr lang="fr-FR" sz="2000" b="0" strike="noStrike" spc="-1" dirty="0">
+                <a:solidFill>
+                  <a:srgbClr val="000000"/>
+                </a:solidFill>
+                <a:latin typeface="Calibri"/>
+              </a:rPr>
+              <a:t> </a:t>
+            </a:r>
+            <a:r>
+              <a:rPr lang="fr-FR" sz="2000" b="0" strike="noStrike" spc="-1" dirty="0" err="1">
+                <a:solidFill>
+                  <a:srgbClr val="000000"/>
+                </a:solidFill>
+                <a:latin typeface="Calibri"/>
+              </a:rPr>
+              <a:t>modified</a:t>
+            </a:r>
+            <a:r>
+              <a:rPr lang="fr-FR" sz="2000" b="0" strike="noStrike" spc="-1" dirty="0">
+                <a:solidFill>
+                  <a:srgbClr val="000000"/>
+                </a:solidFill>
+                <a:latin typeface="Calibri"/>
+              </a:rPr>
+              <a:t> or </a:t>
+            </a:r>
+            <a:r>
+              <a:rPr lang="fr-FR" sz="2000" b="0" strike="noStrike" spc="-1" dirty="0" err="1">
+                <a:solidFill>
+                  <a:srgbClr val="000000"/>
+                </a:solidFill>
+                <a:latin typeface="Calibri"/>
+              </a:rPr>
+              <a:t>redistributed</a:t>
+            </a:r>
+            <a:endParaRPr lang="fr-FR" sz="2000" b="0" strike="noStrike" spc="-1" dirty="0">
+              <a:solidFill>
+                <a:srgbClr val="000000"/>
+              </a:solidFill>
+              <a:latin typeface="Calibri"/>
+            </a:endParaRPr>
           </a:p>
           <a:p>
             <a:pPr marL="228600" indent="-228600">
@@ -12827,62 +13948,65 @@
               <a:buChar char="•"/>
             </a:pPr>
             <a:r>
-              <a:rPr lang="fr-FR" sz="2000" b="0" strike="noStrike" spc="-1">
+              <a:rPr lang="fr-FR" sz="2000" b="0" strike="noStrike" spc="-1" dirty="0">
                 <a:solidFill>
                   <a:srgbClr val="000000"/>
                 </a:solidFill>
                 <a:latin typeface="Calibri"/>
               </a:rPr>
-              <a:t>Regulate the use and distribution of  copyrighted software</a:t>
+              <a:t>Model : </a:t>
             </a:r>
-          </a:p>
-          <a:p>
-            <a:pPr marL="228600" indent="-228600">
-              <a:lnSpc>
-                <a:spcPct val="90000"/>
-              </a:lnSpc>
-              <a:spcBef>
-                <a:spcPts val="1001"/>
-              </a:spcBef>
-              <a:buClr>
-                <a:srgbClr val="000000"/>
-              </a:buClr>
-              <a:buFont typeface="Arial"/>
-              <a:buChar char="•"/>
-            </a:pPr>
             <a:r>
-              <a:rPr lang="fr-FR" sz="2000" b="0" strike="noStrike" spc="-1">
+              <a:rPr lang="fr-FR" sz="2000" b="0" strike="noStrike" spc="-1" dirty="0" err="1">
                 <a:solidFill>
                   <a:srgbClr val="000000"/>
                 </a:solidFill>
                 <a:latin typeface="Calibri"/>
               </a:rPr>
-              <a:t>MIT : can be modified or redistributed</a:t>
+              <a:t>derivative</a:t>
             </a:r>
-          </a:p>
-          <a:p>
-            <a:pPr marL="228600" indent="-228600">
-              <a:lnSpc>
-                <a:spcPct val="90000"/>
-              </a:lnSpc>
-              <a:spcBef>
-                <a:spcPts val="1001"/>
-              </a:spcBef>
-              <a:buClr>
-                <a:srgbClr val="000000"/>
-              </a:buClr>
-              <a:buFont typeface="Arial"/>
-              <a:buChar char="•"/>
-            </a:pPr>
             <a:r>
-              <a:rPr lang="fr-FR" sz="2000" b="0" strike="noStrike" spc="-1">
+              <a:rPr lang="fr-FR" sz="2000" b="0" strike="noStrike" spc="-1" dirty="0">
                 <a:solidFill>
                   <a:srgbClr val="000000"/>
                 </a:solidFill>
                 <a:latin typeface="Calibri"/>
               </a:rPr>
-              <a:t>Model : derivative work of dataset</a:t>
+              <a:t> </a:t>
             </a:r>
+            <a:r>
+              <a:rPr lang="fr-FR" sz="2000" b="0" strike="noStrike" spc="-1" dirty="0" err="1">
+                <a:solidFill>
+                  <a:srgbClr val="000000"/>
+                </a:solidFill>
+                <a:latin typeface="Calibri"/>
+              </a:rPr>
+              <a:t>work</a:t>
+            </a:r>
+            <a:r>
+              <a:rPr lang="fr-FR" sz="2000" b="0" strike="noStrike" spc="-1" dirty="0">
+                <a:solidFill>
+                  <a:srgbClr val="000000"/>
+                </a:solidFill>
+                <a:latin typeface="Calibri"/>
+              </a:rPr>
+              <a:t> of </a:t>
+            </a:r>
+            <a:r>
+              <a:rPr lang="fr-FR" sz="2000" b="0" strike="noStrike" spc="-1" dirty="0" err="1">
+                <a:solidFill>
+                  <a:srgbClr val="000000"/>
+                </a:solidFill>
+                <a:latin typeface="Calibri"/>
+              </a:rPr>
+              <a:t>dataset</a:t>
+            </a:r>
+            <a:endParaRPr lang="fr-FR" sz="2000" b="0" strike="noStrike" spc="-1" dirty="0">
+              <a:solidFill>
+                <a:srgbClr val="000000"/>
+              </a:solidFill>
+              <a:latin typeface="Calibri"/>
+            </a:endParaRPr>
           </a:p>
           <a:p>
             <a:pPr>
@@ -12898,14 +14022,47 @@
               </a:tabLst>
             </a:pPr>
             <a:r>
-              <a:rPr lang="fr-FR" sz="2000" b="0" strike="noStrike" spc="-1">
+              <a:rPr lang="fr-FR" sz="2000" b="0" strike="noStrike" spc="-1" dirty="0">
                 <a:solidFill>
                   <a:srgbClr val="000000"/>
                 </a:solidFill>
                 <a:latin typeface="Calibri"/>
               </a:rPr>
-              <a:t> 	=&gt; Show license of dataset</a:t>
+              <a:t> 	=&gt; Show </a:t>
             </a:r>
+            <a:r>
+              <a:rPr lang="fr-FR" sz="2000" b="0" strike="noStrike" spc="-1" dirty="0" err="1">
+                <a:solidFill>
+                  <a:srgbClr val="000000"/>
+                </a:solidFill>
+                <a:latin typeface="Calibri"/>
+              </a:rPr>
+              <a:t>license</a:t>
+            </a:r>
+            <a:r>
+              <a:rPr lang="fr-FR" sz="2000" b="0" strike="noStrike" spc="-1" dirty="0">
+                <a:solidFill>
+                  <a:srgbClr val="000000"/>
+                </a:solidFill>
+                <a:latin typeface="Calibri"/>
+              </a:rPr>
+              <a:t> of </a:t>
+            </a:r>
+            <a:r>
+              <a:rPr lang="fr-FR" sz="2000" b="0" strike="noStrike" spc="-1" dirty="0" err="1">
+                <a:solidFill>
+                  <a:srgbClr val="000000"/>
+                </a:solidFill>
+                <a:latin typeface="Calibri"/>
+              </a:rPr>
+              <a:t>dataset</a:t>
+            </a:r>
+            <a:endParaRPr lang="fr-FR" sz="2000" b="0" strike="noStrike" spc="-1" dirty="0">
+              <a:solidFill>
+                <a:srgbClr val="000000"/>
+              </a:solidFill>
+              <a:latin typeface="Calibri"/>
+            </a:endParaRPr>
           </a:p>
           <a:p>
             <a:pPr>
@@ -12920,7 +14077,7 @@
                 <a:tab pos="0" algn="l"/>
               </a:tabLst>
             </a:pPr>
-            <a:endParaRPr lang="fr-FR" sz="2000" b="0" strike="noStrike" spc="-1">
+            <a:endParaRPr lang="fr-FR" sz="2000" b="0" strike="noStrike" spc="-1" dirty="0">
               <a:solidFill>
                 <a:srgbClr val="000000"/>
               </a:solidFill>

--- a/pres_full.pptx
+++ b/pres_full.pptx
@@ -13340,43 +13340,16 @@
                 </a:solidFill>
                 <a:latin typeface="Calibri"/>
               </a:rPr>
-              <a:t> : All </a:t>
+              <a:t> </a:t>
             </a:r>
             <a:r>
-              <a:rPr lang="fr-FR" spc="-1" dirty="0" err="1">
+              <a:rPr lang="fr-FR" spc="-1">
                 <a:solidFill>
                   <a:srgbClr val="000000"/>
                 </a:solidFill>
                 <a:latin typeface="Calibri"/>
               </a:rPr>
-              <a:t>rights</a:t>
-            </a:r>
-            <a:r>
-              <a:rPr lang="fr-FR" spc="-1" dirty="0">
-                <a:solidFill>
-                  <a:srgbClr val="000000"/>
-                </a:solidFill>
-                <a:latin typeface="Calibri"/>
-              </a:rPr>
-              <a:t> </a:t>
-            </a:r>
-            <a:r>
-              <a:rPr lang="fr-FR" spc="-1" dirty="0" err="1">
-                <a:solidFill>
-                  <a:srgbClr val="000000"/>
-                </a:solidFill>
-                <a:latin typeface="Calibri"/>
-              </a:rPr>
-              <a:t>reserved</a:t>
-            </a:r>
-            <a:r>
-              <a:rPr lang="fr-FR" spc="-1" dirty="0">
-                <a:solidFill>
-                  <a:srgbClr val="000000"/>
-                </a:solidFill>
-                <a:latin typeface="Calibri"/>
-              </a:rPr>
-              <a:t> </a:t>
+              <a:t>: BSD 3-Clause</a:t>
             </a:r>
           </a:p>
           <a:p>
@@ -13391,7 +13364,7 @@
               <a:buChar char="•"/>
             </a:pPr>
             <a:r>
-              <a:rPr lang="fr-FR" spc="-1" dirty="0" err="1">
+              <a:rPr lang="fr-FR" spc="-1">
                 <a:solidFill>
                   <a:srgbClr val="000000"/>
                 </a:solidFill>

--- a/pres_full.pptx
+++ b/pres_full.pptx
@@ -304,7 +304,7 @@
             <a:pPr algn="r">
               <a:buNone/>
             </a:pPr>
-            <a:fld id="{AEA639A0-0B2E-4A16-BBE5-3270A6D33F46}" type="slidenum">
+            <a:fld id="{506B3544-2C1A-49DA-BAC0-6288D1FA0829}" type="slidenum">
               <a:rPr b="0" lang="fr-CH" sz="1400" spc="-1" strike="noStrike">
                 <a:latin typeface="Times New Roman"/>
               </a:rPr>
@@ -441,7 +441,7 @@
               </a:lnSpc>
               <a:buNone/>
             </a:pPr>
-            <a:fld id="{89DD21F0-641B-4621-81BB-E4940991027B}" type="slidenum">
+            <a:fld id="{F1A88BC2-AC2C-4D04-B64D-ED8890A6BE00}" type="slidenum">
               <a:rPr b="0" lang="fr-FR" sz="1200" spc="-1" strike="noStrike">
                 <a:latin typeface="Times New Roman"/>
               </a:rPr>
@@ -577,7 +577,7 @@
               </a:lnSpc>
               <a:buNone/>
             </a:pPr>
-            <a:fld id="{2CA69547-1D48-4259-8254-C76721597EB1}" type="slidenum">
+            <a:fld id="{6F670086-3BC8-4D7C-98FE-B7FFA364A273}" type="slidenum">
               <a:rPr b="0" lang="fr-FR" sz="1200" spc="-1" strike="noStrike">
                 <a:latin typeface="Times New Roman"/>
               </a:rPr>
@@ -713,7 +713,7 @@
               </a:lnSpc>
               <a:buNone/>
             </a:pPr>
-            <a:fld id="{A31009AC-ED6B-43BF-88B5-D11BC88AF973}" type="slidenum">
+            <a:fld id="{B7B8F877-4D1F-4D26-A103-12DC4ED92FE0}" type="slidenum">
               <a:rPr b="0" lang="fr-FR" sz="1200" spc="-1" strike="noStrike">
                 <a:latin typeface="Times New Roman"/>
               </a:rPr>
@@ -849,7 +849,7 @@
               </a:lnSpc>
               <a:buNone/>
             </a:pPr>
-            <a:fld id="{77031ED6-F518-41E5-AFEC-8575AAB2BACC}" type="slidenum">
+            <a:fld id="{8E2BF09F-CA41-4035-9501-A71FF4F03E3D}" type="slidenum">
               <a:rPr b="0" lang="fr-FR" sz="1200" spc="-1" strike="noStrike">
                 <a:latin typeface="Times New Roman"/>
               </a:rPr>
@@ -985,7 +985,7 @@
               </a:lnSpc>
               <a:buNone/>
             </a:pPr>
-            <a:fld id="{2F15F38E-B6CC-45EC-AA98-5D34B554D5F2}" type="slidenum">
+            <a:fld id="{675ABF36-C957-4377-8108-5121EADDB0F2}" type="slidenum">
               <a:rPr b="0" lang="fr-FR" sz="1200" spc="-1" strike="noStrike">
                 <a:latin typeface="Times New Roman"/>
               </a:rPr>
@@ -1121,11 +1121,11 @@
               </a:lnSpc>
               <a:buNone/>
             </a:pPr>
-            <a:fld id="{6D04AF0A-F514-433D-AB93-B593D097A9F8}" type="slidenum">
+            <a:fld id="{9C6BB4FC-0FB6-4B43-8885-9F489DD8B0D3}" type="slidenum">
               <a:rPr b="0" lang="fr-FR" sz="1200" spc="-1" strike="noStrike">
                 <a:latin typeface="Times New Roman"/>
               </a:rPr>
-              <a:t>&lt;number&gt;</a:t>
+              <a:t>9</a:t>
             </a:fld>
             <a:endParaRPr b="0" lang="fr-CH" sz="1200" spc="-1" strike="noStrike">
               <a:latin typeface="Times New Roman"/>
@@ -1257,11 +1257,11 @@
               </a:lnSpc>
               <a:buNone/>
             </a:pPr>
-            <a:fld id="{2A8820FF-591B-439B-9A2F-8E50D5ED7AF8}" type="slidenum">
+            <a:fld id="{24304238-C515-4B5E-854D-9E1556E3580E}" type="slidenum">
               <a:rPr b="0" lang="fr-FR" sz="1200" spc="-1" strike="noStrike">
                 <a:latin typeface="Times New Roman"/>
               </a:rPr>
-              <a:t>&lt;number&gt;</a:t>
+              <a:t>9</a:t>
             </a:fld>
             <a:endParaRPr b="0" lang="fr-CH" sz="1200" spc="-1" strike="noStrike">
               <a:latin typeface="Times New Roman"/>
@@ -1393,7 +1393,7 @@
               </a:lnSpc>
               <a:buNone/>
             </a:pPr>
-            <a:fld id="{6A81C512-D66D-41FE-8747-27720A67AA29}" type="slidenum">
+            <a:fld id="{2051772F-7243-4220-B73A-7EACC6D17170}" type="slidenum">
               <a:rPr b="0" lang="fr-FR" sz="1200" spc="-1" strike="noStrike">
                 <a:latin typeface="Times New Roman"/>
               </a:rPr>
@@ -1461,7 +1461,7 @@
         <p:txBody>
           <a:bodyPr/>
           <a:p>
-            <a:fld id="{70E62B46-B8D7-4AF5-8E66-A5F910E5E0E6}" type="slidenum">
+            <a:fld id="{3AA71EAE-397E-4E4A-8097-DF48C97D4F73}" type="slidenum">
               <a:t>&lt;#&gt;</a:t>
             </a:fld>
           </a:p>
@@ -1673,7 +1673,7 @@
         <p:txBody>
           <a:bodyPr/>
           <a:p>
-            <a:fld id="{B50104CC-9331-459C-B37A-B35C89F80A48}" type="slidenum">
+            <a:fld id="{028B9928-6286-46ED-A1C1-2AF91F501A6F}" type="slidenum">
               <a:t>&lt;#&gt;</a:t>
             </a:fld>
           </a:p>
@@ -1977,7 +1977,7 @@
         <p:txBody>
           <a:bodyPr/>
           <a:p>
-            <a:fld id="{3B09C70C-3E54-473C-94AE-ED11A1DA5261}" type="slidenum">
+            <a:fld id="{DD7E1F9B-B551-4F4A-838D-B6ED15FC67D3}" type="slidenum">
               <a:t>&lt;#&gt;</a:t>
             </a:fld>
           </a:p>
@@ -2373,7 +2373,7 @@
         <p:txBody>
           <a:bodyPr/>
           <a:p>
-            <a:fld id="{2C5946EB-C9D1-419A-A3BD-6FBC583DFDED}" type="slidenum">
+            <a:fld id="{0DD8BBFD-B1F0-49BE-8A39-9B07398F8BFA}" type="slidenum">
               <a:t>&lt;#&gt;</a:t>
             </a:fld>
           </a:p>
@@ -2456,7 +2456,7 @@
         <p:txBody>
           <a:bodyPr/>
           <a:p>
-            <a:fld id="{E157D6DE-C22F-4D82-8D7D-E8696EA5E543}" type="slidenum">
+            <a:fld id="{A599F325-A944-45C8-AF18-C6454DEC8932}" type="slidenum">
               <a:t>&lt;#&gt;</a:t>
             </a:fld>
           </a:p>
@@ -2613,7 +2613,7 @@
         <p:txBody>
           <a:bodyPr/>
           <a:p>
-            <a:fld id="{1DF10232-E2A2-42B2-8DE4-00DF52CCEE71}" type="slidenum">
+            <a:fld id="{02824B49-D9EB-4EE0-9BFB-6D0B15E4ECC4}" type="slidenum">
               <a:t>&lt;#&gt;</a:t>
             </a:fld>
           </a:p>
@@ -2779,7 +2779,7 @@
         <p:txBody>
           <a:bodyPr/>
           <a:p>
-            <a:fld id="{7074BCA5-01CE-4843-A36B-A7F6A43E3DE0}" type="slidenum">
+            <a:fld id="{9CE15B46-96C2-4103-9381-E6F1E2FD8A2F}" type="slidenum">
               <a:t>&lt;#&gt;</a:t>
             </a:fld>
           </a:p>
@@ -2991,7 +2991,7 @@
         <p:txBody>
           <a:bodyPr/>
           <a:p>
-            <a:fld id="{94E6A132-205E-4C08-A543-7C13FDDC2F38}" type="slidenum">
+            <a:fld id="{1580FB5B-FAFC-436A-9517-374329531CF5}" type="slidenum">
               <a:t>&lt;#&gt;</a:t>
             </a:fld>
           </a:p>
@@ -3111,7 +3111,7 @@
         <p:txBody>
           <a:bodyPr/>
           <a:p>
-            <a:fld id="{CDF4834A-2DEA-4A49-A074-D06CCA0B3683}" type="slidenum">
+            <a:fld id="{2E340EBB-B47A-4298-83A7-51E982772588}" type="slidenum">
               <a:t>&lt;#&gt;</a:t>
             </a:fld>
           </a:p>
@@ -3231,7 +3231,7 @@
         <p:txBody>
           <a:bodyPr/>
           <a:p>
-            <a:fld id="{3ED57714-8E2D-4EFF-B15C-4E96C6F6629C}" type="slidenum">
+            <a:fld id="{E0C6E75B-F4B7-42E8-A107-9DBC64BF1FE7}" type="slidenum">
               <a:t>&lt;#&gt;</a:t>
             </a:fld>
           </a:p>
@@ -3489,7 +3489,7 @@
         <p:txBody>
           <a:bodyPr/>
           <a:p>
-            <a:fld id="{4B86F6E3-E6E2-4C37-A52E-9369996209D9}" type="slidenum">
+            <a:fld id="{8859EC27-70AE-4462-85CF-58A99BC97C2D}" type="slidenum">
               <a:t>&lt;#&gt;</a:t>
             </a:fld>
           </a:p>
@@ -3646,7 +3646,7 @@
         <p:txBody>
           <a:bodyPr/>
           <a:p>
-            <a:fld id="{84C2E2CF-8663-415D-B4F4-BCC65B2818CA}" type="slidenum">
+            <a:fld id="{5A3B8EAC-FC38-4274-8F00-5BD916798F29}" type="slidenum">
               <a:t>&lt;#&gt;</a:t>
             </a:fld>
           </a:p>
@@ -3904,7 +3904,7 @@
         <p:txBody>
           <a:bodyPr/>
           <a:p>
-            <a:fld id="{F2EB0F1A-DEA8-4007-B7A5-36F7C863CDEB}" type="slidenum">
+            <a:fld id="{612878F6-8689-47C5-B8B2-799AC96B8CA7}" type="slidenum">
               <a:t>&lt;#&gt;</a:t>
             </a:fld>
           </a:p>
@@ -4162,7 +4162,7 @@
         <p:txBody>
           <a:bodyPr/>
           <a:p>
-            <a:fld id="{8DF41C41-952E-434B-950C-FDF5934DD1CE}" type="slidenum">
+            <a:fld id="{A9E5151F-A308-4B2A-B030-9CC428CB48A2}" type="slidenum">
               <a:t>&lt;#&gt;</a:t>
             </a:fld>
           </a:p>
@@ -4374,7 +4374,7 @@
         <p:txBody>
           <a:bodyPr/>
           <a:p>
-            <a:fld id="{2E9837C3-1802-441F-A1F4-519841B93D16}" type="slidenum">
+            <a:fld id="{5F2FEEB7-1875-49BE-9BB0-A0FF878A73BE}" type="slidenum">
               <a:t>&lt;#&gt;</a:t>
             </a:fld>
           </a:p>
@@ -4678,7 +4678,7 @@
         <p:txBody>
           <a:bodyPr/>
           <a:p>
-            <a:fld id="{169F914C-5CE0-4BD0-99F3-8768D43701CC}" type="slidenum">
+            <a:fld id="{E790847C-C711-4C5C-9E19-0EBC95F6ED60}" type="slidenum">
               <a:t>&lt;#&gt;</a:t>
             </a:fld>
           </a:p>
@@ -5074,7 +5074,7 @@
         <p:txBody>
           <a:bodyPr/>
           <a:p>
-            <a:fld id="{0EB5D2F0-A275-43C8-9E6A-92A891C01064}" type="slidenum">
+            <a:fld id="{9E10B189-B1BA-4D83-A7D4-00C7E7EF161B}" type="slidenum">
               <a:t>&lt;#&gt;</a:t>
             </a:fld>
           </a:p>
@@ -5240,7 +5240,7 @@
         <p:txBody>
           <a:bodyPr/>
           <a:p>
-            <a:fld id="{681C2F5A-9F20-4F11-8E85-65C12EF26771}" type="slidenum">
+            <a:fld id="{4FF57849-EBFD-4CF1-9C22-BA4C0CA715CE}" type="slidenum">
               <a:t>&lt;#&gt;</a:t>
             </a:fld>
           </a:p>
@@ -5452,7 +5452,7 @@
         <p:txBody>
           <a:bodyPr/>
           <a:p>
-            <a:fld id="{6F7BF9A4-8BF6-497E-9AAC-3EB350318690}" type="slidenum">
+            <a:fld id="{32803C9B-8BA2-4758-87C8-B2E38C51E776}" type="slidenum">
               <a:t>&lt;#&gt;</a:t>
             </a:fld>
           </a:p>
@@ -5572,7 +5572,7 @@
         <p:txBody>
           <a:bodyPr/>
           <a:p>
-            <a:fld id="{5C2ECA1B-7730-4BE0-847D-E6E13C754652}" type="slidenum">
+            <a:fld id="{12F63D6B-4FC9-4636-8ECB-DB3949496370}" type="slidenum">
               <a:t>&lt;#&gt;</a:t>
             </a:fld>
           </a:p>
@@ -5692,7 +5692,7 @@
         <p:txBody>
           <a:bodyPr/>
           <a:p>
-            <a:fld id="{9C1754B0-1B38-4D01-844A-21A124953FA4}" type="slidenum">
+            <a:fld id="{9D7B328B-4D20-4591-AD4E-B99354A6283C}" type="slidenum">
               <a:t>&lt;#&gt;</a:t>
             </a:fld>
           </a:p>
@@ -5950,7 +5950,7 @@
         <p:txBody>
           <a:bodyPr/>
           <a:p>
-            <a:fld id="{0B6C70E1-117D-4EB3-888F-B86C58E53C2F}" type="slidenum">
+            <a:fld id="{1E107282-0E96-4AD6-B1E9-B7AA1ED72AD1}" type="slidenum">
               <a:t>&lt;#&gt;</a:t>
             </a:fld>
           </a:p>
@@ -6208,7 +6208,7 @@
         <p:txBody>
           <a:bodyPr/>
           <a:p>
-            <a:fld id="{311085FC-20D7-4B00-8AF7-BCC6DFEBF454}" type="slidenum">
+            <a:fld id="{10B7A148-14E3-4D17-9CAD-F0398BA3037F}" type="slidenum">
               <a:t>&lt;#&gt;</a:t>
             </a:fld>
           </a:p>
@@ -6466,7 +6466,7 @@
         <p:txBody>
           <a:bodyPr/>
           <a:p>
-            <a:fld id="{56D56F9F-A1C8-46F4-8FB8-2BC6CAA5C254}" type="slidenum">
+            <a:fld id="{C2253F4B-8B3F-4D42-9F60-2679DAE7A2EE}" type="slidenum">
               <a:t>&lt;#&gt;</a:t>
             </a:fld>
           </a:p>
@@ -6629,7 +6629,7 @@
                 </a:solidFill>
                 <a:latin typeface="Calibri"/>
               </a:rPr>
-              <a:t>&lt;date/time&gt;</a:t>
+              <a:t> </a:t>
             </a:r>
             <a:endParaRPr b="0" lang="fr-CH" sz="1200" spc="-1" strike="noStrike">
               <a:latin typeface="Times New Roman"/>
@@ -6680,7 +6680,7 @@
               <a:rPr b="0" lang="fr-CH" sz="1400" spc="-1" strike="noStrike">
                 <a:latin typeface="Times New Roman"/>
               </a:rPr>
-              <a:t>&lt;footer&gt;</a:t>
+              <a:t> </a:t>
             </a:r>
             <a:endParaRPr b="0" lang="fr-CH" sz="1400" spc="-1" strike="noStrike">
               <a:latin typeface="Times New Roman"/>
@@ -6736,14 +6736,14 @@
               </a:lnSpc>
               <a:buNone/>
             </a:pPr>
-            <a:fld id="{D7730C67-3113-40B3-874F-72DDCB4BA6AA}" type="slidenum">
+            <a:fld id="{00BD3B81-F601-4F19-8423-F6BF0E203AB0}" type="slidenum">
               <a:rPr b="0" lang="fr-FR" sz="1200" spc="-1" strike="noStrike">
                 <a:solidFill>
                   <a:srgbClr val="8b8b8b"/>
                 </a:solidFill>
                 <a:latin typeface="Calibri"/>
               </a:rPr>
-              <a:t>&lt;number&gt;</a:t>
+              <a:t>7</a:t>
             </a:fld>
             <a:endParaRPr b="0" lang="fr-CH" sz="1200" spc="-1" strike="noStrike">
               <a:latin typeface="Times New Roman"/>
@@ -7439,7 +7439,7 @@
               </a:lnSpc>
               <a:buNone/>
             </a:pPr>
-            <a:fld id="{FDB75EF4-F45B-497F-B310-0248FE8C6B23}" type="slidenum">
+            <a:fld id="{71E242C9-868A-4919-882A-584DDF061793}" type="slidenum">
               <a:rPr b="0" lang="fr-FR" sz="1200" spc="-1" strike="noStrike">
                 <a:solidFill>
                   <a:srgbClr val="8b8b8b"/>

--- a/pres_full.pptx
+++ b/pres_full.pptx
@@ -6,7 +6,7 @@
     <p:sldMasterId id="2147483661" r:id="rId2"/>
   </p:sldMasterIdLst>
   <p:notesMasterIdLst>
-    <p:notesMasterId r:id="rId11"/>
+    <p:notesMasterId r:id="rId13"/>
   </p:notesMasterIdLst>
   <p:sldIdLst>
     <p:sldId id="256" r:id="rId3"/>
@@ -14,9 +14,11 @@
     <p:sldId id="260" r:id="rId5"/>
     <p:sldId id="265" r:id="rId6"/>
     <p:sldId id="261" r:id="rId7"/>
-    <p:sldId id="262" r:id="rId8"/>
-    <p:sldId id="264" r:id="rId9"/>
-    <p:sldId id="266" r:id="rId10"/>
+    <p:sldId id="267" r:id="rId8"/>
+    <p:sldId id="262" r:id="rId9"/>
+    <p:sldId id="268" r:id="rId10"/>
+    <p:sldId id="264" r:id="rId11"/>
+    <p:sldId id="266" r:id="rId12"/>
   </p:sldIdLst>
   <p:sldSz cx="12192000" cy="6858000"/>
   <p:notesSz cx="6858000" cy="9144000"/>
@@ -115,6 +117,11 @@
       </a:defRPr>
     </a:lvl9pPr>
   </p:defaultTextStyle>
+  <p:extLst>
+    <p:ext uri="{EFAFB233-063F-42B5-8137-9DF3F51BA10A}">
+      <p15:sldGuideLst xmlns:p15="http://schemas.microsoft.com/office/powerpoint/2012/main"/>
+    </p:ext>
+  </p:extLst>
 </p:presentation>
 </file>
 
@@ -953,7 +960,7 @@
         <p:spPr>
           <a:xfrm>
             <a:off x="685800" y="1143000"/>
-            <a:ext cx="5486040" cy="3085920"/>
+            <a:ext cx="5486400" cy="3086100"/>
           </a:xfrm>
           <a:prstGeom prst="rect">
             <a:avLst/>
@@ -1082,7 +1089,7 @@
       </p:grpSpPr>
       <p:sp>
         <p:nvSpPr>
-          <p:cNvPr id="231" name="PlaceHolder 1"/>
+          <p:cNvPr id="228" name="PlaceHolder 1"/>
           <p:cNvSpPr>
             <a:spLocks noGrp="1" noRot="1" noChangeAspect="1"/>
           </p:cNvSpPr>
@@ -1093,7 +1100,7 @@
         <p:spPr>
           <a:xfrm>
             <a:off x="685800" y="1143000"/>
-            <a:ext cx="5486040" cy="3085920"/>
+            <a:ext cx="5486400" cy="3086100"/>
           </a:xfrm>
           <a:prstGeom prst="rect">
             <a:avLst/>
@@ -1105,7 +1112,7 @@
       </p:sp>
       <p:sp>
         <p:nvSpPr>
-          <p:cNvPr id="232" name="PlaceHolder 2"/>
+          <p:cNvPr id="229" name="PlaceHolder 2"/>
           <p:cNvSpPr>
             <a:spLocks noGrp="1"/>
           </p:cNvSpPr>
@@ -1132,7 +1139,183 @@
           </a:bodyPr>
           <a:lstStyle/>
           <a:p>
-            <a:endParaRPr lang="fr-CH" sz="2000" b="0" strike="noStrike" spc="-1">
+            <a:r>
+              <a:rPr lang="fr-CH" sz="2000" b="0" strike="noStrike" spc="-1" dirty="0">
+                <a:latin typeface="Arial"/>
+              </a:rPr>
+              <a:t>Tests for </a:t>
+            </a:r>
+            <a:r>
+              <a:rPr lang="fr-CH" sz="2000" b="0" strike="noStrike" spc="-1" dirty="0" err="1">
+                <a:latin typeface="Arial"/>
+              </a:rPr>
+              <a:t>preprocessor</a:t>
+            </a:r>
+            <a:r>
+              <a:rPr lang="fr-CH" sz="2000" b="0" strike="noStrike" spc="-1" dirty="0">
+                <a:latin typeface="Arial"/>
+              </a:rPr>
+              <a:t> are made to check the instance and </a:t>
+            </a:r>
+            <a:r>
+              <a:rPr lang="fr-CH" sz="2000" b="0" strike="noStrike" spc="-1" dirty="0" err="1">
+                <a:latin typeface="Arial"/>
+              </a:rPr>
+              <a:t>shape</a:t>
+            </a:r>
+            <a:r>
+              <a:rPr lang="fr-CH" sz="2000" b="0" strike="noStrike" spc="-1" dirty="0">
+                <a:latin typeface="Arial"/>
+              </a:rPr>
+              <a:t> of </a:t>
+            </a:r>
+            <a:r>
+              <a:rPr lang="fr-CH" sz="2000" b="0" strike="noStrike" spc="-1" dirty="0" err="1">
+                <a:latin typeface="Arial"/>
+              </a:rPr>
+              <a:t>objects</a:t>
+            </a:r>
+            <a:r>
+              <a:rPr lang="fr-CH" sz="2000" b="0" strike="noStrike" spc="-1" dirty="0">
+                <a:latin typeface="Arial"/>
+              </a:rPr>
+              <a:t> </a:t>
+            </a:r>
+            <a:r>
+              <a:rPr lang="fr-CH" sz="2000" b="0" strike="noStrike" spc="-1" dirty="0" err="1">
+                <a:latin typeface="Arial"/>
+              </a:rPr>
+              <a:t>returned</a:t>
+            </a:r>
+            <a:r>
+              <a:rPr lang="fr-CH" sz="2000" b="0" strike="noStrike" spc="-1" dirty="0">
+                <a:latin typeface="Arial"/>
+              </a:rPr>
+              <a:t> by the </a:t>
+            </a:r>
+            <a:r>
+              <a:rPr lang="fr-CH" sz="2000" b="0" strike="noStrike" spc="-1" dirty="0" err="1">
+                <a:latin typeface="Arial"/>
+              </a:rPr>
+              <a:t>methods</a:t>
+            </a:r>
+            <a:r>
+              <a:rPr lang="fr-CH" sz="2000" b="0" strike="noStrike" spc="-1" dirty="0">
+                <a:latin typeface="Arial"/>
+              </a:rPr>
+              <a:t>. The </a:t>
+            </a:r>
+            <a:r>
+              <a:rPr lang="fr-CH" sz="2000" b="0" strike="noStrike" spc="-1" dirty="0" err="1">
+                <a:latin typeface="Arial"/>
+              </a:rPr>
+              <a:t>methods</a:t>
+            </a:r>
+            <a:r>
+              <a:rPr lang="fr-CH" sz="2000" b="0" strike="noStrike" spc="-1" dirty="0">
+                <a:latin typeface="Arial"/>
+              </a:rPr>
+              <a:t> </a:t>
+            </a:r>
+            <a:r>
+              <a:rPr lang="fr-CH" sz="2000" b="0" strike="noStrike" spc="-1" dirty="0" err="1">
+                <a:latin typeface="Arial"/>
+              </a:rPr>
+              <a:t>used</a:t>
+            </a:r>
+            <a:r>
+              <a:rPr lang="fr-CH" sz="2000" b="0" strike="noStrike" spc="-1" dirty="0">
+                <a:latin typeface="Arial"/>
+              </a:rPr>
+              <a:t> for </a:t>
+            </a:r>
+            <a:r>
+              <a:rPr lang="fr-CH" sz="2000" b="0" strike="noStrike" spc="-1" dirty="0" err="1">
+                <a:latin typeface="Arial"/>
+              </a:rPr>
+              <a:t>preprocessing</a:t>
+            </a:r>
+            <a:r>
+              <a:rPr lang="fr-CH" sz="2000" b="0" strike="noStrike" spc="-1" dirty="0">
+                <a:latin typeface="Arial"/>
+              </a:rPr>
+              <a:t> are </a:t>
+            </a:r>
+            <a:r>
+              <a:rPr lang="fr-CH" sz="2000" b="0" strike="noStrike" spc="-1" dirty="0" err="1">
+                <a:latin typeface="Arial"/>
+              </a:rPr>
+              <a:t>tested</a:t>
+            </a:r>
+            <a:r>
+              <a:rPr lang="fr-CH" sz="2000" b="0" strike="noStrike" spc="-1" dirty="0">
+                <a:latin typeface="Arial"/>
+              </a:rPr>
+              <a:t> in </a:t>
+            </a:r>
+            <a:r>
+              <a:rPr lang="fr-CH" sz="2000" b="0" strike="noStrike" spc="-1" dirty="0" err="1">
+                <a:latin typeface="Arial"/>
+              </a:rPr>
+              <a:t>tesT_analysis_module</a:t>
+            </a:r>
+            <a:r>
+              <a:rPr lang="fr-CH" sz="2000" b="0" strike="noStrike" spc="-1" dirty="0">
+                <a:latin typeface="Arial"/>
+              </a:rPr>
+              <a:t> </a:t>
+            </a:r>
+            <a:r>
+              <a:rPr lang="fr-CH" sz="2000" b="0" strike="noStrike" spc="-1" dirty="0" err="1">
+                <a:latin typeface="Arial"/>
+              </a:rPr>
+              <a:t>so</a:t>
+            </a:r>
+            <a:r>
+              <a:rPr lang="fr-CH" sz="2000" b="0" strike="noStrike" spc="-1" dirty="0">
+                <a:latin typeface="Arial"/>
+              </a:rPr>
+              <a:t>, in </a:t>
+            </a:r>
+            <a:r>
+              <a:rPr lang="fr-CH" sz="2000" b="0" strike="noStrike" spc="-1" dirty="0" err="1">
+                <a:latin typeface="Arial"/>
+              </a:rPr>
+              <a:t>fact</a:t>
+            </a:r>
+            <a:r>
+              <a:rPr lang="fr-CH" sz="2000" b="0" strike="noStrike" spc="-1" dirty="0">
+                <a:latin typeface="Arial"/>
+              </a:rPr>
+              <a:t>, all </a:t>
+            </a:r>
+            <a:r>
+              <a:rPr lang="fr-CH" sz="2000" b="0" strike="noStrike" spc="-1" dirty="0" err="1">
+                <a:latin typeface="Arial"/>
+              </a:rPr>
+              <a:t>methods</a:t>
+            </a:r>
+            <a:r>
+              <a:rPr lang="fr-CH" sz="2000" b="0" strike="noStrike" spc="-1" dirty="0">
+                <a:latin typeface="Arial"/>
+              </a:rPr>
+              <a:t> are </a:t>
+            </a:r>
+            <a:r>
+              <a:rPr lang="fr-CH" sz="2000" b="0" strike="noStrike" spc="-1" dirty="0" err="1">
+                <a:latin typeface="Arial"/>
+              </a:rPr>
+              <a:t>covered</a:t>
+            </a:r>
+            <a:r>
+              <a:rPr lang="fr-CH" sz="2000" b="0" strike="noStrike" spc="-1" dirty="0">
+                <a:latin typeface="Arial"/>
+              </a:rPr>
+              <a:t>.</a:t>
+            </a:r>
+          </a:p>
+          <a:p>
+            <a:endParaRPr lang="fr-CH" sz="2000" b="0" strike="noStrike" spc="-1" dirty="0">
               <a:latin typeface="Arial"/>
             </a:endParaRPr>
           </a:p>
@@ -1140,12 +1323,12 @@
       </p:sp>
       <p:sp>
         <p:nvSpPr>
-          <p:cNvPr id="233" name="PlaceHolder 3"/>
-          <p:cNvSpPr>
-            <a:spLocks noGrp="1"/>
-          </p:cNvSpPr>
-          <p:nvPr>
-            <p:ph type="sldNum" idx="15"/>
+          <p:cNvPr id="230" name="PlaceHolder 3"/>
+          <p:cNvSpPr>
+            <a:spLocks noGrp="1"/>
+          </p:cNvSpPr>
+          <p:nvPr>
+            <p:ph type="sldNum" idx="14"/>
           </p:nvPr>
         </p:nvSpPr>
         <p:spPr>
@@ -1183,7 +1366,7 @@
               </a:lnSpc>
               <a:buNone/>
             </a:pPr>
-            <a:fld id="{9C6BB4FC-0FB6-4B43-8885-9F489DD8B0D3}" type="slidenum">
+            <a:fld id="{675ABF36-C957-4377-8108-5121EADDB0F2}" type="slidenum">
               <a:rPr lang="fr-FR" sz="1200" b="0" strike="noStrike" spc="-1">
                 <a:latin typeface="Times New Roman"/>
               </a:rPr>
@@ -1196,6 +1379,11 @@
         </p:txBody>
       </p:sp>
     </p:spTree>
+    <p:extLst>
+      <p:ext uri="{BB962C8B-B14F-4D97-AF65-F5344CB8AC3E}">
+        <p14:creationId xmlns:p14="http://schemas.microsoft.com/office/powerpoint/2010/main" val="1148235177"/>
+      </p:ext>
+    </p:extLst>
   </p:cSld>
   <p:clrMapOvr>
     <a:masterClrMapping/>
@@ -1222,7 +1410,7 @@
       </p:grpSpPr>
       <p:sp>
         <p:nvSpPr>
-          <p:cNvPr id="237" name="PlaceHolder 1"/>
+          <p:cNvPr id="231" name="PlaceHolder 1"/>
           <p:cNvSpPr>
             <a:spLocks noGrp="1" noRot="1" noChangeAspect="1"/>
           </p:cNvSpPr>
@@ -1245,7 +1433,7 @@
       </p:sp>
       <p:sp>
         <p:nvSpPr>
-          <p:cNvPr id="238" name="PlaceHolder 2"/>
+          <p:cNvPr id="232" name="PlaceHolder 2"/>
           <p:cNvSpPr>
             <a:spLocks noGrp="1"/>
           </p:cNvSpPr>
@@ -1280,12 +1468,12 @@
       </p:sp>
       <p:sp>
         <p:nvSpPr>
-          <p:cNvPr id="239" name="PlaceHolder 3"/>
-          <p:cNvSpPr>
-            <a:spLocks noGrp="1"/>
-          </p:cNvSpPr>
-          <p:nvPr>
-            <p:ph type="sldNum" idx="17"/>
+          <p:cNvPr id="233" name="PlaceHolder 3"/>
+          <p:cNvSpPr>
+            <a:spLocks noGrp="1"/>
+          </p:cNvSpPr>
+          <p:nvPr>
+            <p:ph type="sldNum" idx="15"/>
           </p:nvPr>
         </p:nvSpPr>
         <p:spPr>
@@ -1323,7 +1511,7 @@
               </a:lnSpc>
               <a:buNone/>
             </a:pPr>
-            <a:fld id="{2051772F-7243-4220-B73A-7EACC6D17170}" type="slidenum">
+            <a:fld id="{9C6BB4FC-0FB6-4B43-8885-9F489DD8B0D3}" type="slidenum">
               <a:rPr lang="fr-FR" sz="1200" b="0" strike="noStrike" spc="-1">
                 <a:latin typeface="Times New Roman"/>
               </a:rPr>
@@ -1362,7 +1550,7 @@
       </p:grpSpPr>
       <p:sp>
         <p:nvSpPr>
-          <p:cNvPr id="237" name="PlaceHolder 1"/>
+          <p:cNvPr id="231" name="PlaceHolder 1"/>
           <p:cNvSpPr>
             <a:spLocks noGrp="1" noRot="1" noChangeAspect="1"/>
           </p:cNvSpPr>
@@ -1385,7 +1573,7 @@
       </p:sp>
       <p:sp>
         <p:nvSpPr>
-          <p:cNvPr id="238" name="PlaceHolder 2"/>
+          <p:cNvPr id="232" name="PlaceHolder 2"/>
           <p:cNvSpPr>
             <a:spLocks noGrp="1"/>
           </p:cNvSpPr>
@@ -1420,12 +1608,12 @@
       </p:sp>
       <p:sp>
         <p:nvSpPr>
-          <p:cNvPr id="239" name="PlaceHolder 3"/>
-          <p:cNvSpPr>
-            <a:spLocks noGrp="1"/>
-          </p:cNvSpPr>
-          <p:nvPr>
-            <p:ph type="sldNum" idx="17"/>
+          <p:cNvPr id="233" name="PlaceHolder 3"/>
+          <p:cNvSpPr>
+            <a:spLocks noGrp="1"/>
+          </p:cNvSpPr>
+          <p:nvPr>
+            <p:ph type="sldNum" idx="15"/>
           </p:nvPr>
         </p:nvSpPr>
         <p:spPr>
@@ -1463,11 +1651,296 @@
               </a:lnSpc>
               <a:buNone/>
             </a:pPr>
+            <a:fld id="{9C6BB4FC-0FB6-4B43-8885-9F489DD8B0D3}" type="slidenum">
+              <a:rPr lang="fr-FR" sz="1200" b="0" strike="noStrike" spc="-1">
+                <a:latin typeface="Times New Roman"/>
+              </a:rPr>
+              <a:t>8</a:t>
+            </a:fld>
+            <a:endParaRPr lang="fr-CH" sz="1200" b="0" strike="noStrike" spc="-1">
+              <a:latin typeface="Times New Roman"/>
+            </a:endParaRPr>
+          </a:p>
+        </p:txBody>
+      </p:sp>
+    </p:spTree>
+    <p:extLst>
+      <p:ext uri="{BB962C8B-B14F-4D97-AF65-F5344CB8AC3E}">
+        <p14:creationId xmlns:p14="http://schemas.microsoft.com/office/powerpoint/2010/main" val="2895292941"/>
+      </p:ext>
+    </p:extLst>
+  </p:cSld>
+  <p:clrMapOvr>
+    <a:masterClrMapping/>
+  </p:clrMapOvr>
+</p:notes>
+</file>
+
+<file path=ppt/notesSlides/notesSlide8.xml><?xml version="1.0" encoding="utf-8"?>
+<p:notes xmlns:a="http://schemas.openxmlformats.org/drawingml/2006/main" xmlns:r="http://schemas.openxmlformats.org/officeDocument/2006/relationships" xmlns:p="http://schemas.openxmlformats.org/presentationml/2006/main">
+  <p:cSld>
+    <p:spTree>
+      <p:nvGrpSpPr>
+        <p:cNvPr id="1" name=""/>
+        <p:cNvGrpSpPr/>
+        <p:nvPr/>
+      </p:nvGrpSpPr>
+      <p:grpSpPr>
+        <a:xfrm>
+          <a:off x="0" y="0"/>
+          <a:ext cx="0" cy="0"/>
+          <a:chOff x="0" y="0"/>
+          <a:chExt cx="0" cy="0"/>
+        </a:xfrm>
+      </p:grpSpPr>
+      <p:sp>
+        <p:nvSpPr>
+          <p:cNvPr id="237" name="PlaceHolder 1"/>
+          <p:cNvSpPr>
+            <a:spLocks noGrp="1" noRot="1" noChangeAspect="1"/>
+          </p:cNvSpPr>
+          <p:nvPr>
+            <p:ph type="sldImg"/>
+          </p:nvPr>
+        </p:nvSpPr>
+        <p:spPr>
+          <a:xfrm>
+            <a:off x="685800" y="1143000"/>
+            <a:ext cx="5486400" cy="3086100"/>
+          </a:xfrm>
+          <a:prstGeom prst="rect">
+            <a:avLst/>
+          </a:prstGeom>
+          <a:ln w="0">
+            <a:noFill/>
+          </a:ln>
+        </p:spPr>
+      </p:sp>
+      <p:sp>
+        <p:nvSpPr>
+          <p:cNvPr id="238" name="PlaceHolder 2"/>
+          <p:cNvSpPr>
+            <a:spLocks noGrp="1"/>
+          </p:cNvSpPr>
+          <p:nvPr>
+            <p:ph type="body"/>
+          </p:nvPr>
+        </p:nvSpPr>
+        <p:spPr>
+          <a:xfrm>
+            <a:off x="685800" y="4400640"/>
+            <a:ext cx="5486040" cy="3600000"/>
+          </a:xfrm>
+          <a:prstGeom prst="rect">
+            <a:avLst/>
+          </a:prstGeom>
+          <a:noFill/>
+          <a:ln w="0">
+            <a:noFill/>
+          </a:ln>
+        </p:spPr>
+        <p:txBody>
+          <a:bodyPr anchor="t">
+            <a:noAutofit/>
+          </a:bodyPr>
+          <a:lstStyle/>
+          <a:p>
+            <a:endParaRPr lang="fr-CH" sz="2000" b="0" strike="noStrike" spc="-1">
+              <a:latin typeface="Arial"/>
+            </a:endParaRPr>
+          </a:p>
+        </p:txBody>
+      </p:sp>
+      <p:sp>
+        <p:nvSpPr>
+          <p:cNvPr id="239" name="PlaceHolder 3"/>
+          <p:cNvSpPr>
+            <a:spLocks noGrp="1"/>
+          </p:cNvSpPr>
+          <p:nvPr>
+            <p:ph type="sldNum" idx="17"/>
+          </p:nvPr>
+        </p:nvSpPr>
+        <p:spPr>
+          <a:xfrm>
+            <a:off x="3884760" y="8685360"/>
+            <a:ext cx="2971440" cy="458280"/>
+          </a:xfrm>
+          <a:prstGeom prst="rect">
+            <a:avLst/>
+          </a:prstGeom>
+          <a:noFill/>
+          <a:ln w="0">
+            <a:noFill/>
+          </a:ln>
+        </p:spPr>
+        <p:txBody>
+          <a:bodyPr anchor="b">
+            <a:noAutofit/>
+          </a:bodyPr>
+          <a:lstStyle>
+            <a:lvl1pPr algn="r">
+              <a:lnSpc>
+                <a:spcPct val="100000"/>
+              </a:lnSpc>
+              <a:buNone/>
+              <a:defRPr lang="fr-FR" sz="1200" b="0" strike="noStrike" spc="-1">
+                <a:latin typeface="Times New Roman"/>
+              </a:defRPr>
+            </a:lvl1pPr>
+          </a:lstStyle>
+          <a:p>
+            <a:pPr algn="r">
+              <a:lnSpc>
+                <a:spcPct val="100000"/>
+              </a:lnSpc>
+              <a:buNone/>
+            </a:pPr>
             <a:fld id="{2051772F-7243-4220-B73A-7EACC6D17170}" type="slidenum">
               <a:rPr lang="fr-FR" sz="1200" b="0" strike="noStrike" spc="-1">
                 <a:latin typeface="Times New Roman"/>
               </a:rPr>
-              <a:t>8</a:t>
+              <a:t>9</a:t>
+            </a:fld>
+            <a:endParaRPr lang="fr-CH" sz="1200" b="0" strike="noStrike" spc="-1">
+              <a:latin typeface="Times New Roman"/>
+            </a:endParaRPr>
+          </a:p>
+        </p:txBody>
+      </p:sp>
+    </p:spTree>
+  </p:cSld>
+  <p:clrMapOvr>
+    <a:masterClrMapping/>
+  </p:clrMapOvr>
+</p:notes>
+</file>
+
+<file path=ppt/notesSlides/notesSlide9.xml><?xml version="1.0" encoding="utf-8"?>
+<p:notes xmlns:a="http://schemas.openxmlformats.org/drawingml/2006/main" xmlns:r="http://schemas.openxmlformats.org/officeDocument/2006/relationships" xmlns:p="http://schemas.openxmlformats.org/presentationml/2006/main">
+  <p:cSld>
+    <p:spTree>
+      <p:nvGrpSpPr>
+        <p:cNvPr id="1" name=""/>
+        <p:cNvGrpSpPr/>
+        <p:nvPr/>
+      </p:nvGrpSpPr>
+      <p:grpSpPr>
+        <a:xfrm>
+          <a:off x="0" y="0"/>
+          <a:ext cx="0" cy="0"/>
+          <a:chOff x="0" y="0"/>
+          <a:chExt cx="0" cy="0"/>
+        </a:xfrm>
+      </p:grpSpPr>
+      <p:sp>
+        <p:nvSpPr>
+          <p:cNvPr id="237" name="PlaceHolder 1"/>
+          <p:cNvSpPr>
+            <a:spLocks noGrp="1" noRot="1" noChangeAspect="1"/>
+          </p:cNvSpPr>
+          <p:nvPr>
+            <p:ph type="sldImg"/>
+          </p:nvPr>
+        </p:nvSpPr>
+        <p:spPr>
+          <a:xfrm>
+            <a:off x="685800" y="1143000"/>
+            <a:ext cx="5486400" cy="3086100"/>
+          </a:xfrm>
+          <a:prstGeom prst="rect">
+            <a:avLst/>
+          </a:prstGeom>
+          <a:ln w="0">
+            <a:noFill/>
+          </a:ln>
+        </p:spPr>
+      </p:sp>
+      <p:sp>
+        <p:nvSpPr>
+          <p:cNvPr id="238" name="PlaceHolder 2"/>
+          <p:cNvSpPr>
+            <a:spLocks noGrp="1"/>
+          </p:cNvSpPr>
+          <p:nvPr>
+            <p:ph type="body"/>
+          </p:nvPr>
+        </p:nvSpPr>
+        <p:spPr>
+          <a:xfrm>
+            <a:off x="685800" y="4400640"/>
+            <a:ext cx="5486040" cy="3600000"/>
+          </a:xfrm>
+          <a:prstGeom prst="rect">
+            <a:avLst/>
+          </a:prstGeom>
+          <a:noFill/>
+          <a:ln w="0">
+            <a:noFill/>
+          </a:ln>
+        </p:spPr>
+        <p:txBody>
+          <a:bodyPr anchor="t">
+            <a:noAutofit/>
+          </a:bodyPr>
+          <a:lstStyle/>
+          <a:p>
+            <a:endParaRPr lang="fr-CH" sz="2000" b="0" strike="noStrike" spc="-1">
+              <a:latin typeface="Arial"/>
+            </a:endParaRPr>
+          </a:p>
+        </p:txBody>
+      </p:sp>
+      <p:sp>
+        <p:nvSpPr>
+          <p:cNvPr id="239" name="PlaceHolder 3"/>
+          <p:cNvSpPr>
+            <a:spLocks noGrp="1"/>
+          </p:cNvSpPr>
+          <p:nvPr>
+            <p:ph type="sldNum" idx="17"/>
+          </p:nvPr>
+        </p:nvSpPr>
+        <p:spPr>
+          <a:xfrm>
+            <a:off x="3884760" y="8685360"/>
+            <a:ext cx="2971440" cy="458280"/>
+          </a:xfrm>
+          <a:prstGeom prst="rect">
+            <a:avLst/>
+          </a:prstGeom>
+          <a:noFill/>
+          <a:ln w="0">
+            <a:noFill/>
+          </a:ln>
+        </p:spPr>
+        <p:txBody>
+          <a:bodyPr anchor="b">
+            <a:noAutofit/>
+          </a:bodyPr>
+          <a:lstStyle>
+            <a:lvl1pPr algn="r">
+              <a:lnSpc>
+                <a:spcPct val="100000"/>
+              </a:lnSpc>
+              <a:buNone/>
+              <a:defRPr lang="fr-FR" sz="1200" b="0" strike="noStrike" spc="-1">
+                <a:latin typeface="Times New Roman"/>
+              </a:defRPr>
+            </a:lvl1pPr>
+          </a:lstStyle>
+          <a:p>
+            <a:pPr algn="r">
+              <a:lnSpc>
+                <a:spcPct val="100000"/>
+              </a:lnSpc>
+              <a:buNone/>
+            </a:pPr>
+            <a:fld id="{2051772F-7243-4220-B73A-7EACC6D17170}" type="slidenum">
+              <a:rPr lang="fr-FR" sz="1200" b="0" strike="noStrike" spc="-1">
+                <a:latin typeface="Times New Roman"/>
+              </a:rPr>
+              <a:t>10</a:t>
             </a:fld>
             <a:endParaRPr lang="fr-CH" sz="1200" b="0" strike="noStrike" spc="-1">
               <a:latin typeface="Times New Roman"/>
@@ -8548,6 +9021,723 @@
 </p:sld>
 </file>
 
+<file path=ppt/slides/slide10.xml><?xml version="1.0" encoding="utf-8"?>
+<p:sld xmlns:a="http://schemas.openxmlformats.org/drawingml/2006/main" xmlns:r="http://schemas.openxmlformats.org/officeDocument/2006/relationships" xmlns:p="http://schemas.openxmlformats.org/presentationml/2006/main">
+  <p:cSld>
+    <p:bg>
+      <p:bgPr>
+        <a:solidFill>
+          <a:srgbClr val="FFFFFF"/>
+        </a:solidFill>
+        <a:effectLst/>
+      </p:bgPr>
+    </p:bg>
+    <p:spTree>
+      <p:nvGrpSpPr>
+        <p:cNvPr id="1" name=""/>
+        <p:cNvGrpSpPr/>
+        <p:nvPr/>
+      </p:nvGrpSpPr>
+      <p:grpSpPr>
+        <a:xfrm>
+          <a:off x="0" y="0"/>
+          <a:ext cx="0" cy="0"/>
+          <a:chOff x="0" y="0"/>
+          <a:chExt cx="0" cy="0"/>
+        </a:xfrm>
+      </p:grpSpPr>
+      <p:sp>
+        <p:nvSpPr>
+          <p:cNvPr id="203" name="Rectangle 9"/>
+          <p:cNvSpPr/>
+          <p:nvPr/>
+        </p:nvSpPr>
+        <p:spPr>
+          <a:xfrm>
+            <a:off x="0" y="0"/>
+            <a:ext cx="12191760" cy="6857640"/>
+          </a:xfrm>
+          <a:prstGeom prst="rect">
+            <a:avLst/>
+          </a:prstGeom>
+          <a:solidFill>
+            <a:srgbClr val="FFFFFF"/>
+          </a:solidFill>
+          <a:ln w="12600">
+            <a:noFill/>
+          </a:ln>
+        </p:spPr>
+        <p:style>
+          <a:lnRef idx="0">
+            <a:scrgbClr r="0" g="0" b="0"/>
+          </a:lnRef>
+          <a:fillRef idx="0">
+            <a:scrgbClr r="0" g="0" b="0"/>
+          </a:fillRef>
+          <a:effectRef idx="0">
+            <a:scrgbClr r="0" g="0" b="0"/>
+          </a:effectRef>
+          <a:fontRef idx="minor"/>
+        </p:style>
+      </p:sp>
+      <p:sp>
+        <p:nvSpPr>
+          <p:cNvPr id="204" name="PlaceHolder 1"/>
+          <p:cNvSpPr>
+            <a:spLocks noGrp="1"/>
+          </p:cNvSpPr>
+          <p:nvPr>
+            <p:ph type="title"/>
+          </p:nvPr>
+        </p:nvSpPr>
+        <p:spPr>
+          <a:xfrm>
+            <a:off x="643320" y="321840"/>
+            <a:ext cx="10904760" cy="1135440"/>
+          </a:xfrm>
+          <a:prstGeom prst="rect">
+            <a:avLst/>
+          </a:prstGeom>
+          <a:noFill/>
+          <a:ln w="0">
+            <a:noFill/>
+          </a:ln>
+        </p:spPr>
+        <p:txBody>
+          <a:bodyPr anchor="ctr">
+            <a:normAutofit/>
+          </a:bodyPr>
+          <a:lstStyle/>
+          <a:p>
+            <a:pPr>
+              <a:lnSpc>
+                <a:spcPct val="90000"/>
+              </a:lnSpc>
+              <a:buNone/>
+            </a:pPr>
+            <a:r>
+              <a:rPr lang="fr-FR" sz="3600" b="0" strike="noStrike" spc="-1" dirty="0" err="1">
+                <a:solidFill>
+                  <a:srgbClr val="000000"/>
+                </a:solidFill>
+                <a:latin typeface="Calibri Light"/>
+              </a:rPr>
+              <a:t>Licensing</a:t>
+            </a:r>
+            <a:endParaRPr lang="fr-FR" sz="3600" b="0" strike="noStrike" spc="-1" dirty="0">
+              <a:solidFill>
+                <a:srgbClr val="000000"/>
+              </a:solidFill>
+              <a:latin typeface="Calibri"/>
+            </a:endParaRPr>
+          </a:p>
+        </p:txBody>
+      </p:sp>
+      <p:sp>
+        <p:nvSpPr>
+          <p:cNvPr id="205" name="PlaceHolder 2"/>
+          <p:cNvSpPr>
+            <a:spLocks noGrp="1"/>
+          </p:cNvSpPr>
+          <p:nvPr>
+            <p:ph/>
+          </p:nvPr>
+        </p:nvSpPr>
+        <p:spPr>
+          <a:xfrm>
+            <a:off x="670680" y="1773360"/>
+            <a:ext cx="6879960" cy="4393800"/>
+          </a:xfrm>
+          <a:prstGeom prst="rect">
+            <a:avLst/>
+          </a:prstGeom>
+          <a:noFill/>
+          <a:ln w="0">
+            <a:noFill/>
+          </a:ln>
+        </p:spPr>
+        <p:txBody>
+          <a:bodyPr anchor="t">
+            <a:normAutofit/>
+          </a:bodyPr>
+          <a:lstStyle/>
+          <a:p>
+            <a:pPr marL="228600" indent="-228600">
+              <a:lnSpc>
+                <a:spcPct val="90000"/>
+              </a:lnSpc>
+              <a:spcBef>
+                <a:spcPts val="1001"/>
+              </a:spcBef>
+              <a:buClr>
+                <a:srgbClr val="000000"/>
+              </a:buClr>
+              <a:buFont typeface="Arial"/>
+              <a:buChar char="•"/>
+            </a:pPr>
+            <a:r>
+              <a:rPr lang="fr-FR" sz="2000" b="0" strike="noStrike" spc="-1" dirty="0">
+                <a:solidFill>
+                  <a:srgbClr val="000000"/>
+                </a:solidFill>
+                <a:latin typeface="Calibri"/>
+              </a:rPr>
+              <a:t>MIT : </a:t>
+            </a:r>
+            <a:r>
+              <a:rPr lang="fr-FR" sz="2000" b="0" strike="noStrike" spc="-1" dirty="0" err="1">
+                <a:solidFill>
+                  <a:srgbClr val="000000"/>
+                </a:solidFill>
+                <a:latin typeface="Calibri"/>
+              </a:rPr>
+              <a:t>can</a:t>
+            </a:r>
+            <a:r>
+              <a:rPr lang="fr-FR" sz="2000" b="0" strike="noStrike" spc="-1" dirty="0">
+                <a:solidFill>
+                  <a:srgbClr val="000000"/>
+                </a:solidFill>
+                <a:latin typeface="Calibri"/>
+              </a:rPr>
+              <a:t> </a:t>
+            </a:r>
+            <a:r>
+              <a:rPr lang="fr-FR" sz="2000" b="0" strike="noStrike" spc="-1" dirty="0" err="1">
+                <a:solidFill>
+                  <a:srgbClr val="000000"/>
+                </a:solidFill>
+                <a:latin typeface="Calibri"/>
+              </a:rPr>
+              <a:t>be</a:t>
+            </a:r>
+            <a:r>
+              <a:rPr lang="fr-FR" sz="2000" b="0" strike="noStrike" spc="-1" dirty="0">
+                <a:solidFill>
+                  <a:srgbClr val="000000"/>
+                </a:solidFill>
+                <a:latin typeface="Calibri"/>
+              </a:rPr>
+              <a:t> </a:t>
+            </a:r>
+            <a:r>
+              <a:rPr lang="fr-FR" sz="2000" b="0" strike="noStrike" spc="-1" dirty="0" err="1">
+                <a:solidFill>
+                  <a:srgbClr val="000000"/>
+                </a:solidFill>
+                <a:latin typeface="Calibri"/>
+              </a:rPr>
+              <a:t>modified</a:t>
+            </a:r>
+            <a:r>
+              <a:rPr lang="fr-FR" sz="2000" b="0" strike="noStrike" spc="-1" dirty="0">
+                <a:solidFill>
+                  <a:srgbClr val="000000"/>
+                </a:solidFill>
+                <a:latin typeface="Calibri"/>
+              </a:rPr>
+              <a:t> or </a:t>
+            </a:r>
+            <a:r>
+              <a:rPr lang="fr-FR" sz="2000" b="0" strike="noStrike" spc="-1" dirty="0" err="1">
+                <a:solidFill>
+                  <a:srgbClr val="000000"/>
+                </a:solidFill>
+                <a:latin typeface="Calibri"/>
+              </a:rPr>
+              <a:t>redistributed</a:t>
+            </a:r>
+            <a:endParaRPr lang="fr-FR" sz="2000" b="0" strike="noStrike" spc="-1" dirty="0">
+              <a:solidFill>
+                <a:srgbClr val="000000"/>
+              </a:solidFill>
+              <a:latin typeface="Calibri"/>
+            </a:endParaRPr>
+          </a:p>
+          <a:p>
+            <a:pPr marL="228600" indent="-228600">
+              <a:lnSpc>
+                <a:spcPct val="90000"/>
+              </a:lnSpc>
+              <a:spcBef>
+                <a:spcPts val="1001"/>
+              </a:spcBef>
+              <a:buClr>
+                <a:srgbClr val="000000"/>
+              </a:buClr>
+              <a:buFont typeface="Arial"/>
+              <a:buChar char="•"/>
+            </a:pPr>
+            <a:r>
+              <a:rPr lang="fr-FR" sz="2000" b="0" strike="noStrike" spc="-1" dirty="0">
+                <a:solidFill>
+                  <a:srgbClr val="000000"/>
+                </a:solidFill>
+                <a:latin typeface="Calibri"/>
+              </a:rPr>
+              <a:t>Model : </a:t>
+            </a:r>
+            <a:r>
+              <a:rPr lang="fr-FR" sz="2000" b="0" strike="noStrike" spc="-1" dirty="0" err="1">
+                <a:solidFill>
+                  <a:srgbClr val="000000"/>
+                </a:solidFill>
+                <a:latin typeface="Calibri"/>
+              </a:rPr>
+              <a:t>derivative</a:t>
+            </a:r>
+            <a:r>
+              <a:rPr lang="fr-FR" sz="2000" b="0" strike="noStrike" spc="-1" dirty="0">
+                <a:solidFill>
+                  <a:srgbClr val="000000"/>
+                </a:solidFill>
+                <a:latin typeface="Calibri"/>
+              </a:rPr>
+              <a:t> </a:t>
+            </a:r>
+            <a:r>
+              <a:rPr lang="fr-FR" sz="2000" b="0" strike="noStrike" spc="-1" dirty="0" err="1">
+                <a:solidFill>
+                  <a:srgbClr val="000000"/>
+                </a:solidFill>
+                <a:latin typeface="Calibri"/>
+              </a:rPr>
+              <a:t>work</a:t>
+            </a:r>
+            <a:r>
+              <a:rPr lang="fr-FR" sz="2000" b="0" strike="noStrike" spc="-1" dirty="0">
+                <a:solidFill>
+                  <a:srgbClr val="000000"/>
+                </a:solidFill>
+                <a:latin typeface="Calibri"/>
+              </a:rPr>
+              <a:t> of </a:t>
+            </a:r>
+            <a:r>
+              <a:rPr lang="fr-FR" sz="2000" b="0" strike="noStrike" spc="-1" dirty="0" err="1">
+                <a:solidFill>
+                  <a:srgbClr val="000000"/>
+                </a:solidFill>
+                <a:latin typeface="Calibri"/>
+              </a:rPr>
+              <a:t>dataset</a:t>
+            </a:r>
+            <a:endParaRPr lang="fr-FR" sz="2000" b="0" strike="noStrike" spc="-1" dirty="0">
+              <a:solidFill>
+                <a:srgbClr val="000000"/>
+              </a:solidFill>
+              <a:latin typeface="Calibri"/>
+            </a:endParaRPr>
+          </a:p>
+          <a:p>
+            <a:pPr>
+              <a:lnSpc>
+                <a:spcPct val="90000"/>
+              </a:lnSpc>
+              <a:spcBef>
+                <a:spcPts val="1001"/>
+              </a:spcBef>
+              <a:buNone/>
+              <a:tabLst>
+                <a:tab pos="0" algn="l"/>
+              </a:tabLst>
+            </a:pPr>
+            <a:r>
+              <a:rPr lang="fr-FR" sz="2000" b="0" strike="noStrike" spc="-1" dirty="0">
+                <a:solidFill>
+                  <a:srgbClr val="000000"/>
+                </a:solidFill>
+                <a:latin typeface="Calibri"/>
+              </a:rPr>
+              <a:t> 	=&gt; Show </a:t>
+            </a:r>
+            <a:r>
+              <a:rPr lang="fr-FR" sz="2000" b="0" strike="noStrike" spc="-1" dirty="0" err="1">
+                <a:solidFill>
+                  <a:srgbClr val="000000"/>
+                </a:solidFill>
+                <a:latin typeface="Calibri"/>
+              </a:rPr>
+              <a:t>license</a:t>
+            </a:r>
+            <a:r>
+              <a:rPr lang="fr-FR" sz="2000" b="0" strike="noStrike" spc="-1" dirty="0">
+                <a:solidFill>
+                  <a:srgbClr val="000000"/>
+                </a:solidFill>
+                <a:latin typeface="Calibri"/>
+              </a:rPr>
+              <a:t> of </a:t>
+            </a:r>
+            <a:r>
+              <a:rPr lang="fr-FR" sz="2000" b="0" strike="noStrike" spc="-1" dirty="0" err="1">
+                <a:solidFill>
+                  <a:srgbClr val="000000"/>
+                </a:solidFill>
+                <a:latin typeface="Calibri"/>
+              </a:rPr>
+              <a:t>dataset</a:t>
+            </a:r>
+            <a:endParaRPr lang="fr-FR" sz="2000" b="0" strike="noStrike" spc="-1" dirty="0">
+              <a:solidFill>
+                <a:srgbClr val="000000"/>
+              </a:solidFill>
+              <a:latin typeface="Calibri"/>
+            </a:endParaRPr>
+          </a:p>
+          <a:p>
+            <a:pPr>
+              <a:lnSpc>
+                <a:spcPct val="90000"/>
+              </a:lnSpc>
+              <a:spcBef>
+                <a:spcPts val="1001"/>
+              </a:spcBef>
+              <a:buNone/>
+              <a:tabLst>
+                <a:tab pos="0" algn="l"/>
+              </a:tabLst>
+            </a:pPr>
+            <a:endParaRPr lang="fr-FR" sz="2000" b="0" strike="noStrike" spc="-1" dirty="0">
+              <a:solidFill>
+                <a:srgbClr val="000000"/>
+              </a:solidFill>
+              <a:latin typeface="Calibri"/>
+            </a:endParaRPr>
+          </a:p>
+        </p:txBody>
+      </p:sp>
+      <p:grpSp>
+        <p:nvGrpSpPr>
+          <p:cNvPr id="206" name="Group 11"/>
+          <p:cNvGrpSpPr/>
+          <p:nvPr/>
+        </p:nvGrpSpPr>
+        <p:grpSpPr>
+          <a:xfrm>
+            <a:off x="360" y="4601520"/>
+            <a:ext cx="1013760" cy="2017080"/>
+            <a:chOff x="360" y="4601520"/>
+            <a:chExt cx="1013760" cy="2017080"/>
+          </a:xfrm>
+        </p:grpSpPr>
+        <p:sp>
+          <p:nvSpPr>
+            <p:cNvPr id="207" name="Isosceles Triangle 12"/>
+            <p:cNvSpPr/>
+            <p:nvPr/>
+          </p:nvSpPr>
+          <p:spPr>
+            <a:xfrm rot="5400000">
+              <a:off x="-501120" y="5103000"/>
+              <a:ext cx="2017080" cy="1013760"/>
+            </a:xfrm>
+            <a:prstGeom prst="triangle">
+              <a:avLst>
+                <a:gd name="adj" fmla="val 50000"/>
+              </a:avLst>
+            </a:prstGeom>
+            <a:solidFill>
+              <a:srgbClr val="4472C4">
+                <a:alpha val="30000"/>
+              </a:srgbClr>
+            </a:solidFill>
+            <a:ln w="12600">
+              <a:noFill/>
+            </a:ln>
+          </p:spPr>
+          <p:style>
+            <a:lnRef idx="0">
+              <a:scrgbClr r="0" g="0" b="0"/>
+            </a:lnRef>
+            <a:fillRef idx="0">
+              <a:scrgbClr r="0" g="0" b="0"/>
+            </a:fillRef>
+            <a:effectRef idx="0">
+              <a:scrgbClr r="0" g="0" b="0"/>
+            </a:effectRef>
+            <a:fontRef idx="minor"/>
+          </p:style>
+        </p:sp>
+        <p:sp>
+          <p:nvSpPr>
+            <p:cNvPr id="208" name="Rectangle 13"/>
+            <p:cNvSpPr/>
+            <p:nvPr/>
+          </p:nvSpPr>
+          <p:spPr>
+            <a:xfrm rot="2700000">
+              <a:off x="428040" y="5728680"/>
+              <a:ext cx="485280" cy="485280"/>
+            </a:xfrm>
+            <a:prstGeom prst="rect">
+              <a:avLst/>
+            </a:prstGeom>
+            <a:solidFill>
+              <a:srgbClr val="4472C4">
+                <a:alpha val="30000"/>
+              </a:srgbClr>
+            </a:solidFill>
+            <a:ln w="12600">
+              <a:noFill/>
+            </a:ln>
+          </p:spPr>
+          <p:style>
+            <a:lnRef idx="0">
+              <a:scrgbClr r="0" g="0" b="0"/>
+            </a:lnRef>
+            <a:fillRef idx="0">
+              <a:scrgbClr r="0" g="0" b="0"/>
+            </a:fillRef>
+            <a:effectRef idx="0">
+              <a:scrgbClr r="0" g="0" b="0"/>
+            </a:effectRef>
+            <a:fontRef idx="minor"/>
+          </p:style>
+        </p:sp>
+      </p:grpSp>
+      <p:grpSp>
+        <p:nvGrpSpPr>
+          <p:cNvPr id="209" name="Group 15"/>
+          <p:cNvGrpSpPr/>
+          <p:nvPr/>
+        </p:nvGrpSpPr>
+        <p:grpSpPr>
+          <a:xfrm>
+            <a:off x="11219400" y="360"/>
+            <a:ext cx="972360" cy="1935000"/>
+            <a:chOff x="11219400" y="360"/>
+            <a:chExt cx="972360" cy="1935000"/>
+          </a:xfrm>
+        </p:grpSpPr>
+        <p:sp>
+          <p:nvSpPr>
+            <p:cNvPr id="210" name="Rectangle 16"/>
+            <p:cNvSpPr/>
+            <p:nvPr/>
+          </p:nvSpPr>
+          <p:spPr>
+            <a:xfrm rot="2700000">
+              <a:off x="11321280" y="1074600"/>
+              <a:ext cx="492840" cy="492840"/>
+            </a:xfrm>
+            <a:prstGeom prst="rect">
+              <a:avLst/>
+            </a:prstGeom>
+            <a:solidFill>
+              <a:srgbClr val="FFC000">
+                <a:alpha val="30000"/>
+              </a:srgbClr>
+            </a:solidFill>
+            <a:ln w="12600">
+              <a:noFill/>
+            </a:ln>
+          </p:spPr>
+          <p:style>
+            <a:lnRef idx="0">
+              <a:scrgbClr r="0" g="0" b="0"/>
+            </a:lnRef>
+            <a:fillRef idx="0">
+              <a:scrgbClr r="0" g="0" b="0"/>
+            </a:fillRef>
+            <a:effectRef idx="0">
+              <a:scrgbClr r="0" g="0" b="0"/>
+            </a:effectRef>
+            <a:fontRef idx="minor"/>
+          </p:style>
+        </p:sp>
+        <p:sp>
+          <p:nvSpPr>
+            <p:cNvPr id="211" name="Isosceles Triangle 17"/>
+            <p:cNvSpPr/>
+            <p:nvPr/>
+          </p:nvSpPr>
+          <p:spPr>
+            <a:xfrm rot="16200000">
+              <a:off x="10738080" y="481680"/>
+              <a:ext cx="1935000" cy="972360"/>
+            </a:xfrm>
+            <a:prstGeom prst="triangle">
+              <a:avLst>
+                <a:gd name="adj" fmla="val 50000"/>
+              </a:avLst>
+            </a:prstGeom>
+            <a:solidFill>
+              <a:srgbClr val="FFC000">
+                <a:alpha val="30000"/>
+              </a:srgbClr>
+            </a:solidFill>
+            <a:ln w="12600">
+              <a:noFill/>
+            </a:ln>
+          </p:spPr>
+          <p:style>
+            <a:lnRef idx="0">
+              <a:scrgbClr r="0" g="0" b="0"/>
+            </a:lnRef>
+            <a:fillRef idx="0">
+              <a:scrgbClr r="0" g="0" b="0"/>
+            </a:fillRef>
+            <a:effectRef idx="0">
+              <a:scrgbClr r="0" g="0" b="0"/>
+            </a:effectRef>
+            <a:fontRef idx="minor"/>
+          </p:style>
+        </p:sp>
+      </p:grpSp>
+      <p:sp>
+        <p:nvSpPr>
+          <p:cNvPr id="213" name="ZoneTexte 14"/>
+          <p:cNvSpPr/>
+          <p:nvPr/>
+        </p:nvSpPr>
+        <p:spPr>
+          <a:xfrm>
+            <a:off x="1080" y="6483240"/>
+            <a:ext cx="6232320" cy="364680"/>
+          </a:xfrm>
+          <a:prstGeom prst="rect">
+            <a:avLst/>
+          </a:prstGeom>
+          <a:noFill/>
+          <a:ln w="0">
+            <a:noFill/>
+          </a:ln>
+        </p:spPr>
+        <p:style>
+          <a:lnRef idx="0">
+            <a:scrgbClr r="0" g="0" b="0"/>
+          </a:lnRef>
+          <a:fillRef idx="0">
+            <a:scrgbClr r="0" g="0" b="0"/>
+          </a:fillRef>
+          <a:effectRef idx="0">
+            <a:scrgbClr r="0" g="0" b="0"/>
+          </a:effectRef>
+          <a:fontRef idx="minor"/>
+        </p:style>
+        <p:txBody>
+          <a:bodyPr lIns="90000" tIns="45000" rIns="90000" bIns="45000" anchor="t">
+            <a:spAutoFit/>
+          </a:bodyPr>
+          <a:lstStyle/>
+          <a:p>
+            <a:pPr>
+              <a:lnSpc>
+                <a:spcPct val="100000"/>
+              </a:lnSpc>
+              <a:buNone/>
+            </a:pPr>
+            <a:r>
+              <a:rPr lang="fr-FR" sz="1800" b="0" strike="noStrike" spc="-1">
+                <a:solidFill>
+                  <a:srgbClr val="000000"/>
+                </a:solidFill>
+                <a:latin typeface="Calibri"/>
+              </a:rPr>
+              <a:t>Source : M05 course</a:t>
+            </a:r>
+            <a:endParaRPr lang="fr-CH" sz="1800" b="0" strike="noStrike" spc="-1">
+              <a:latin typeface="Arial"/>
+            </a:endParaRPr>
+          </a:p>
+        </p:txBody>
+      </p:sp>
+      <p:pic>
+        <p:nvPicPr>
+          <p:cNvPr id="214" name="Image 7"/>
+          <p:cNvPicPr/>
+          <p:nvPr/>
+        </p:nvPicPr>
+        <p:blipFill>
+          <a:blip r:embed="rId3"/>
+          <a:stretch/>
+        </p:blipFill>
+        <p:spPr>
+          <a:xfrm>
+            <a:off x="5055840" y="574413"/>
+            <a:ext cx="7048080" cy="1434600"/>
+          </a:xfrm>
+          <a:prstGeom prst="rect">
+            <a:avLst/>
+          </a:prstGeom>
+          <a:ln w="0">
+            <a:noFill/>
+          </a:ln>
+        </p:spPr>
+      </p:pic>
+      <p:pic>
+        <p:nvPicPr>
+          <p:cNvPr id="215" name="Picture 24"/>
+          <p:cNvPicPr/>
+          <p:nvPr/>
+        </p:nvPicPr>
+        <p:blipFill>
+          <a:blip r:embed="rId4"/>
+          <a:stretch/>
+        </p:blipFill>
+        <p:spPr>
+          <a:xfrm>
+            <a:off x="1683965" y="4458106"/>
+            <a:ext cx="1824120" cy="1824120"/>
+          </a:xfrm>
+          <a:prstGeom prst="rect">
+            <a:avLst/>
+          </a:prstGeom>
+          <a:ln w="0">
+            <a:noFill/>
+          </a:ln>
+        </p:spPr>
+      </p:pic>
+      <p:pic>
+        <p:nvPicPr>
+          <p:cNvPr id="3" name="Image 2" descr="Une image contenant texte&#10;&#10;Description générée automatiquement">
+            <a:extLst>
+              <a:ext uri="{FF2B5EF4-FFF2-40B4-BE49-F238E27FC236}">
+                <a16:creationId xmlns:a16="http://schemas.microsoft.com/office/drawing/2014/main" id="{307E65B8-86FC-094D-B8A2-B092FAE172FE}"/>
+              </a:ext>
+            </a:extLst>
+          </p:cNvPr>
+          <p:cNvPicPr>
+            <a:picLocks noChangeAspect="1"/>
+          </p:cNvPicPr>
+          <p:nvPr/>
+        </p:nvPicPr>
+        <p:blipFill>
+          <a:blip r:embed="rId5" cstate="print">
+            <a:extLst>
+              <a:ext uri="{28A0092B-C50C-407E-A947-70E740481C1C}">
+                <a14:useLocalDpi xmlns:a14="http://schemas.microsoft.com/office/drawing/2010/main" val="0"/>
+              </a:ext>
+            </a:extLst>
+          </a:blip>
+          <a:stretch>
+            <a:fillRect/>
+          </a:stretch>
+        </p:blipFill>
+        <p:spPr>
+          <a:xfrm>
+            <a:off x="5050449" y="2128893"/>
+            <a:ext cx="7048079" cy="4153333"/>
+          </a:xfrm>
+          <a:prstGeom prst="rect">
+            <a:avLst/>
+          </a:prstGeom>
+        </p:spPr>
+      </p:pic>
+    </p:spTree>
+    <p:extLst>
+      <p:ext uri="{BB962C8B-B14F-4D97-AF65-F5344CB8AC3E}">
+        <p14:creationId xmlns:p14="http://schemas.microsoft.com/office/powerpoint/2010/main" val="2969619679"/>
+      </p:ext>
+    </p:extLst>
+  </p:cSld>
+  <p:clrMapOvr>
+    <a:masterClrMapping/>
+  </p:clrMapOvr>
+</p:sld>
+</file>
+
 <file path=ppt/slides/slide2.xml><?xml version="1.0" encoding="utf-8"?>
 <p:sld xmlns:a="http://schemas.openxmlformats.org/drawingml/2006/main" xmlns:r="http://schemas.openxmlformats.org/officeDocument/2006/relationships" xmlns:p="http://schemas.openxmlformats.org/presentationml/2006/main">
   <p:cSld>
@@ -11479,8 +12669,8 @@
         </p:blipFill>
         <p:spPr>
           <a:xfrm>
-            <a:off x="3162960" y="1260000"/>
-            <a:ext cx="2057040" cy="2057040"/>
+            <a:off x="3880820" y="191880"/>
+            <a:ext cx="1383640" cy="1296933"/>
           </a:xfrm>
           <a:prstGeom prst="rect">
             <a:avLst/>
@@ -11668,177 +12858,374 @@
           </p:style>
         </p:sp>
       </p:grpSp>
-      <p:sp>
-        <p:nvSpPr>
-          <p:cNvPr id="178" name="ZoneTexte 177"/>
-          <p:cNvSpPr txBox="1"/>
-          <p:nvPr/>
-        </p:nvSpPr>
-        <p:spPr>
-          <a:xfrm>
-            <a:off x="108000" y="1800000"/>
-            <a:ext cx="2442960" cy="360000"/>
-          </a:xfrm>
-          <a:prstGeom prst="rect">
-            <a:avLst/>
-          </a:prstGeom>
-          <a:noFill/>
-          <a:ln w="0">
-            <a:noFill/>
-          </a:ln>
-        </p:spPr>
-        <p:txBody>
-          <a:bodyPr lIns="90000" tIns="45000" rIns="90000" bIns="45000" anchor="t">
-            <a:noAutofit/>
-          </a:bodyPr>
-          <a:lstStyle/>
-          <a:p>
-            <a:r>
-              <a:rPr lang="fr-CH" sz="1800" b="0" strike="noStrike" spc="-1">
-                <a:latin typeface="Arial"/>
-              </a:rPr>
-              <a:t>Unit tests with Pytest</a:t>
-            </a:r>
-          </a:p>
-        </p:txBody>
-      </p:sp>
-      <p:sp>
-        <p:nvSpPr>
-          <p:cNvPr id="179" name="ZoneTexte 178"/>
-          <p:cNvSpPr txBox="1"/>
-          <p:nvPr/>
-        </p:nvSpPr>
-        <p:spPr>
-          <a:xfrm>
-            <a:off x="108000" y="3600000"/>
-            <a:ext cx="2340000" cy="720000"/>
-          </a:xfrm>
-          <a:prstGeom prst="rect">
-            <a:avLst/>
-          </a:prstGeom>
-          <a:noFill/>
-          <a:ln w="0">
-            <a:noFill/>
-          </a:ln>
-        </p:spPr>
-        <p:txBody>
-          <a:bodyPr lIns="90000" tIns="45000" rIns="90000" bIns="45000" anchor="t">
-            <a:noAutofit/>
-          </a:bodyPr>
-          <a:lstStyle/>
-          <a:p>
-            <a:r>
-              <a:rPr lang="fr-CH" sz="1800" b="0" strike="noStrike" spc="-1">
-                <a:latin typeface="Arial"/>
-              </a:rPr>
-              <a:t>Automation of tests with .yml script</a:t>
-            </a:r>
-          </a:p>
-        </p:txBody>
-      </p:sp>
       <p:pic>
         <p:nvPicPr>
-          <p:cNvPr id="180" name="Image 179"/>
-          <p:cNvPicPr/>
+          <p:cNvPr id="11" name="Image 10" descr="Une image contenant texte&#10;&#10;Description générée automatiquement">
+            <a:extLst>
+              <a:ext uri="{FF2B5EF4-FFF2-40B4-BE49-F238E27FC236}">
+                <a16:creationId xmlns:a16="http://schemas.microsoft.com/office/drawing/2014/main" id="{AA683147-746B-4877-A9E7-F1555AED8B3F}"/>
+              </a:ext>
+            </a:extLst>
+          </p:cNvPr>
+          <p:cNvPicPr>
+            <a:picLocks noChangeAspect="1"/>
+          </p:cNvPicPr>
           <p:nvPr/>
         </p:nvPicPr>
         <p:blipFill>
-          <a:blip r:embed="rId4"/>
-          <a:stretch/>
+          <a:blip r:embed="rId4">
+            <a:extLst>
+              <a:ext uri="{28A0092B-C50C-407E-A947-70E740481C1C}">
+                <a14:useLocalDpi xmlns:a14="http://schemas.microsoft.com/office/drawing/2010/main" val="0"/>
+              </a:ext>
+            </a:extLst>
+          </a:blip>
+          <a:stretch>
+            <a:fillRect/>
+          </a:stretch>
         </p:blipFill>
         <p:spPr>
           <a:xfrm>
-            <a:off x="5580000" y="197280"/>
-            <a:ext cx="6514560" cy="4183200"/>
-          </a:xfrm>
-          <a:prstGeom prst="rect">
-            <a:avLst/>
-          </a:prstGeom>
-          <a:ln w="0">
-            <a:noFill/>
-          </a:ln>
+            <a:off x="643320" y="1810293"/>
+            <a:ext cx="3695700" cy="1809750"/>
+          </a:xfrm>
+          <a:prstGeom prst="rect">
+            <a:avLst/>
+          </a:prstGeom>
         </p:spPr>
       </p:pic>
       <p:pic>
         <p:nvPicPr>
-          <p:cNvPr id="181" name="Image 180"/>
-          <p:cNvPicPr/>
+          <p:cNvPr id="13" name="Image 12" descr="Une image contenant texte&#10;&#10;Description générée automatiquement">
+            <a:extLst>
+              <a:ext uri="{FF2B5EF4-FFF2-40B4-BE49-F238E27FC236}">
+                <a16:creationId xmlns:a16="http://schemas.microsoft.com/office/drawing/2014/main" id="{4E87074A-7BDF-4763-BF19-63B9033353E3}"/>
+              </a:ext>
+            </a:extLst>
+          </p:cNvPr>
+          <p:cNvPicPr>
+            <a:picLocks noChangeAspect="1"/>
+          </p:cNvPicPr>
           <p:nvPr/>
         </p:nvPicPr>
         <p:blipFill>
-          <a:blip r:embed="rId5"/>
-          <a:stretch/>
+          <a:blip r:embed="rId5">
+            <a:extLst>
+              <a:ext uri="{28A0092B-C50C-407E-A947-70E740481C1C}">
+                <a14:useLocalDpi xmlns:a14="http://schemas.microsoft.com/office/drawing/2010/main" val="0"/>
+              </a:ext>
+            </a:extLst>
+          </a:blip>
+          <a:stretch>
+            <a:fillRect/>
+          </a:stretch>
         </p:blipFill>
         <p:spPr>
           <a:xfrm>
-            <a:off x="2358720" y="3456000"/>
-            <a:ext cx="2933280" cy="926640"/>
-          </a:xfrm>
-          <a:prstGeom prst="rect">
-            <a:avLst/>
-          </a:prstGeom>
-          <a:ln w="0">
-            <a:noFill/>
-          </a:ln>
+            <a:off x="7521382" y="1553501"/>
+            <a:ext cx="4297857" cy="2323334"/>
+          </a:xfrm>
+          <a:prstGeom prst="rect">
+            <a:avLst/>
+          </a:prstGeom>
         </p:spPr>
       </p:pic>
-      <p:sp>
-        <p:nvSpPr>
-          <p:cNvPr id="182" name="ZoneTexte 181"/>
+      <p:pic>
+        <p:nvPicPr>
+          <p:cNvPr id="15" name="Image 14" descr="Une image contenant texte&#10;&#10;Description générée automatiquement">
+            <a:extLst>
+              <a:ext uri="{FF2B5EF4-FFF2-40B4-BE49-F238E27FC236}">
+                <a16:creationId xmlns:a16="http://schemas.microsoft.com/office/drawing/2014/main" id="{01E20C5C-8BB5-4730-BEBB-FC870326B9A7}"/>
+              </a:ext>
+            </a:extLst>
+          </p:cNvPr>
+          <p:cNvPicPr>
+            <a:picLocks noChangeAspect="1"/>
+          </p:cNvPicPr>
+          <p:nvPr/>
+        </p:nvPicPr>
+        <p:blipFill>
+          <a:blip r:embed="rId6">
+            <a:extLst>
+              <a:ext uri="{28A0092B-C50C-407E-A947-70E740481C1C}">
+                <a14:useLocalDpi xmlns:a14="http://schemas.microsoft.com/office/drawing/2010/main" val="0"/>
+              </a:ext>
+            </a:extLst>
+          </a:blip>
+          <a:stretch>
+            <a:fillRect/>
+          </a:stretch>
+        </p:blipFill>
+        <p:spPr>
+          <a:xfrm>
+            <a:off x="4339020" y="4822257"/>
+            <a:ext cx="3182362" cy="1492208"/>
+          </a:xfrm>
+          <a:prstGeom prst="rect">
+            <a:avLst/>
+          </a:prstGeom>
+        </p:spPr>
+      </p:pic>
+      <p:sp>
+        <p:nvSpPr>
+          <p:cNvPr id="16" name="ZoneTexte 15">
+            <a:extLst>
+              <a:ext uri="{FF2B5EF4-FFF2-40B4-BE49-F238E27FC236}">
+                <a16:creationId xmlns:a16="http://schemas.microsoft.com/office/drawing/2014/main" id="{6322D0C7-3542-4365-8417-F54A95131D2D}"/>
+              </a:ext>
+            </a:extLst>
+          </p:cNvPr>
           <p:cNvSpPr txBox="1"/>
           <p:nvPr/>
         </p:nvSpPr>
         <p:spPr>
           <a:xfrm>
-            <a:off x="720000" y="5040000"/>
-            <a:ext cx="10620000" cy="1626120"/>
+            <a:off x="5276160" y="486403"/>
+            <a:ext cx="2005782" cy="707886"/>
           </a:xfrm>
           <a:prstGeom prst="rect">
             <a:avLst/>
           </a:prstGeom>
           <a:noFill/>
-          <a:ln w="0">
-            <a:noFill/>
-          </a:ln>
-        </p:spPr>
-        <p:txBody>
-          <a:bodyPr lIns="90000" tIns="45000" rIns="90000" bIns="45000" anchor="t">
-            <a:noAutofit/>
+        </p:spPr>
+        <p:txBody>
+          <a:bodyPr wrap="square" rtlCol="0">
+            <a:spAutoFit/>
           </a:bodyPr>
           <a:lstStyle/>
           <a:p>
             <a:r>
-              <a:rPr lang="fr-CH" sz="1800" b="0" strike="noStrike" spc="-1">
-                <a:latin typeface="Arial"/>
-              </a:rPr>
-              <a:t>test_analysis_module : tests mathematical formulae results and functions limits</a:t>
-            </a:r>
-          </a:p>
-          <a:p>
-            <a:endParaRPr lang="fr-CH" sz="1800" b="0" strike="noStrike" spc="-1">
-              <a:latin typeface="Arial"/>
+              <a:rPr lang="fr-CH" sz="2000" b="1" dirty="0"/>
+              <a:t>On push on all branches</a:t>
+            </a:r>
+          </a:p>
+        </p:txBody>
+      </p:sp>
+      <p:sp>
+        <p:nvSpPr>
+          <p:cNvPr id="17" name="ZoneTexte 16">
+            <a:extLst>
+              <a:ext uri="{FF2B5EF4-FFF2-40B4-BE49-F238E27FC236}">
+                <a16:creationId xmlns:a16="http://schemas.microsoft.com/office/drawing/2014/main" id="{BA1ABECB-20EE-4336-BA28-EBE64CD004F1}"/>
+              </a:ext>
+            </a:extLst>
+          </p:cNvPr>
+          <p:cNvSpPr txBox="1"/>
+          <p:nvPr/>
+        </p:nvSpPr>
+        <p:spPr>
+          <a:xfrm>
+            <a:off x="762001" y="1432435"/>
+            <a:ext cx="3480440" cy="369332"/>
+          </a:xfrm>
+          <a:prstGeom prst="rect">
+            <a:avLst/>
+          </a:prstGeom>
+          <a:noFill/>
+        </p:spPr>
+        <p:txBody>
+          <a:bodyPr wrap="none" rtlCol="0">
+            <a:spAutoFit/>
+          </a:bodyPr>
+          <a:lstStyle/>
+          <a:p>
+            <a:r>
+              <a:rPr lang="fr-CH" dirty="0"/>
+              <a:t>1. Prepare environnement for CI</a:t>
+            </a:r>
+          </a:p>
+        </p:txBody>
+      </p:sp>
+      <p:sp>
+        <p:nvSpPr>
+          <p:cNvPr id="32" name="ZoneTexte 31">
+            <a:extLst>
+              <a:ext uri="{FF2B5EF4-FFF2-40B4-BE49-F238E27FC236}">
+                <a16:creationId xmlns:a16="http://schemas.microsoft.com/office/drawing/2014/main" id="{02DB35B5-52A5-4DC2-98D9-43559F116CC1}"/>
+              </a:ext>
+            </a:extLst>
+          </p:cNvPr>
+          <p:cNvSpPr txBox="1"/>
+          <p:nvPr/>
+        </p:nvSpPr>
+        <p:spPr>
+          <a:xfrm>
+            <a:off x="7910854" y="1175169"/>
+            <a:ext cx="3518912" cy="369332"/>
+          </a:xfrm>
+          <a:prstGeom prst="rect">
+            <a:avLst/>
+          </a:prstGeom>
+          <a:noFill/>
+        </p:spPr>
+        <p:txBody>
+          <a:bodyPr wrap="none" rtlCol="0">
+            <a:spAutoFit/>
+          </a:bodyPr>
+          <a:lstStyle/>
+          <a:p>
+            <a:r>
+              <a:rPr lang="fr-CH" dirty="0"/>
+              <a:t>2. Run test and upload coverage</a:t>
+            </a:r>
+          </a:p>
+        </p:txBody>
+      </p:sp>
+      <p:sp>
+        <p:nvSpPr>
+          <p:cNvPr id="33" name="ZoneTexte 32">
+            <a:extLst>
+              <a:ext uri="{FF2B5EF4-FFF2-40B4-BE49-F238E27FC236}">
+                <a16:creationId xmlns:a16="http://schemas.microsoft.com/office/drawing/2014/main" id="{AD2D66E0-3A89-45EF-991E-A0BC3CB2BC14}"/>
+              </a:ext>
+            </a:extLst>
+          </p:cNvPr>
+          <p:cNvSpPr txBox="1"/>
+          <p:nvPr/>
+        </p:nvSpPr>
+        <p:spPr>
+          <a:xfrm>
+            <a:off x="3930277" y="4439443"/>
+            <a:ext cx="3980577" cy="369332"/>
+          </a:xfrm>
+          <a:prstGeom prst="rect">
+            <a:avLst/>
+          </a:prstGeom>
+          <a:noFill/>
+        </p:spPr>
+        <p:txBody>
+          <a:bodyPr wrap="none" rtlCol="0">
+            <a:spAutoFit/>
+          </a:bodyPr>
+          <a:lstStyle/>
+          <a:p>
+            <a:r>
+              <a:rPr lang="fr-CH" dirty="0"/>
+              <a:t>3. Generate and build documentation</a:t>
+            </a:r>
+          </a:p>
+        </p:txBody>
+      </p:sp>
+      <p:sp>
+        <p:nvSpPr>
+          <p:cNvPr id="20" name="Flèche : droite 19">
+            <a:extLst>
+              <a:ext uri="{FF2B5EF4-FFF2-40B4-BE49-F238E27FC236}">
+                <a16:creationId xmlns:a16="http://schemas.microsoft.com/office/drawing/2014/main" id="{12F56746-A064-44B8-BC49-9C595E5FE75F}"/>
+              </a:ext>
+            </a:extLst>
+          </p:cNvPr>
+          <p:cNvSpPr/>
+          <p:nvPr/>
+        </p:nvSpPr>
+        <p:spPr>
+          <a:xfrm>
+            <a:off x="4648210" y="2490801"/>
+            <a:ext cx="2563981" cy="448733"/>
+          </a:xfrm>
+          <a:prstGeom prst="rightArrow">
+            <a:avLst/>
+          </a:prstGeom>
+          <a:solidFill>
+            <a:schemeClr val="accent1">
+              <a:lumMod val="60000"/>
+              <a:lumOff val="40000"/>
+            </a:schemeClr>
+          </a:solidFill>
+          <a:ln>
+            <a:solidFill>
+              <a:schemeClr val="tx1"/>
+            </a:solidFill>
+          </a:ln>
+        </p:spPr>
+        <p:style>
+          <a:lnRef idx="2">
+            <a:schemeClr val="accent1">
+              <a:shade val="50000"/>
+            </a:schemeClr>
+          </a:lnRef>
+          <a:fillRef idx="1">
+            <a:schemeClr val="accent1"/>
+          </a:fillRef>
+          <a:effectRef idx="0">
+            <a:schemeClr val="accent1"/>
+          </a:effectRef>
+          <a:fontRef idx="minor">
+            <a:schemeClr val="lt1"/>
+          </a:fontRef>
+        </p:style>
+        <p:txBody>
+          <a:bodyPr rtlCol="0" anchor="ctr"/>
+          <a:lstStyle/>
+          <a:p>
+            <a:pPr algn="ctr"/>
+            <a:endParaRPr lang="fr-CH"/>
+          </a:p>
+        </p:txBody>
+      </p:sp>
+      <p:sp>
+        <p:nvSpPr>
+          <p:cNvPr id="23" name="Flèche : virage 22">
+            <a:extLst>
+              <a:ext uri="{FF2B5EF4-FFF2-40B4-BE49-F238E27FC236}">
+                <a16:creationId xmlns:a16="http://schemas.microsoft.com/office/drawing/2014/main" id="{0BAE147A-3FC3-4826-B012-B56F1503F31D}"/>
+              </a:ext>
+            </a:extLst>
+          </p:cNvPr>
+          <p:cNvSpPr/>
+          <p:nvPr/>
+        </p:nvSpPr>
+        <p:spPr>
+          <a:xfrm rot="10800000">
+            <a:off x="8486833" y="4570577"/>
+            <a:ext cx="1444567" cy="1400743"/>
+          </a:xfrm>
+          <a:prstGeom prst="bentArrow">
+            <a:avLst>
+              <a:gd name="adj1" fmla="val 19560"/>
+              <a:gd name="adj2" fmla="val 20769"/>
+              <a:gd name="adj3" fmla="val 21978"/>
+              <a:gd name="adj4" fmla="val 20616"/>
+            </a:avLst>
+          </a:prstGeom>
+          <a:solidFill>
+            <a:schemeClr val="accent1">
+              <a:lumMod val="60000"/>
+              <a:lumOff val="40000"/>
+            </a:schemeClr>
+          </a:solidFill>
+          <a:ln>
+            <a:solidFill>
+              <a:schemeClr val="tx1"/>
+            </a:solidFill>
+          </a:ln>
+        </p:spPr>
+        <p:style>
+          <a:lnRef idx="2">
+            <a:schemeClr val="accent1">
+              <a:shade val="50000"/>
+            </a:schemeClr>
+          </a:lnRef>
+          <a:fillRef idx="1">
+            <a:schemeClr val="accent1"/>
+          </a:fillRef>
+          <a:effectRef idx="0">
+            <a:schemeClr val="accent1"/>
+          </a:effectRef>
+          <a:fontRef idx="minor">
+            <a:schemeClr val="lt1"/>
+          </a:fontRef>
+        </p:style>
+        <p:txBody>
+          <a:bodyPr rtlCol="0" anchor="ctr"/>
+          <a:lstStyle/>
+          <a:p>
+            <a:pPr algn="ctr"/>
+            <a:endParaRPr lang="fr-CH">
+              <a:solidFill>
+                <a:schemeClr val="tx1"/>
+              </a:solidFill>
             </a:endParaRPr>
-          </a:p>
-          <a:p>
-            <a:r>
-              <a:rPr lang="fr-CH" sz="1800" b="0" strike="noStrike" spc="-1">
-                <a:latin typeface="Arial"/>
-              </a:rPr>
-              <a:t>test_lin_reg_module and test_reg_tree_module : test shape and instance of returned objects</a:t>
-            </a:r>
-          </a:p>
-          <a:p>
-            <a:endParaRPr lang="fr-CH" sz="1800" b="0" strike="noStrike" spc="-1">
-              <a:latin typeface="Arial"/>
-            </a:endParaRPr>
-          </a:p>
-          <a:p>
-            <a:r>
-              <a:rPr lang="fr-CH" sz="1800" b="0" strike="noStrike" spc="-1">
-                <a:latin typeface="Arial"/>
-              </a:rPr>
-              <a:t>Others module are not worth testing with unit test. But results was tested in the specific branch dedicated to. </a:t>
-            </a:r>
           </a:p>
         </p:txBody>
       </p:sp>
@@ -11877,13 +13264,13 @@
       </p:grpSpPr>
       <p:sp>
         <p:nvSpPr>
-          <p:cNvPr id="183" name="Rectangle 9"/>
+          <p:cNvPr id="169" name="Rectangle 9"/>
           <p:cNvSpPr/>
           <p:nvPr/>
         </p:nvSpPr>
         <p:spPr>
           <a:xfrm>
-            <a:off x="0" y="0"/>
+            <a:off x="12240" y="-17640"/>
             <a:ext cx="12191760" cy="6857640"/>
           </a:xfrm>
           <a:prstGeom prst="rect">
@@ -11911,7 +13298,7 @@
       </p:sp>
       <p:sp>
         <p:nvSpPr>
-          <p:cNvPr id="184" name="PlaceHolder 1"/>
+          <p:cNvPr id="170" name="PlaceHolder 1"/>
           <p:cNvSpPr>
             <a:spLocks noGrp="1"/>
           </p:cNvSpPr>
@@ -11951,7 +13338,7 @@
                 </a:solidFill>
                 <a:latin typeface="Calibri Light"/>
               </a:rPr>
-              <a:t>Documentation</a:t>
+              <a:t>Unit Testing - CI</a:t>
             </a:r>
             <a:endParaRPr lang="fr-FR" sz="3600" b="0" strike="noStrike" spc="-1">
               <a:solidFill>
@@ -11962,6 +13349,613 @@
           </a:p>
         </p:txBody>
       </p:sp>
+      <p:pic>
+        <p:nvPicPr>
+          <p:cNvPr id="171" name="Image 170"/>
+          <p:cNvPicPr/>
+          <p:nvPr/>
+        </p:nvPicPr>
+        <p:blipFill>
+          <a:blip r:embed="rId3"/>
+          <a:stretch/>
+        </p:blipFill>
+        <p:spPr>
+          <a:xfrm>
+            <a:off x="3880820" y="191880"/>
+            <a:ext cx="1383640" cy="1296933"/>
+          </a:xfrm>
+          <a:prstGeom prst="rect">
+            <a:avLst/>
+          </a:prstGeom>
+          <a:ln w="0">
+            <a:noFill/>
+          </a:ln>
+        </p:spPr>
+      </p:pic>
+      <p:grpSp>
+        <p:nvGrpSpPr>
+          <p:cNvPr id="172" name="Group 11"/>
+          <p:cNvGrpSpPr/>
+          <p:nvPr/>
+        </p:nvGrpSpPr>
+        <p:grpSpPr>
+          <a:xfrm>
+            <a:off x="360" y="4601520"/>
+            <a:ext cx="1013760" cy="2017080"/>
+            <a:chOff x="360" y="4601520"/>
+            <a:chExt cx="1013760" cy="2017080"/>
+          </a:xfrm>
+        </p:grpSpPr>
+        <p:sp>
+          <p:nvSpPr>
+            <p:cNvPr id="173" name="Isosceles Triangle 12"/>
+            <p:cNvSpPr/>
+            <p:nvPr/>
+          </p:nvSpPr>
+          <p:spPr>
+            <a:xfrm rot="5400000">
+              <a:off x="-501120" y="5103000"/>
+              <a:ext cx="2017080" cy="1013760"/>
+            </a:xfrm>
+            <a:prstGeom prst="triangle">
+              <a:avLst>
+                <a:gd name="adj" fmla="val 50000"/>
+              </a:avLst>
+            </a:prstGeom>
+            <a:solidFill>
+              <a:srgbClr val="4472C4">
+                <a:alpha val="30000"/>
+              </a:srgbClr>
+            </a:solidFill>
+            <a:ln w="12600">
+              <a:noFill/>
+            </a:ln>
+          </p:spPr>
+          <p:style>
+            <a:lnRef idx="0">
+              <a:scrgbClr r="0" g="0" b="0"/>
+            </a:lnRef>
+            <a:fillRef idx="0">
+              <a:scrgbClr r="0" g="0" b="0"/>
+            </a:fillRef>
+            <a:effectRef idx="0">
+              <a:scrgbClr r="0" g="0" b="0"/>
+            </a:effectRef>
+            <a:fontRef idx="minor"/>
+          </p:style>
+        </p:sp>
+        <p:sp>
+          <p:nvSpPr>
+            <p:cNvPr id="174" name="Rectangle 13"/>
+            <p:cNvSpPr/>
+            <p:nvPr/>
+          </p:nvSpPr>
+          <p:spPr>
+            <a:xfrm rot="2700000">
+              <a:off x="428040" y="5728680"/>
+              <a:ext cx="485280" cy="485280"/>
+            </a:xfrm>
+            <a:prstGeom prst="rect">
+              <a:avLst/>
+            </a:prstGeom>
+            <a:solidFill>
+              <a:srgbClr val="4472C4">
+                <a:alpha val="30000"/>
+              </a:srgbClr>
+            </a:solidFill>
+            <a:ln w="12600">
+              <a:noFill/>
+            </a:ln>
+          </p:spPr>
+          <p:style>
+            <a:lnRef idx="0">
+              <a:scrgbClr r="0" g="0" b="0"/>
+            </a:lnRef>
+            <a:fillRef idx="0">
+              <a:scrgbClr r="0" g="0" b="0"/>
+            </a:fillRef>
+            <a:effectRef idx="0">
+              <a:scrgbClr r="0" g="0" b="0"/>
+            </a:effectRef>
+            <a:fontRef idx="minor"/>
+          </p:style>
+        </p:sp>
+      </p:grpSp>
+      <p:grpSp>
+        <p:nvGrpSpPr>
+          <p:cNvPr id="175" name="Group 15"/>
+          <p:cNvGrpSpPr/>
+          <p:nvPr/>
+        </p:nvGrpSpPr>
+        <p:grpSpPr>
+          <a:xfrm>
+            <a:off x="11219400" y="360"/>
+            <a:ext cx="972360" cy="1935000"/>
+            <a:chOff x="11219400" y="360"/>
+            <a:chExt cx="972360" cy="1935000"/>
+          </a:xfrm>
+        </p:grpSpPr>
+        <p:sp>
+          <p:nvSpPr>
+            <p:cNvPr id="176" name="Rectangle 16"/>
+            <p:cNvSpPr/>
+            <p:nvPr/>
+          </p:nvSpPr>
+          <p:spPr>
+            <a:xfrm rot="2700000">
+              <a:off x="11321280" y="1074600"/>
+              <a:ext cx="492840" cy="492840"/>
+            </a:xfrm>
+            <a:prstGeom prst="rect">
+              <a:avLst/>
+            </a:prstGeom>
+            <a:solidFill>
+              <a:srgbClr val="FFC000">
+                <a:alpha val="30000"/>
+              </a:srgbClr>
+            </a:solidFill>
+            <a:ln w="12600">
+              <a:noFill/>
+            </a:ln>
+          </p:spPr>
+          <p:style>
+            <a:lnRef idx="0">
+              <a:scrgbClr r="0" g="0" b="0"/>
+            </a:lnRef>
+            <a:fillRef idx="0">
+              <a:scrgbClr r="0" g="0" b="0"/>
+            </a:fillRef>
+            <a:effectRef idx="0">
+              <a:scrgbClr r="0" g="0" b="0"/>
+            </a:effectRef>
+            <a:fontRef idx="minor"/>
+          </p:style>
+        </p:sp>
+        <p:sp>
+          <p:nvSpPr>
+            <p:cNvPr id="177" name="Isosceles Triangle 17"/>
+            <p:cNvSpPr/>
+            <p:nvPr/>
+          </p:nvSpPr>
+          <p:spPr>
+            <a:xfrm rot="16200000">
+              <a:off x="10738080" y="481680"/>
+              <a:ext cx="1935000" cy="972360"/>
+            </a:xfrm>
+            <a:prstGeom prst="triangle">
+              <a:avLst>
+                <a:gd name="adj" fmla="val 50000"/>
+              </a:avLst>
+            </a:prstGeom>
+            <a:solidFill>
+              <a:srgbClr val="FFC000">
+                <a:alpha val="30000"/>
+              </a:srgbClr>
+            </a:solidFill>
+            <a:ln w="12600">
+              <a:noFill/>
+            </a:ln>
+          </p:spPr>
+          <p:style>
+            <a:lnRef idx="0">
+              <a:scrgbClr r="0" g="0" b="0"/>
+            </a:lnRef>
+            <a:fillRef idx="0">
+              <a:scrgbClr r="0" g="0" b="0"/>
+            </a:fillRef>
+            <a:effectRef idx="0">
+              <a:scrgbClr r="0" g="0" b="0"/>
+            </a:effectRef>
+            <a:fontRef idx="minor"/>
+          </p:style>
+        </p:sp>
+      </p:grpSp>
+      <p:sp>
+        <p:nvSpPr>
+          <p:cNvPr id="16" name="ZoneTexte 15">
+            <a:extLst>
+              <a:ext uri="{FF2B5EF4-FFF2-40B4-BE49-F238E27FC236}">
+                <a16:creationId xmlns:a16="http://schemas.microsoft.com/office/drawing/2014/main" id="{6322D0C7-3542-4365-8417-F54A95131D2D}"/>
+              </a:ext>
+            </a:extLst>
+          </p:cNvPr>
+          <p:cNvSpPr txBox="1"/>
+          <p:nvPr/>
+        </p:nvSpPr>
+        <p:spPr>
+          <a:xfrm>
+            <a:off x="5276160" y="486403"/>
+            <a:ext cx="2005782" cy="707886"/>
+          </a:xfrm>
+          <a:prstGeom prst="rect">
+            <a:avLst/>
+          </a:prstGeom>
+          <a:noFill/>
+        </p:spPr>
+        <p:txBody>
+          <a:bodyPr wrap="square" rtlCol="0">
+            <a:spAutoFit/>
+          </a:bodyPr>
+          <a:lstStyle/>
+          <a:p>
+            <a:r>
+              <a:rPr lang="fr-CH" sz="2000" b="1" dirty="0"/>
+              <a:t>On push on all branches</a:t>
+            </a:r>
+          </a:p>
+        </p:txBody>
+      </p:sp>
+      <p:cxnSp>
+        <p:nvCxnSpPr>
+          <p:cNvPr id="5" name="Connecteur droit avec flèche 4">
+            <a:extLst>
+              <a:ext uri="{FF2B5EF4-FFF2-40B4-BE49-F238E27FC236}">
+                <a16:creationId xmlns:a16="http://schemas.microsoft.com/office/drawing/2014/main" id="{17DB1584-40BA-4E00-ADF0-0BC14A8203C1}"/>
+              </a:ext>
+            </a:extLst>
+          </p:cNvPr>
+          <p:cNvCxnSpPr/>
+          <p:nvPr/>
+        </p:nvCxnSpPr>
+        <p:spPr>
+          <a:xfrm flipV="1">
+            <a:off x="6030308" y="2458460"/>
+            <a:ext cx="1395573" cy="706505"/>
+          </a:xfrm>
+          <a:prstGeom prst="straightConnector1">
+            <a:avLst/>
+          </a:prstGeom>
+          <a:ln>
+            <a:tailEnd type="triangle"/>
+          </a:ln>
+        </p:spPr>
+        <p:style>
+          <a:lnRef idx="2">
+            <a:schemeClr val="dk1"/>
+          </a:lnRef>
+          <a:fillRef idx="0">
+            <a:schemeClr val="dk1"/>
+          </a:fillRef>
+          <a:effectRef idx="1">
+            <a:schemeClr val="dk1"/>
+          </a:effectRef>
+          <a:fontRef idx="minor">
+            <a:schemeClr val="tx1"/>
+          </a:fontRef>
+        </p:style>
+      </p:cxnSp>
+      <p:cxnSp>
+        <p:nvCxnSpPr>
+          <p:cNvPr id="7" name="Connecteur droit avec flèche 6">
+            <a:extLst>
+              <a:ext uri="{FF2B5EF4-FFF2-40B4-BE49-F238E27FC236}">
+                <a16:creationId xmlns:a16="http://schemas.microsoft.com/office/drawing/2014/main" id="{7347FAC1-C042-4CE9-9486-91BD627A8038}"/>
+              </a:ext>
+            </a:extLst>
+          </p:cNvPr>
+          <p:cNvCxnSpPr>
+            <a:cxnSpLocks/>
+          </p:cNvCxnSpPr>
+          <p:nvPr/>
+        </p:nvCxnSpPr>
+        <p:spPr>
+          <a:xfrm>
+            <a:off x="6030308" y="3935432"/>
+            <a:ext cx="1395573" cy="702733"/>
+          </a:xfrm>
+          <a:prstGeom prst="straightConnector1">
+            <a:avLst/>
+          </a:prstGeom>
+          <a:ln>
+            <a:tailEnd type="triangle"/>
+          </a:ln>
+        </p:spPr>
+        <p:style>
+          <a:lnRef idx="2">
+            <a:schemeClr val="dk1"/>
+          </a:lnRef>
+          <a:fillRef idx="0">
+            <a:schemeClr val="dk1"/>
+          </a:fillRef>
+          <a:effectRef idx="1">
+            <a:schemeClr val="dk1"/>
+          </a:effectRef>
+          <a:fontRef idx="minor">
+            <a:schemeClr val="tx1"/>
+          </a:fontRef>
+        </p:style>
+      </p:cxnSp>
+      <p:sp>
+        <p:nvSpPr>
+          <p:cNvPr id="9" name="ZoneTexte 8">
+            <a:extLst>
+              <a:ext uri="{FF2B5EF4-FFF2-40B4-BE49-F238E27FC236}">
+                <a16:creationId xmlns:a16="http://schemas.microsoft.com/office/drawing/2014/main" id="{CA2B895C-ED09-4CC8-9E34-E53D60E1EF9D}"/>
+              </a:ext>
+            </a:extLst>
+          </p:cNvPr>
+          <p:cNvSpPr txBox="1"/>
+          <p:nvPr/>
+        </p:nvSpPr>
+        <p:spPr>
+          <a:xfrm>
+            <a:off x="7570244" y="1929592"/>
+            <a:ext cx="3347998" cy="923330"/>
+          </a:xfrm>
+          <a:prstGeom prst="rect">
+            <a:avLst/>
+          </a:prstGeom>
+          <a:noFill/>
+        </p:spPr>
+        <p:txBody>
+          <a:bodyPr wrap="square" rtlCol="0">
+            <a:spAutoFit/>
+          </a:bodyPr>
+          <a:lstStyle/>
+          <a:p>
+            <a:r>
+              <a:rPr lang="fr-CH" u="sng" dirty="0"/>
+              <a:t>Not </a:t>
+            </a:r>
+            <a:r>
+              <a:rPr lang="fr-CH" u="sng" dirty="0" err="1"/>
+              <a:t>covered</a:t>
+            </a:r>
+            <a:r>
+              <a:rPr lang="fr-CH" u="sng" dirty="0"/>
+              <a:t> :</a:t>
+            </a:r>
+            <a:r>
+              <a:rPr lang="fr-CH" dirty="0"/>
+              <a:t> generation of plt figure </a:t>
+            </a:r>
+          </a:p>
+          <a:p>
+            <a:r>
+              <a:rPr lang="fr-CH" dirty="0">
+                <a:sym typeface="Wingdings" panose="05000000000000000000" pitchFamily="2" charset="2"/>
+              </a:rPr>
+              <a:t> Test by visual confirmation</a:t>
+            </a:r>
+            <a:endParaRPr lang="fr-CH" dirty="0"/>
+          </a:p>
+        </p:txBody>
+      </p:sp>
+      <p:sp>
+        <p:nvSpPr>
+          <p:cNvPr id="28" name="ZoneTexte 27">
+            <a:extLst>
+              <a:ext uri="{FF2B5EF4-FFF2-40B4-BE49-F238E27FC236}">
+                <a16:creationId xmlns:a16="http://schemas.microsoft.com/office/drawing/2014/main" id="{534B3071-1EC3-4DC6-A4B8-ED8D24E1B875}"/>
+              </a:ext>
+            </a:extLst>
+          </p:cNvPr>
+          <p:cNvSpPr txBox="1"/>
+          <p:nvPr/>
+        </p:nvSpPr>
+        <p:spPr>
+          <a:xfrm>
+            <a:off x="7570244" y="4382840"/>
+            <a:ext cx="3623734" cy="923330"/>
+          </a:xfrm>
+          <a:prstGeom prst="rect">
+            <a:avLst/>
+          </a:prstGeom>
+          <a:noFill/>
+        </p:spPr>
+        <p:txBody>
+          <a:bodyPr wrap="square" rtlCol="0">
+            <a:spAutoFit/>
+          </a:bodyPr>
+          <a:lstStyle/>
+          <a:p>
+            <a:r>
+              <a:rPr lang="fr-CH" u="sng" dirty="0"/>
+              <a:t>Not </a:t>
+            </a:r>
+            <a:r>
+              <a:rPr lang="fr-CH" u="sng" dirty="0" err="1"/>
+              <a:t>covered</a:t>
+            </a:r>
+            <a:r>
+              <a:rPr lang="fr-CH" u="sng" dirty="0"/>
+              <a:t> :</a:t>
+            </a:r>
+            <a:r>
+              <a:rPr lang="fr-CH" dirty="0"/>
+              <a:t> all combinations of options</a:t>
+            </a:r>
+          </a:p>
+          <a:p>
+            <a:r>
+              <a:rPr lang="fr-CH" dirty="0">
+                <a:sym typeface="Wingdings" panose="05000000000000000000" pitchFamily="2" charset="2"/>
+              </a:rPr>
+              <a:t> </a:t>
+            </a:r>
+            <a:r>
+              <a:rPr lang="fr-CH" dirty="0" err="1">
+                <a:sym typeface="Wingdings" panose="05000000000000000000" pitchFamily="2" charset="2"/>
+              </a:rPr>
+              <a:t>Already</a:t>
+            </a:r>
+            <a:r>
+              <a:rPr lang="fr-CH" dirty="0">
+                <a:sym typeface="Wingdings" panose="05000000000000000000" pitchFamily="2" charset="2"/>
+              </a:rPr>
+              <a:t> </a:t>
+            </a:r>
+            <a:r>
+              <a:rPr lang="fr-CH" dirty="0" err="1">
+                <a:sym typeface="Wingdings" panose="05000000000000000000" pitchFamily="2" charset="2"/>
+              </a:rPr>
+              <a:t>tested</a:t>
+            </a:r>
+            <a:r>
+              <a:rPr lang="fr-CH" dirty="0">
+                <a:sym typeface="Wingdings" panose="05000000000000000000" pitchFamily="2" charset="2"/>
+              </a:rPr>
+              <a:t> in analyse</a:t>
+            </a:r>
+            <a:endParaRPr lang="fr-CH" dirty="0"/>
+          </a:p>
+        </p:txBody>
+      </p:sp>
+      <p:pic>
+        <p:nvPicPr>
+          <p:cNvPr id="12" name="Image 11">
+            <a:extLst>
+              <a:ext uri="{FF2B5EF4-FFF2-40B4-BE49-F238E27FC236}">
+                <a16:creationId xmlns:a16="http://schemas.microsoft.com/office/drawing/2014/main" id="{A986D9A6-7D05-46F9-9E36-CBFB9580E82F}"/>
+              </a:ext>
+            </a:extLst>
+          </p:cNvPr>
+          <p:cNvPicPr>
+            <a:picLocks noChangeAspect="1"/>
+          </p:cNvPicPr>
+          <p:nvPr/>
+        </p:nvPicPr>
+        <p:blipFill>
+          <a:blip r:embed="rId4"/>
+          <a:stretch>
+            <a:fillRect/>
+          </a:stretch>
+        </p:blipFill>
+        <p:spPr>
+          <a:xfrm>
+            <a:off x="836253" y="2407492"/>
+            <a:ext cx="5410955" cy="2305372"/>
+          </a:xfrm>
+          <a:prstGeom prst="rect">
+            <a:avLst/>
+          </a:prstGeom>
+        </p:spPr>
+      </p:pic>
+    </p:spTree>
+    <p:extLst>
+      <p:ext uri="{BB962C8B-B14F-4D97-AF65-F5344CB8AC3E}">
+        <p14:creationId xmlns:p14="http://schemas.microsoft.com/office/powerpoint/2010/main" val="1434239315"/>
+      </p:ext>
+    </p:extLst>
+  </p:cSld>
+  <p:clrMapOvr>
+    <a:masterClrMapping/>
+  </p:clrMapOvr>
+</p:sld>
+</file>
+
+<file path=ppt/slides/slide7.xml><?xml version="1.0" encoding="utf-8"?>
+<p:sld xmlns:a="http://schemas.openxmlformats.org/drawingml/2006/main" xmlns:r="http://schemas.openxmlformats.org/officeDocument/2006/relationships" xmlns:p="http://schemas.openxmlformats.org/presentationml/2006/main">
+  <p:cSld>
+    <p:bg>
+      <p:bgPr>
+        <a:solidFill>
+          <a:srgbClr val="FFFFFF"/>
+        </a:solidFill>
+        <a:effectLst/>
+      </p:bgPr>
+    </p:bg>
+    <p:spTree>
+      <p:nvGrpSpPr>
+        <p:cNvPr id="1" name=""/>
+        <p:cNvGrpSpPr/>
+        <p:nvPr/>
+      </p:nvGrpSpPr>
+      <p:grpSpPr>
+        <a:xfrm>
+          <a:off x="0" y="0"/>
+          <a:ext cx="0" cy="0"/>
+          <a:chOff x="0" y="0"/>
+          <a:chExt cx="0" cy="0"/>
+        </a:xfrm>
+      </p:grpSpPr>
+      <p:sp>
+        <p:nvSpPr>
+          <p:cNvPr id="183" name="Rectangle 9"/>
+          <p:cNvSpPr/>
+          <p:nvPr/>
+        </p:nvSpPr>
+        <p:spPr>
+          <a:xfrm>
+            <a:off x="0" y="0"/>
+            <a:ext cx="12191760" cy="6857640"/>
+          </a:xfrm>
+          <a:prstGeom prst="rect">
+            <a:avLst/>
+          </a:prstGeom>
+          <a:solidFill>
+            <a:srgbClr val="FFFFFF"/>
+          </a:solidFill>
+          <a:ln w="12600">
+            <a:noFill/>
+          </a:ln>
+        </p:spPr>
+        <p:style>
+          <a:lnRef idx="0">
+            <a:scrgbClr r="0" g="0" b="0"/>
+          </a:lnRef>
+          <a:fillRef idx="0">
+            <a:scrgbClr r="0" g="0" b="0"/>
+          </a:fillRef>
+          <a:effectRef idx="0">
+            <a:scrgbClr r="0" g="0" b="0"/>
+          </a:effectRef>
+          <a:fontRef idx="minor"/>
+        </p:style>
+      </p:sp>
+      <p:sp>
+        <p:nvSpPr>
+          <p:cNvPr id="184" name="PlaceHolder 1"/>
+          <p:cNvSpPr>
+            <a:spLocks noGrp="1"/>
+          </p:cNvSpPr>
+          <p:nvPr>
+            <p:ph type="title"/>
+          </p:nvPr>
+        </p:nvSpPr>
+        <p:spPr>
+          <a:xfrm>
+            <a:off x="643320" y="321840"/>
+            <a:ext cx="10904760" cy="1135440"/>
+          </a:xfrm>
+          <a:prstGeom prst="rect">
+            <a:avLst/>
+          </a:prstGeom>
+          <a:noFill/>
+          <a:ln w="0">
+            <a:noFill/>
+          </a:ln>
+        </p:spPr>
+        <p:txBody>
+          <a:bodyPr anchor="ctr">
+            <a:normAutofit/>
+          </a:bodyPr>
+          <a:lstStyle/>
+          <a:p>
+            <a:pPr>
+              <a:lnSpc>
+                <a:spcPct val="90000"/>
+              </a:lnSpc>
+              <a:buNone/>
+            </a:pPr>
+            <a:r>
+              <a:rPr lang="fr-FR" sz="3600" b="0" strike="noStrike" spc="-1">
+                <a:solidFill>
+                  <a:srgbClr val="000000"/>
+                </a:solidFill>
+                <a:latin typeface="Calibri Light"/>
+              </a:rPr>
+              <a:t>Documentation</a:t>
+            </a:r>
+            <a:endParaRPr lang="fr-FR" sz="3600" b="0" strike="noStrike" spc="-1">
+              <a:solidFill>
+                <a:srgbClr val="000000"/>
+              </a:solidFill>
+              <a:latin typeface="Calibri"/>
+            </a:endParaRPr>
+          </a:p>
+        </p:txBody>
+      </p:sp>
       <p:sp>
         <p:nvSpPr>
           <p:cNvPr id="185" name="PlaceHolder 2"/>
@@ -11987,7 +13981,7 @@
         </p:spPr>
         <p:txBody>
           <a:bodyPr anchor="t">
-            <a:normAutofit/>
+            <a:normAutofit fontScale="92500" lnSpcReduction="20000"/>
           </a:bodyPr>
           <a:lstStyle/>
           <a:p>
@@ -12005,13 +13999,31 @@
               <a:buChar char="•"/>
             </a:pPr>
             <a:r>
-              <a:rPr lang="fr-FR" sz="2800" b="0" strike="noStrike" spc="-1">
+              <a:rPr lang="fr-FR" sz="2800" b="0" strike="noStrike" spc="-1" dirty="0">
                 <a:solidFill>
                   <a:srgbClr val="000000"/>
                 </a:solidFill>
                 <a:latin typeface="Calibri"/>
               </a:rPr>
-              <a:t>Documentation is made with sphinx</a:t>
+              <a:t>Documentation </a:t>
+            </a:r>
+            <a:r>
+              <a:rPr lang="fr-FR" sz="2800" b="0" strike="noStrike" spc="-1" dirty="0" err="1">
+                <a:solidFill>
+                  <a:srgbClr val="000000"/>
+                </a:solidFill>
+                <a:latin typeface="Calibri"/>
+              </a:rPr>
+              <a:t>is</a:t>
+            </a:r>
+            <a:r>
+              <a:rPr lang="fr-FR" sz="2800" b="0" strike="noStrike" spc="-1" dirty="0">
+                <a:solidFill>
+                  <a:srgbClr val="000000"/>
+                </a:solidFill>
+                <a:latin typeface="Calibri"/>
+              </a:rPr>
+              <a:t> made with sphinx</a:t>
             </a:r>
           </a:p>
           <a:p>
@@ -12028,7 +14040,7 @@
               <a:buFont typeface="Arial"/>
               <a:buChar char="•"/>
             </a:pPr>
-            <a:endParaRPr lang="fr-FR" sz="2800" b="0" strike="noStrike" spc="-1">
+            <a:endParaRPr lang="fr-FR" sz="2800" b="0" strike="noStrike" spc="-1" dirty="0">
               <a:solidFill>
                 <a:srgbClr val="000000"/>
               </a:solidFill>
@@ -12050,13 +14062,85 @@
               <a:buChar char="•"/>
             </a:pPr>
             <a:r>
-              <a:rPr lang="fr-FR" sz="2800" b="0" strike="noStrike" spc="-1">
+              <a:rPr lang="fr-FR" sz="2800" b="0" strike="noStrike" spc="-1" dirty="0">
                 <a:solidFill>
                   <a:srgbClr val="000000"/>
                 </a:solidFill>
                 <a:latin typeface="Calibri"/>
               </a:rPr>
-              <a:t>.rst files are generated from .py files</a:t>
+              <a:t>.</a:t>
+            </a:r>
+            <a:r>
+              <a:rPr lang="fr-FR" sz="2800" b="0" strike="noStrike" spc="-1" dirty="0" err="1">
+                <a:solidFill>
+                  <a:srgbClr val="000000"/>
+                </a:solidFill>
+                <a:latin typeface="Calibri"/>
+              </a:rPr>
+              <a:t>rst</a:t>
+            </a:r>
+            <a:r>
+              <a:rPr lang="fr-FR" sz="2800" b="0" strike="noStrike" spc="-1" dirty="0">
+                <a:solidFill>
+                  <a:srgbClr val="000000"/>
+                </a:solidFill>
+                <a:latin typeface="Calibri"/>
+              </a:rPr>
+              <a:t> files are </a:t>
+            </a:r>
+            <a:r>
+              <a:rPr lang="fr-FR" sz="2800" b="0" strike="noStrike" spc="-1" dirty="0" err="1">
+                <a:solidFill>
+                  <a:srgbClr val="000000"/>
+                </a:solidFill>
+                <a:latin typeface="Calibri"/>
+              </a:rPr>
+              <a:t>generated</a:t>
+            </a:r>
+            <a:r>
+              <a:rPr lang="fr-FR" sz="2800" b="0" strike="noStrike" spc="-1" dirty="0">
+                <a:solidFill>
+                  <a:srgbClr val="000000"/>
+                </a:solidFill>
+                <a:latin typeface="Calibri"/>
+              </a:rPr>
+              <a:t> </a:t>
+            </a:r>
+            <a:r>
+              <a:rPr lang="fr-FR" sz="2800" b="0" strike="noStrike" spc="-1" dirty="0" err="1">
+                <a:solidFill>
+                  <a:srgbClr val="000000"/>
+                </a:solidFill>
+                <a:latin typeface="Calibri"/>
+              </a:rPr>
+              <a:t>from</a:t>
+            </a:r>
+            <a:r>
+              <a:rPr lang="fr-FR" sz="2800" b="0" strike="noStrike" spc="-1" dirty="0">
+                <a:solidFill>
+                  <a:srgbClr val="000000"/>
+                </a:solidFill>
+                <a:latin typeface="Calibri"/>
+              </a:rPr>
+              <a:t> .</a:t>
+            </a:r>
+            <a:r>
+              <a:rPr lang="fr-FR" sz="2800" b="0" strike="noStrike" spc="-1" dirty="0" err="1">
+                <a:solidFill>
+                  <a:srgbClr val="000000"/>
+                </a:solidFill>
+                <a:latin typeface="Calibri"/>
+              </a:rPr>
+              <a:t>py</a:t>
+            </a:r>
+            <a:r>
+              <a:rPr lang="fr-FR" sz="2800" b="0" strike="noStrike" spc="-1" dirty="0">
+                <a:solidFill>
+                  <a:srgbClr val="000000"/>
+                </a:solidFill>
+                <a:latin typeface="Calibri"/>
+              </a:rPr>
+              <a:t> files</a:t>
             </a:r>
           </a:p>
           <a:p>
@@ -12073,7 +14157,7 @@
               <a:buFont typeface="Arial"/>
               <a:buChar char="•"/>
             </a:pPr>
-            <a:endParaRPr lang="fr-FR" sz="2800" b="0" strike="noStrike" spc="-1">
+            <a:endParaRPr lang="fr-FR" sz="2800" b="0" strike="noStrike" spc="-1" dirty="0">
               <a:solidFill>
                 <a:srgbClr val="000000"/>
               </a:solidFill>
@@ -12095,14 +14179,158 @@
               <a:buChar char="•"/>
             </a:pPr>
             <a:r>
-              <a:rPr lang="fr-FR" sz="2800" b="0" strike="noStrike" spc="-1">
+              <a:rPr lang="fr-FR" sz="2800" b="0" strike="noStrike" spc="-1" dirty="0">
                 <a:solidFill>
                   <a:srgbClr val="000000"/>
                 </a:solidFill>
                 <a:latin typeface="Calibri"/>
               </a:rPr>
-              <a:t>Generation is made automatically in the CI</a:t>
-            </a:r>
+              <a:t>Generation </a:t>
+            </a:r>
+            <a:r>
+              <a:rPr lang="fr-FR" sz="2800" b="0" strike="noStrike" spc="-1" dirty="0" err="1">
+                <a:solidFill>
+                  <a:srgbClr val="000000"/>
+                </a:solidFill>
+                <a:latin typeface="Calibri"/>
+              </a:rPr>
+              <a:t>is</a:t>
+            </a:r>
+            <a:r>
+              <a:rPr lang="fr-FR" sz="2800" b="0" strike="noStrike" spc="-1" dirty="0">
+                <a:solidFill>
+                  <a:srgbClr val="000000"/>
+                </a:solidFill>
+                <a:latin typeface="Calibri"/>
+              </a:rPr>
+              <a:t> made </a:t>
+            </a:r>
+            <a:r>
+              <a:rPr lang="fr-FR" sz="2800" b="0" strike="noStrike" spc="-1" dirty="0" err="1">
+                <a:solidFill>
+                  <a:srgbClr val="000000"/>
+                </a:solidFill>
+                <a:latin typeface="Calibri"/>
+              </a:rPr>
+              <a:t>automatically</a:t>
+            </a:r>
+            <a:r>
+              <a:rPr lang="fr-FR" sz="2800" b="0" strike="noStrike" spc="-1" dirty="0">
+                <a:solidFill>
+                  <a:srgbClr val="000000"/>
+                </a:solidFill>
+                <a:latin typeface="Calibri"/>
+              </a:rPr>
+              <a:t> in the CI</a:t>
+            </a:r>
+          </a:p>
+          <a:p>
+            <a:pPr marL="228600" indent="-228600">
+              <a:lnSpc>
+                <a:spcPct val="90000"/>
+              </a:lnSpc>
+              <a:spcBef>
+                <a:spcPts val="1001"/>
+              </a:spcBef>
+              <a:buClr>
+                <a:srgbClr val="000000"/>
+              </a:buClr>
+              <a:buFont typeface="Arial"/>
+              <a:buChar char="•"/>
+            </a:pPr>
+            <a:endParaRPr lang="fr-FR" spc="-1" dirty="0">
+              <a:solidFill>
+                <a:srgbClr val="000000"/>
+              </a:solidFill>
+              <a:latin typeface="Calibri"/>
+            </a:endParaRPr>
+          </a:p>
+          <a:p>
+            <a:pPr marL="228600" indent="-228600">
+              <a:lnSpc>
+                <a:spcPct val="90000"/>
+              </a:lnSpc>
+              <a:spcBef>
+                <a:spcPts val="1001"/>
+              </a:spcBef>
+              <a:buClr>
+                <a:srgbClr val="000000"/>
+              </a:buClr>
+              <a:buFont typeface="Arial"/>
+              <a:buChar char="•"/>
+            </a:pPr>
+            <a:r>
+              <a:rPr lang="fr-FR" sz="2800" b="0" strike="noStrike" spc="-1" dirty="0">
+                <a:solidFill>
+                  <a:srgbClr val="000000"/>
+                </a:solidFill>
+                <a:latin typeface="Calibri"/>
+              </a:rPr>
+              <a:t>Documentation are </a:t>
+            </a:r>
+            <a:r>
+              <a:rPr lang="fr-FR" sz="2800" b="0" strike="noStrike" spc="-1" dirty="0" err="1">
+                <a:solidFill>
+                  <a:srgbClr val="000000"/>
+                </a:solidFill>
+                <a:latin typeface="Calibri"/>
+              </a:rPr>
+              <a:t>generated</a:t>
+            </a:r>
+            <a:r>
+              <a:rPr lang="fr-FR" sz="2800" b="0" strike="noStrike" spc="-1" dirty="0">
+                <a:solidFill>
+                  <a:srgbClr val="000000"/>
+                </a:solidFill>
+                <a:latin typeface="Calibri"/>
+              </a:rPr>
+              <a:t> in HTML</a:t>
+            </a:r>
+            <a:endParaRPr lang="fr-FR" spc="-1" dirty="0">
+              <a:solidFill>
+                <a:srgbClr val="000000"/>
+              </a:solidFill>
+              <a:latin typeface="Calibri"/>
+            </a:endParaRPr>
+          </a:p>
+          <a:p>
+            <a:pPr marL="0" indent="0">
+              <a:lnSpc>
+                <a:spcPct val="90000"/>
+              </a:lnSpc>
+              <a:spcBef>
+                <a:spcPts val="1001"/>
+              </a:spcBef>
+              <a:buClr>
+                <a:srgbClr val="000000"/>
+              </a:buClr>
+              <a:buNone/>
+            </a:pPr>
+            <a:r>
+              <a:rPr lang="fr-FR" sz="2800" b="0" strike="noStrike" spc="-1" dirty="0">
+                <a:solidFill>
+                  <a:srgbClr val="000000"/>
+                </a:solidFill>
+                <a:latin typeface="Calibri"/>
+              </a:rPr>
+              <a:t>   </a:t>
+            </a:r>
+            <a:r>
+              <a:rPr lang="fr-FR" sz="2800" b="0" strike="noStrike" spc="-1" dirty="0">
+                <a:solidFill>
+                  <a:srgbClr val="000000"/>
+                </a:solidFill>
+                <a:latin typeface="Calibri"/>
+                <a:sym typeface="Wingdings" panose="05000000000000000000" pitchFamily="2" charset="2"/>
+              </a:rPr>
+              <a:t> visible on browser</a:t>
+            </a:r>
+            <a:endParaRPr lang="fr-FR" sz="2800" b="0" strike="noStrike" spc="-1" dirty="0">
+              <a:solidFill>
+                <a:srgbClr val="000000"/>
+              </a:solidFill>
+              <a:latin typeface="Calibri"/>
+            </a:endParaRPr>
           </a:p>
         </p:txBody>
       </p:sp>
@@ -12296,7 +14524,7 @@
         </p:blipFill>
         <p:spPr>
           <a:xfrm>
-            <a:off x="4680000" y="1260000"/>
+            <a:off x="4519742" y="185338"/>
             <a:ext cx="1488240" cy="1488240"/>
           </a:xfrm>
           <a:prstGeom prst="rect">
@@ -12309,25 +14537,38 @@
       </p:pic>
       <p:pic>
         <p:nvPicPr>
-          <p:cNvPr id="193" name="Image 192"/>
-          <p:cNvPicPr/>
+          <p:cNvPr id="3" name="Image 2" descr="Une image contenant table&#10;&#10;Description générée automatiquement">
+            <a:extLst>
+              <a:ext uri="{FF2B5EF4-FFF2-40B4-BE49-F238E27FC236}">
+                <a16:creationId xmlns:a16="http://schemas.microsoft.com/office/drawing/2014/main" id="{138204EA-7DC6-4808-AFB7-A268ECED105D}"/>
+              </a:ext>
+            </a:extLst>
+          </p:cNvPr>
+          <p:cNvPicPr>
+            <a:picLocks noChangeAspect="1"/>
+          </p:cNvPicPr>
           <p:nvPr/>
         </p:nvPicPr>
         <p:blipFill>
-          <a:blip r:embed="rId4"/>
-          <a:stretch/>
+          <a:blip r:embed="rId4">
+            <a:extLst>
+              <a:ext uri="{28A0092B-C50C-407E-A947-70E740481C1C}">
+                <a14:useLocalDpi xmlns:a14="http://schemas.microsoft.com/office/drawing/2010/main" val="0"/>
+              </a:ext>
+            </a:extLst>
+          </a:blip>
+          <a:stretch>
+            <a:fillRect/>
+          </a:stretch>
         </p:blipFill>
         <p:spPr>
           <a:xfrm>
-            <a:off x="6408000" y="2412000"/>
-            <a:ext cx="5738760" cy="4443120"/>
-          </a:xfrm>
-          <a:prstGeom prst="rect">
-            <a:avLst/>
-          </a:prstGeom>
-          <a:ln w="0">
-            <a:noFill/>
-          </a:ln>
+            <a:off x="5319662" y="1858916"/>
+            <a:ext cx="5793699" cy="4516827"/>
+          </a:xfrm>
+          <a:prstGeom prst="rect">
+            <a:avLst/>
+          </a:prstGeom>
         </p:spPr>
       </p:pic>
     </p:spTree>
@@ -12338,7 +14579,527 @@
 </p:sld>
 </file>
 
-<file path=ppt/slides/slide7.xml><?xml version="1.0" encoding="utf-8"?>
+<file path=ppt/slides/slide8.xml><?xml version="1.0" encoding="utf-8"?>
+<p:sld xmlns:a="http://schemas.openxmlformats.org/drawingml/2006/main" xmlns:r="http://schemas.openxmlformats.org/officeDocument/2006/relationships" xmlns:p="http://schemas.openxmlformats.org/presentationml/2006/main">
+  <p:cSld>
+    <p:bg>
+      <p:bgPr>
+        <a:solidFill>
+          <a:srgbClr val="FFFFFF"/>
+        </a:solidFill>
+        <a:effectLst/>
+      </p:bgPr>
+    </p:bg>
+    <p:spTree>
+      <p:nvGrpSpPr>
+        <p:cNvPr id="1" name=""/>
+        <p:cNvGrpSpPr/>
+        <p:nvPr/>
+      </p:nvGrpSpPr>
+      <p:grpSpPr>
+        <a:xfrm>
+          <a:off x="0" y="0"/>
+          <a:ext cx="0" cy="0"/>
+          <a:chOff x="0" y="0"/>
+          <a:chExt cx="0" cy="0"/>
+        </a:xfrm>
+      </p:grpSpPr>
+      <p:sp>
+        <p:nvSpPr>
+          <p:cNvPr id="183" name="Rectangle 9"/>
+          <p:cNvSpPr/>
+          <p:nvPr/>
+        </p:nvSpPr>
+        <p:spPr>
+          <a:xfrm>
+            <a:off x="0" y="0"/>
+            <a:ext cx="12191760" cy="6857640"/>
+          </a:xfrm>
+          <a:prstGeom prst="rect">
+            <a:avLst/>
+          </a:prstGeom>
+          <a:solidFill>
+            <a:srgbClr val="FFFFFF"/>
+          </a:solidFill>
+          <a:ln w="12600">
+            <a:noFill/>
+          </a:ln>
+        </p:spPr>
+        <p:style>
+          <a:lnRef idx="0">
+            <a:scrgbClr r="0" g="0" b="0"/>
+          </a:lnRef>
+          <a:fillRef idx="0">
+            <a:scrgbClr r="0" g="0" b="0"/>
+          </a:fillRef>
+          <a:effectRef idx="0">
+            <a:scrgbClr r="0" g="0" b="0"/>
+          </a:effectRef>
+          <a:fontRef idx="minor"/>
+        </p:style>
+      </p:sp>
+      <p:sp>
+        <p:nvSpPr>
+          <p:cNvPr id="184" name="PlaceHolder 1"/>
+          <p:cNvSpPr>
+            <a:spLocks noGrp="1"/>
+          </p:cNvSpPr>
+          <p:nvPr>
+            <p:ph type="title"/>
+          </p:nvPr>
+        </p:nvSpPr>
+        <p:spPr>
+          <a:xfrm>
+            <a:off x="643320" y="321840"/>
+            <a:ext cx="10904760" cy="1135440"/>
+          </a:xfrm>
+          <a:prstGeom prst="rect">
+            <a:avLst/>
+          </a:prstGeom>
+          <a:noFill/>
+          <a:ln w="0">
+            <a:noFill/>
+          </a:ln>
+        </p:spPr>
+        <p:txBody>
+          <a:bodyPr anchor="ctr">
+            <a:normAutofit/>
+          </a:bodyPr>
+          <a:lstStyle/>
+          <a:p>
+            <a:pPr>
+              <a:lnSpc>
+                <a:spcPct val="90000"/>
+              </a:lnSpc>
+              <a:buNone/>
+            </a:pPr>
+            <a:r>
+              <a:rPr lang="fr-FR" sz="3600" b="0" strike="noStrike" spc="-1" dirty="0">
+                <a:solidFill>
+                  <a:srgbClr val="000000"/>
+                </a:solidFill>
+                <a:latin typeface="Calibri Light"/>
+              </a:rPr>
+              <a:t>Distribution / Installation</a:t>
+            </a:r>
+            <a:endParaRPr lang="fr-FR" sz="3600" b="0" strike="noStrike" spc="-1" dirty="0">
+              <a:solidFill>
+                <a:srgbClr val="000000"/>
+              </a:solidFill>
+              <a:latin typeface="Calibri"/>
+            </a:endParaRPr>
+          </a:p>
+        </p:txBody>
+      </p:sp>
+      <p:grpSp>
+        <p:nvGrpSpPr>
+          <p:cNvPr id="186" name="Group 11"/>
+          <p:cNvGrpSpPr/>
+          <p:nvPr/>
+        </p:nvGrpSpPr>
+        <p:grpSpPr>
+          <a:xfrm>
+            <a:off x="360" y="4601520"/>
+            <a:ext cx="1013760" cy="2017080"/>
+            <a:chOff x="360" y="4601520"/>
+            <a:chExt cx="1013760" cy="2017080"/>
+          </a:xfrm>
+        </p:grpSpPr>
+        <p:sp>
+          <p:nvSpPr>
+            <p:cNvPr id="187" name="Isosceles Triangle 12"/>
+            <p:cNvSpPr/>
+            <p:nvPr/>
+          </p:nvSpPr>
+          <p:spPr>
+            <a:xfrm rot="5400000">
+              <a:off x="-501120" y="5103000"/>
+              <a:ext cx="2017080" cy="1013760"/>
+            </a:xfrm>
+            <a:prstGeom prst="triangle">
+              <a:avLst>
+                <a:gd name="adj" fmla="val 50000"/>
+              </a:avLst>
+            </a:prstGeom>
+            <a:solidFill>
+              <a:srgbClr val="4472C4">
+                <a:alpha val="30000"/>
+              </a:srgbClr>
+            </a:solidFill>
+            <a:ln w="12600">
+              <a:noFill/>
+            </a:ln>
+          </p:spPr>
+          <p:style>
+            <a:lnRef idx="0">
+              <a:scrgbClr r="0" g="0" b="0"/>
+            </a:lnRef>
+            <a:fillRef idx="0">
+              <a:scrgbClr r="0" g="0" b="0"/>
+            </a:fillRef>
+            <a:effectRef idx="0">
+              <a:scrgbClr r="0" g="0" b="0"/>
+            </a:effectRef>
+            <a:fontRef idx="minor"/>
+          </p:style>
+        </p:sp>
+        <p:sp>
+          <p:nvSpPr>
+            <p:cNvPr id="188" name="Rectangle 13"/>
+            <p:cNvSpPr/>
+            <p:nvPr/>
+          </p:nvSpPr>
+          <p:spPr>
+            <a:xfrm rot="2700000">
+              <a:off x="428040" y="5728680"/>
+              <a:ext cx="485280" cy="485280"/>
+            </a:xfrm>
+            <a:prstGeom prst="rect">
+              <a:avLst/>
+            </a:prstGeom>
+            <a:solidFill>
+              <a:srgbClr val="4472C4">
+                <a:alpha val="30000"/>
+              </a:srgbClr>
+            </a:solidFill>
+            <a:ln w="12600">
+              <a:noFill/>
+            </a:ln>
+          </p:spPr>
+          <p:style>
+            <a:lnRef idx="0">
+              <a:scrgbClr r="0" g="0" b="0"/>
+            </a:lnRef>
+            <a:fillRef idx="0">
+              <a:scrgbClr r="0" g="0" b="0"/>
+            </a:fillRef>
+            <a:effectRef idx="0">
+              <a:scrgbClr r="0" g="0" b="0"/>
+            </a:effectRef>
+            <a:fontRef idx="minor"/>
+          </p:style>
+        </p:sp>
+      </p:grpSp>
+      <p:grpSp>
+        <p:nvGrpSpPr>
+          <p:cNvPr id="189" name="Group 15"/>
+          <p:cNvGrpSpPr/>
+          <p:nvPr/>
+        </p:nvGrpSpPr>
+        <p:grpSpPr>
+          <a:xfrm>
+            <a:off x="11219400" y="360"/>
+            <a:ext cx="972360" cy="1935000"/>
+            <a:chOff x="11219400" y="360"/>
+            <a:chExt cx="972360" cy="1935000"/>
+          </a:xfrm>
+        </p:grpSpPr>
+        <p:sp>
+          <p:nvSpPr>
+            <p:cNvPr id="190" name="Rectangle 16"/>
+            <p:cNvSpPr/>
+            <p:nvPr/>
+          </p:nvSpPr>
+          <p:spPr>
+            <a:xfrm rot="2700000">
+              <a:off x="11321280" y="1074600"/>
+              <a:ext cx="492840" cy="492840"/>
+            </a:xfrm>
+            <a:prstGeom prst="rect">
+              <a:avLst/>
+            </a:prstGeom>
+            <a:solidFill>
+              <a:srgbClr val="FFC000">
+                <a:alpha val="30000"/>
+              </a:srgbClr>
+            </a:solidFill>
+            <a:ln w="12600">
+              <a:noFill/>
+            </a:ln>
+          </p:spPr>
+          <p:style>
+            <a:lnRef idx="0">
+              <a:scrgbClr r="0" g="0" b="0"/>
+            </a:lnRef>
+            <a:fillRef idx="0">
+              <a:scrgbClr r="0" g="0" b="0"/>
+            </a:fillRef>
+            <a:effectRef idx="0">
+              <a:scrgbClr r="0" g="0" b="0"/>
+            </a:effectRef>
+            <a:fontRef idx="minor"/>
+          </p:style>
+        </p:sp>
+        <p:sp>
+          <p:nvSpPr>
+            <p:cNvPr id="191" name="Isosceles Triangle 17"/>
+            <p:cNvSpPr/>
+            <p:nvPr/>
+          </p:nvSpPr>
+          <p:spPr>
+            <a:xfrm rot="16200000">
+              <a:off x="10738080" y="481680"/>
+              <a:ext cx="1935000" cy="972360"/>
+            </a:xfrm>
+            <a:prstGeom prst="triangle">
+              <a:avLst>
+                <a:gd name="adj" fmla="val 50000"/>
+              </a:avLst>
+            </a:prstGeom>
+            <a:solidFill>
+              <a:srgbClr val="FFC000">
+                <a:alpha val="30000"/>
+              </a:srgbClr>
+            </a:solidFill>
+            <a:ln w="12600">
+              <a:noFill/>
+            </a:ln>
+          </p:spPr>
+          <p:style>
+            <a:lnRef idx="0">
+              <a:scrgbClr r="0" g="0" b="0"/>
+            </a:lnRef>
+            <a:fillRef idx="0">
+              <a:scrgbClr r="0" g="0" b="0"/>
+            </a:fillRef>
+            <a:effectRef idx="0">
+              <a:scrgbClr r="0" g="0" b="0"/>
+            </a:effectRef>
+            <a:fontRef idx="minor"/>
+          </p:style>
+        </p:sp>
+      </p:grpSp>
+      <p:sp>
+        <p:nvSpPr>
+          <p:cNvPr id="2" name="ZoneTexte 1">
+            <a:extLst>
+              <a:ext uri="{FF2B5EF4-FFF2-40B4-BE49-F238E27FC236}">
+                <a16:creationId xmlns:a16="http://schemas.microsoft.com/office/drawing/2014/main" id="{FA798F6D-4FD2-4766-A691-A42E579DC4D7}"/>
+              </a:ext>
+            </a:extLst>
+          </p:cNvPr>
+          <p:cNvSpPr txBox="1"/>
+          <p:nvPr/>
+        </p:nvSpPr>
+        <p:spPr>
+          <a:xfrm>
+            <a:off x="398223" y="3788128"/>
+            <a:ext cx="4487159" cy="369332"/>
+          </a:xfrm>
+          <a:prstGeom prst="rect">
+            <a:avLst/>
+          </a:prstGeom>
+          <a:noFill/>
+        </p:spPr>
+        <p:txBody>
+          <a:bodyPr wrap="square" rtlCol="0">
+            <a:spAutoFit/>
+          </a:bodyPr>
+          <a:lstStyle/>
+          <a:p>
+            <a:r>
+              <a:rPr lang="fr-CH" dirty="0"/>
+              <a:t>Setup the distribution with setup file :</a:t>
+            </a:r>
+          </a:p>
+        </p:txBody>
+      </p:sp>
+      <p:sp>
+        <p:nvSpPr>
+          <p:cNvPr id="6" name="ZoneTexte 5">
+            <a:extLst>
+              <a:ext uri="{FF2B5EF4-FFF2-40B4-BE49-F238E27FC236}">
+                <a16:creationId xmlns:a16="http://schemas.microsoft.com/office/drawing/2014/main" id="{4925AAC0-87DD-4000-B145-EE0E65B7D7C9}"/>
+              </a:ext>
+            </a:extLst>
+          </p:cNvPr>
+          <p:cNvSpPr txBox="1"/>
+          <p:nvPr/>
+        </p:nvSpPr>
+        <p:spPr>
+          <a:xfrm>
+            <a:off x="7390614" y="4362120"/>
+            <a:ext cx="2922310" cy="1092607"/>
+          </a:xfrm>
+          <a:prstGeom prst="rect">
+            <a:avLst/>
+          </a:prstGeom>
+          <a:noFill/>
+        </p:spPr>
+        <p:txBody>
+          <a:bodyPr wrap="square" rtlCol="0">
+            <a:spAutoFit/>
+          </a:bodyPr>
+          <a:lstStyle/>
+          <a:p>
+            <a:r>
+              <a:rPr lang="fr-CH" dirty="0"/>
+              <a:t>Install the dependencies</a:t>
+            </a:r>
+          </a:p>
+          <a:p>
+            <a:endParaRPr lang="fr-CH" dirty="0"/>
+          </a:p>
+          <a:p>
+            <a:endParaRPr lang="fr-CH" sz="1100" dirty="0"/>
+          </a:p>
+          <a:p>
+            <a:r>
+              <a:rPr lang="fr-CH" dirty="0"/>
+              <a:t>Launch the program</a:t>
+            </a:r>
+          </a:p>
+        </p:txBody>
+      </p:sp>
+      <p:pic>
+        <p:nvPicPr>
+          <p:cNvPr id="8" name="Image 7" descr="Une image contenant texte&#10;&#10;Description générée automatiquement">
+            <a:extLst>
+              <a:ext uri="{FF2B5EF4-FFF2-40B4-BE49-F238E27FC236}">
+                <a16:creationId xmlns:a16="http://schemas.microsoft.com/office/drawing/2014/main" id="{68D0A0A5-A912-4EBA-8D35-99E2DA7AF8AC}"/>
+              </a:ext>
+            </a:extLst>
+          </p:cNvPr>
+          <p:cNvPicPr>
+            <a:picLocks noChangeAspect="1"/>
+          </p:cNvPicPr>
+          <p:nvPr/>
+        </p:nvPicPr>
+        <p:blipFill>
+          <a:blip r:embed="rId3">
+            <a:extLst>
+              <a:ext uri="{28A0092B-C50C-407E-A947-70E740481C1C}">
+                <a14:useLocalDpi xmlns:a14="http://schemas.microsoft.com/office/drawing/2010/main" val="0"/>
+              </a:ext>
+            </a:extLst>
+          </a:blip>
+          <a:stretch>
+            <a:fillRect/>
+          </a:stretch>
+        </p:blipFill>
+        <p:spPr>
+          <a:xfrm>
+            <a:off x="507420" y="4362120"/>
+            <a:ext cx="6844775" cy="1135440"/>
+          </a:xfrm>
+          <a:prstGeom prst="rect">
+            <a:avLst/>
+          </a:prstGeom>
+        </p:spPr>
+      </p:pic>
+      <p:sp>
+        <p:nvSpPr>
+          <p:cNvPr id="9" name="ZoneTexte 8">
+            <a:extLst>
+              <a:ext uri="{FF2B5EF4-FFF2-40B4-BE49-F238E27FC236}">
+                <a16:creationId xmlns:a16="http://schemas.microsoft.com/office/drawing/2014/main" id="{15C54C72-BFEE-45E2-815C-A069FEDDC008}"/>
+              </a:ext>
+            </a:extLst>
+          </p:cNvPr>
+          <p:cNvSpPr txBox="1"/>
+          <p:nvPr/>
+        </p:nvSpPr>
+        <p:spPr>
+          <a:xfrm>
+            <a:off x="1508289" y="1973067"/>
+            <a:ext cx="3271101" cy="1200329"/>
+          </a:xfrm>
+          <a:prstGeom prst="rect">
+            <a:avLst/>
+          </a:prstGeom>
+          <a:noFill/>
+        </p:spPr>
+        <p:txBody>
+          <a:bodyPr wrap="square" rtlCol="0">
+            <a:spAutoFit/>
+          </a:bodyPr>
+          <a:lstStyle/>
+          <a:p>
+            <a:pPr marL="342900" indent="-342900">
+              <a:buAutoNum type="arabicPeriod"/>
+            </a:pPr>
+            <a:r>
+              <a:rPr lang="fr-CH" dirty="0"/>
+              <a:t>Clone repository </a:t>
+            </a:r>
+            <a:r>
+              <a:rPr lang="fr-CH" dirty="0" err="1"/>
+              <a:t>from</a:t>
+            </a:r>
+            <a:r>
+              <a:rPr lang="fr-CH" dirty="0"/>
+              <a:t> </a:t>
+            </a:r>
+            <a:r>
+              <a:rPr lang="fr-CH" dirty="0" err="1"/>
+              <a:t>github</a:t>
+            </a:r>
+            <a:endParaRPr lang="fr-CH" dirty="0"/>
+          </a:p>
+          <a:p>
+            <a:pPr marL="342900" indent="-342900">
+              <a:buAutoNum type="arabicPeriod"/>
+            </a:pPr>
+            <a:r>
+              <a:rPr lang="fr-CH" dirty="0"/>
+              <a:t>Install program</a:t>
+            </a:r>
+          </a:p>
+          <a:p>
+            <a:pPr marL="342900" indent="-342900">
+              <a:buAutoNum type="arabicPeriod"/>
+            </a:pPr>
+            <a:r>
+              <a:rPr lang="fr-CH" dirty="0"/>
+              <a:t>Run program</a:t>
+            </a:r>
+          </a:p>
+        </p:txBody>
+      </p:sp>
+      <p:pic>
+        <p:nvPicPr>
+          <p:cNvPr id="11" name="Image 10">
+            <a:extLst>
+              <a:ext uri="{FF2B5EF4-FFF2-40B4-BE49-F238E27FC236}">
+                <a16:creationId xmlns:a16="http://schemas.microsoft.com/office/drawing/2014/main" id="{2C147203-4495-4B82-A8B5-F0C1585F1662}"/>
+              </a:ext>
+            </a:extLst>
+          </p:cNvPr>
+          <p:cNvPicPr>
+            <a:picLocks noChangeAspect="1"/>
+          </p:cNvPicPr>
+          <p:nvPr/>
+        </p:nvPicPr>
+        <p:blipFill>
+          <a:blip r:embed="rId4"/>
+          <a:stretch>
+            <a:fillRect/>
+          </a:stretch>
+        </p:blipFill>
+        <p:spPr>
+          <a:xfrm>
+            <a:off x="4889743" y="1484050"/>
+            <a:ext cx="6677957" cy="1991003"/>
+          </a:xfrm>
+          <a:prstGeom prst="rect">
+            <a:avLst/>
+          </a:prstGeom>
+        </p:spPr>
+      </p:pic>
+    </p:spTree>
+    <p:extLst>
+      <p:ext uri="{BB962C8B-B14F-4D97-AF65-F5344CB8AC3E}">
+        <p14:creationId xmlns:p14="http://schemas.microsoft.com/office/powerpoint/2010/main" val="231841179"/>
+      </p:ext>
+    </p:extLst>
+  </p:cSld>
+  <p:clrMapOvr>
+    <a:masterClrMapping/>
+  </p:clrMapOvr>
+</p:sld>
+</file>
+
+<file path=ppt/slides/slide9.xml><?xml version="1.0" encoding="utf-8"?>
 <p:sld xmlns:a="http://schemas.openxmlformats.org/drawingml/2006/main" xmlns:r="http://schemas.openxmlformats.org/officeDocument/2006/relationships" xmlns:p="http://schemas.openxmlformats.org/presentationml/2006/main">
   <p:cSld>
     <p:bg>
@@ -13141,7 +15902,7 @@
           <p:nvPr/>
         </p:nvPicPr>
         <p:blipFill>
-          <a:blip r:embed="rId3">
+          <a:blip r:embed="rId3" cstate="print">
             <a:extLst>
               <a:ext uri="{28A0092B-C50C-407E-A947-70E740481C1C}">
                 <a14:useLocalDpi xmlns:a14="http://schemas.microsoft.com/office/drawing/2010/main" val="0"/>
@@ -13221,723 +15982,6 @@
         </p:spPr>
       </p:pic>
     </p:spTree>
-  </p:cSld>
-  <p:clrMapOvr>
-    <a:masterClrMapping/>
-  </p:clrMapOvr>
-</p:sld>
-</file>
-
-<file path=ppt/slides/slide8.xml><?xml version="1.0" encoding="utf-8"?>
-<p:sld xmlns:a="http://schemas.openxmlformats.org/drawingml/2006/main" xmlns:r="http://schemas.openxmlformats.org/officeDocument/2006/relationships" xmlns:p="http://schemas.openxmlformats.org/presentationml/2006/main">
-  <p:cSld>
-    <p:bg>
-      <p:bgPr>
-        <a:solidFill>
-          <a:srgbClr val="FFFFFF"/>
-        </a:solidFill>
-        <a:effectLst/>
-      </p:bgPr>
-    </p:bg>
-    <p:spTree>
-      <p:nvGrpSpPr>
-        <p:cNvPr id="1" name=""/>
-        <p:cNvGrpSpPr/>
-        <p:nvPr/>
-      </p:nvGrpSpPr>
-      <p:grpSpPr>
-        <a:xfrm>
-          <a:off x="0" y="0"/>
-          <a:ext cx="0" cy="0"/>
-          <a:chOff x="0" y="0"/>
-          <a:chExt cx="0" cy="0"/>
-        </a:xfrm>
-      </p:grpSpPr>
-      <p:sp>
-        <p:nvSpPr>
-          <p:cNvPr id="203" name="Rectangle 9"/>
-          <p:cNvSpPr/>
-          <p:nvPr/>
-        </p:nvSpPr>
-        <p:spPr>
-          <a:xfrm>
-            <a:off x="0" y="0"/>
-            <a:ext cx="12191760" cy="6857640"/>
-          </a:xfrm>
-          <a:prstGeom prst="rect">
-            <a:avLst/>
-          </a:prstGeom>
-          <a:solidFill>
-            <a:srgbClr val="FFFFFF"/>
-          </a:solidFill>
-          <a:ln w="12600">
-            <a:noFill/>
-          </a:ln>
-        </p:spPr>
-        <p:style>
-          <a:lnRef idx="0">
-            <a:scrgbClr r="0" g="0" b="0"/>
-          </a:lnRef>
-          <a:fillRef idx="0">
-            <a:scrgbClr r="0" g="0" b="0"/>
-          </a:fillRef>
-          <a:effectRef idx="0">
-            <a:scrgbClr r="0" g="0" b="0"/>
-          </a:effectRef>
-          <a:fontRef idx="minor"/>
-        </p:style>
-      </p:sp>
-      <p:sp>
-        <p:nvSpPr>
-          <p:cNvPr id="204" name="PlaceHolder 1"/>
-          <p:cNvSpPr>
-            <a:spLocks noGrp="1"/>
-          </p:cNvSpPr>
-          <p:nvPr>
-            <p:ph type="title"/>
-          </p:nvPr>
-        </p:nvSpPr>
-        <p:spPr>
-          <a:xfrm>
-            <a:off x="643320" y="321840"/>
-            <a:ext cx="10904760" cy="1135440"/>
-          </a:xfrm>
-          <a:prstGeom prst="rect">
-            <a:avLst/>
-          </a:prstGeom>
-          <a:noFill/>
-          <a:ln w="0">
-            <a:noFill/>
-          </a:ln>
-        </p:spPr>
-        <p:txBody>
-          <a:bodyPr anchor="ctr">
-            <a:normAutofit/>
-          </a:bodyPr>
-          <a:lstStyle/>
-          <a:p>
-            <a:pPr>
-              <a:lnSpc>
-                <a:spcPct val="90000"/>
-              </a:lnSpc>
-              <a:buNone/>
-            </a:pPr>
-            <a:r>
-              <a:rPr lang="fr-FR" sz="3600" b="0" strike="noStrike" spc="-1" dirty="0" err="1">
-                <a:solidFill>
-                  <a:srgbClr val="000000"/>
-                </a:solidFill>
-                <a:latin typeface="Calibri Light"/>
-              </a:rPr>
-              <a:t>Licensing</a:t>
-            </a:r>
-            <a:endParaRPr lang="fr-FR" sz="3600" b="0" strike="noStrike" spc="-1" dirty="0">
-              <a:solidFill>
-                <a:srgbClr val="000000"/>
-              </a:solidFill>
-              <a:latin typeface="Calibri"/>
-            </a:endParaRPr>
-          </a:p>
-        </p:txBody>
-      </p:sp>
-      <p:sp>
-        <p:nvSpPr>
-          <p:cNvPr id="205" name="PlaceHolder 2"/>
-          <p:cNvSpPr>
-            <a:spLocks noGrp="1"/>
-          </p:cNvSpPr>
-          <p:nvPr>
-            <p:ph/>
-          </p:nvPr>
-        </p:nvSpPr>
-        <p:spPr>
-          <a:xfrm>
-            <a:off x="670680" y="1773360"/>
-            <a:ext cx="6879960" cy="4393800"/>
-          </a:xfrm>
-          <a:prstGeom prst="rect">
-            <a:avLst/>
-          </a:prstGeom>
-          <a:noFill/>
-          <a:ln w="0">
-            <a:noFill/>
-          </a:ln>
-        </p:spPr>
-        <p:txBody>
-          <a:bodyPr anchor="t">
-            <a:normAutofit/>
-          </a:bodyPr>
-          <a:lstStyle/>
-          <a:p>
-            <a:pPr marL="228600" indent="-228600">
-              <a:lnSpc>
-                <a:spcPct val="90000"/>
-              </a:lnSpc>
-              <a:spcBef>
-                <a:spcPts val="1001"/>
-              </a:spcBef>
-              <a:buClr>
-                <a:srgbClr val="000000"/>
-              </a:buClr>
-              <a:buFont typeface="Arial"/>
-              <a:buChar char="•"/>
-            </a:pPr>
-            <a:r>
-              <a:rPr lang="fr-FR" sz="2000" b="0" strike="noStrike" spc="-1" dirty="0">
-                <a:solidFill>
-                  <a:srgbClr val="000000"/>
-                </a:solidFill>
-                <a:latin typeface="Calibri"/>
-              </a:rPr>
-              <a:t>MIT : </a:t>
-            </a:r>
-            <a:r>
-              <a:rPr lang="fr-FR" sz="2000" b="0" strike="noStrike" spc="-1" dirty="0" err="1">
-                <a:solidFill>
-                  <a:srgbClr val="000000"/>
-                </a:solidFill>
-                <a:latin typeface="Calibri"/>
-              </a:rPr>
-              <a:t>can</a:t>
-            </a:r>
-            <a:r>
-              <a:rPr lang="fr-FR" sz="2000" b="0" strike="noStrike" spc="-1" dirty="0">
-                <a:solidFill>
-                  <a:srgbClr val="000000"/>
-                </a:solidFill>
-                <a:latin typeface="Calibri"/>
-              </a:rPr>
-              <a:t> </a:t>
-            </a:r>
-            <a:r>
-              <a:rPr lang="fr-FR" sz="2000" b="0" strike="noStrike" spc="-1" dirty="0" err="1">
-                <a:solidFill>
-                  <a:srgbClr val="000000"/>
-                </a:solidFill>
-                <a:latin typeface="Calibri"/>
-              </a:rPr>
-              <a:t>be</a:t>
-            </a:r>
-            <a:r>
-              <a:rPr lang="fr-FR" sz="2000" b="0" strike="noStrike" spc="-1" dirty="0">
-                <a:solidFill>
-                  <a:srgbClr val="000000"/>
-                </a:solidFill>
-                <a:latin typeface="Calibri"/>
-              </a:rPr>
-              <a:t> </a:t>
-            </a:r>
-            <a:r>
-              <a:rPr lang="fr-FR" sz="2000" b="0" strike="noStrike" spc="-1" dirty="0" err="1">
-                <a:solidFill>
-                  <a:srgbClr val="000000"/>
-                </a:solidFill>
-                <a:latin typeface="Calibri"/>
-              </a:rPr>
-              <a:t>modified</a:t>
-            </a:r>
-            <a:r>
-              <a:rPr lang="fr-FR" sz="2000" b="0" strike="noStrike" spc="-1" dirty="0">
-                <a:solidFill>
-                  <a:srgbClr val="000000"/>
-                </a:solidFill>
-                <a:latin typeface="Calibri"/>
-              </a:rPr>
-              <a:t> or </a:t>
-            </a:r>
-            <a:r>
-              <a:rPr lang="fr-FR" sz="2000" b="0" strike="noStrike" spc="-1" dirty="0" err="1">
-                <a:solidFill>
-                  <a:srgbClr val="000000"/>
-                </a:solidFill>
-                <a:latin typeface="Calibri"/>
-              </a:rPr>
-              <a:t>redistributed</a:t>
-            </a:r>
-            <a:endParaRPr lang="fr-FR" sz="2000" b="0" strike="noStrike" spc="-1" dirty="0">
-              <a:solidFill>
-                <a:srgbClr val="000000"/>
-              </a:solidFill>
-              <a:latin typeface="Calibri"/>
-            </a:endParaRPr>
-          </a:p>
-          <a:p>
-            <a:pPr marL="228600" indent="-228600">
-              <a:lnSpc>
-                <a:spcPct val="90000"/>
-              </a:lnSpc>
-              <a:spcBef>
-                <a:spcPts val="1001"/>
-              </a:spcBef>
-              <a:buClr>
-                <a:srgbClr val="000000"/>
-              </a:buClr>
-              <a:buFont typeface="Arial"/>
-              <a:buChar char="•"/>
-            </a:pPr>
-            <a:r>
-              <a:rPr lang="fr-FR" sz="2000" b="0" strike="noStrike" spc="-1" dirty="0">
-                <a:solidFill>
-                  <a:srgbClr val="000000"/>
-                </a:solidFill>
-                <a:latin typeface="Calibri"/>
-              </a:rPr>
-              <a:t>Model : </a:t>
-            </a:r>
-            <a:r>
-              <a:rPr lang="fr-FR" sz="2000" b="0" strike="noStrike" spc="-1" dirty="0" err="1">
-                <a:solidFill>
-                  <a:srgbClr val="000000"/>
-                </a:solidFill>
-                <a:latin typeface="Calibri"/>
-              </a:rPr>
-              <a:t>derivative</a:t>
-            </a:r>
-            <a:r>
-              <a:rPr lang="fr-FR" sz="2000" b="0" strike="noStrike" spc="-1" dirty="0">
-                <a:solidFill>
-                  <a:srgbClr val="000000"/>
-                </a:solidFill>
-                <a:latin typeface="Calibri"/>
-              </a:rPr>
-              <a:t> </a:t>
-            </a:r>
-            <a:r>
-              <a:rPr lang="fr-FR" sz="2000" b="0" strike="noStrike" spc="-1" dirty="0" err="1">
-                <a:solidFill>
-                  <a:srgbClr val="000000"/>
-                </a:solidFill>
-                <a:latin typeface="Calibri"/>
-              </a:rPr>
-              <a:t>work</a:t>
-            </a:r>
-            <a:r>
-              <a:rPr lang="fr-FR" sz="2000" b="0" strike="noStrike" spc="-1" dirty="0">
-                <a:solidFill>
-                  <a:srgbClr val="000000"/>
-                </a:solidFill>
-                <a:latin typeface="Calibri"/>
-              </a:rPr>
-              <a:t> of </a:t>
-            </a:r>
-            <a:r>
-              <a:rPr lang="fr-FR" sz="2000" b="0" strike="noStrike" spc="-1" dirty="0" err="1">
-                <a:solidFill>
-                  <a:srgbClr val="000000"/>
-                </a:solidFill>
-                <a:latin typeface="Calibri"/>
-              </a:rPr>
-              <a:t>dataset</a:t>
-            </a:r>
-            <a:endParaRPr lang="fr-FR" sz="2000" b="0" strike="noStrike" spc="-1" dirty="0">
-              <a:solidFill>
-                <a:srgbClr val="000000"/>
-              </a:solidFill>
-              <a:latin typeface="Calibri"/>
-            </a:endParaRPr>
-          </a:p>
-          <a:p>
-            <a:pPr>
-              <a:lnSpc>
-                <a:spcPct val="90000"/>
-              </a:lnSpc>
-              <a:spcBef>
-                <a:spcPts val="1001"/>
-              </a:spcBef>
-              <a:buNone/>
-              <a:tabLst>
-                <a:tab pos="0" algn="l"/>
-              </a:tabLst>
-            </a:pPr>
-            <a:r>
-              <a:rPr lang="fr-FR" sz="2000" b="0" strike="noStrike" spc="-1" dirty="0">
-                <a:solidFill>
-                  <a:srgbClr val="000000"/>
-                </a:solidFill>
-                <a:latin typeface="Calibri"/>
-              </a:rPr>
-              <a:t> 	=&gt; Show </a:t>
-            </a:r>
-            <a:r>
-              <a:rPr lang="fr-FR" sz="2000" b="0" strike="noStrike" spc="-1" dirty="0" err="1">
-                <a:solidFill>
-                  <a:srgbClr val="000000"/>
-                </a:solidFill>
-                <a:latin typeface="Calibri"/>
-              </a:rPr>
-              <a:t>license</a:t>
-            </a:r>
-            <a:r>
-              <a:rPr lang="fr-FR" sz="2000" b="0" strike="noStrike" spc="-1" dirty="0">
-                <a:solidFill>
-                  <a:srgbClr val="000000"/>
-                </a:solidFill>
-                <a:latin typeface="Calibri"/>
-              </a:rPr>
-              <a:t> of </a:t>
-            </a:r>
-            <a:r>
-              <a:rPr lang="fr-FR" sz="2000" b="0" strike="noStrike" spc="-1" dirty="0" err="1">
-                <a:solidFill>
-                  <a:srgbClr val="000000"/>
-                </a:solidFill>
-                <a:latin typeface="Calibri"/>
-              </a:rPr>
-              <a:t>dataset</a:t>
-            </a:r>
-            <a:endParaRPr lang="fr-FR" sz="2000" b="0" strike="noStrike" spc="-1" dirty="0">
-              <a:solidFill>
-                <a:srgbClr val="000000"/>
-              </a:solidFill>
-              <a:latin typeface="Calibri"/>
-            </a:endParaRPr>
-          </a:p>
-          <a:p>
-            <a:pPr>
-              <a:lnSpc>
-                <a:spcPct val="90000"/>
-              </a:lnSpc>
-              <a:spcBef>
-                <a:spcPts val="1001"/>
-              </a:spcBef>
-              <a:buNone/>
-              <a:tabLst>
-                <a:tab pos="0" algn="l"/>
-              </a:tabLst>
-            </a:pPr>
-            <a:endParaRPr lang="fr-FR" sz="2000" b="0" strike="noStrike" spc="-1" dirty="0">
-              <a:solidFill>
-                <a:srgbClr val="000000"/>
-              </a:solidFill>
-              <a:latin typeface="Calibri"/>
-            </a:endParaRPr>
-          </a:p>
-        </p:txBody>
-      </p:sp>
-      <p:grpSp>
-        <p:nvGrpSpPr>
-          <p:cNvPr id="206" name="Group 11"/>
-          <p:cNvGrpSpPr/>
-          <p:nvPr/>
-        </p:nvGrpSpPr>
-        <p:grpSpPr>
-          <a:xfrm>
-            <a:off x="360" y="4601520"/>
-            <a:ext cx="1013760" cy="2017080"/>
-            <a:chOff x="360" y="4601520"/>
-            <a:chExt cx="1013760" cy="2017080"/>
-          </a:xfrm>
-        </p:grpSpPr>
-        <p:sp>
-          <p:nvSpPr>
-            <p:cNvPr id="207" name="Isosceles Triangle 12"/>
-            <p:cNvSpPr/>
-            <p:nvPr/>
-          </p:nvSpPr>
-          <p:spPr>
-            <a:xfrm rot="5400000">
-              <a:off x="-501120" y="5103000"/>
-              <a:ext cx="2017080" cy="1013760"/>
-            </a:xfrm>
-            <a:prstGeom prst="triangle">
-              <a:avLst>
-                <a:gd name="adj" fmla="val 50000"/>
-              </a:avLst>
-            </a:prstGeom>
-            <a:solidFill>
-              <a:srgbClr val="4472C4">
-                <a:alpha val="30000"/>
-              </a:srgbClr>
-            </a:solidFill>
-            <a:ln w="12600">
-              <a:noFill/>
-            </a:ln>
-          </p:spPr>
-          <p:style>
-            <a:lnRef idx="0">
-              <a:scrgbClr r="0" g="0" b="0"/>
-            </a:lnRef>
-            <a:fillRef idx="0">
-              <a:scrgbClr r="0" g="0" b="0"/>
-            </a:fillRef>
-            <a:effectRef idx="0">
-              <a:scrgbClr r="0" g="0" b="0"/>
-            </a:effectRef>
-            <a:fontRef idx="minor"/>
-          </p:style>
-        </p:sp>
-        <p:sp>
-          <p:nvSpPr>
-            <p:cNvPr id="208" name="Rectangle 13"/>
-            <p:cNvSpPr/>
-            <p:nvPr/>
-          </p:nvSpPr>
-          <p:spPr>
-            <a:xfrm rot="2700000">
-              <a:off x="428040" y="5728680"/>
-              <a:ext cx="485280" cy="485280"/>
-            </a:xfrm>
-            <a:prstGeom prst="rect">
-              <a:avLst/>
-            </a:prstGeom>
-            <a:solidFill>
-              <a:srgbClr val="4472C4">
-                <a:alpha val="30000"/>
-              </a:srgbClr>
-            </a:solidFill>
-            <a:ln w="12600">
-              <a:noFill/>
-            </a:ln>
-          </p:spPr>
-          <p:style>
-            <a:lnRef idx="0">
-              <a:scrgbClr r="0" g="0" b="0"/>
-            </a:lnRef>
-            <a:fillRef idx="0">
-              <a:scrgbClr r="0" g="0" b="0"/>
-            </a:fillRef>
-            <a:effectRef idx="0">
-              <a:scrgbClr r="0" g="0" b="0"/>
-            </a:effectRef>
-            <a:fontRef idx="minor"/>
-          </p:style>
-        </p:sp>
-      </p:grpSp>
-      <p:grpSp>
-        <p:nvGrpSpPr>
-          <p:cNvPr id="209" name="Group 15"/>
-          <p:cNvGrpSpPr/>
-          <p:nvPr/>
-        </p:nvGrpSpPr>
-        <p:grpSpPr>
-          <a:xfrm>
-            <a:off x="11219400" y="360"/>
-            <a:ext cx="972360" cy="1935000"/>
-            <a:chOff x="11219400" y="360"/>
-            <a:chExt cx="972360" cy="1935000"/>
-          </a:xfrm>
-        </p:grpSpPr>
-        <p:sp>
-          <p:nvSpPr>
-            <p:cNvPr id="210" name="Rectangle 16"/>
-            <p:cNvSpPr/>
-            <p:nvPr/>
-          </p:nvSpPr>
-          <p:spPr>
-            <a:xfrm rot="2700000">
-              <a:off x="11321280" y="1074600"/>
-              <a:ext cx="492840" cy="492840"/>
-            </a:xfrm>
-            <a:prstGeom prst="rect">
-              <a:avLst/>
-            </a:prstGeom>
-            <a:solidFill>
-              <a:srgbClr val="FFC000">
-                <a:alpha val="30000"/>
-              </a:srgbClr>
-            </a:solidFill>
-            <a:ln w="12600">
-              <a:noFill/>
-            </a:ln>
-          </p:spPr>
-          <p:style>
-            <a:lnRef idx="0">
-              <a:scrgbClr r="0" g="0" b="0"/>
-            </a:lnRef>
-            <a:fillRef idx="0">
-              <a:scrgbClr r="0" g="0" b="0"/>
-            </a:fillRef>
-            <a:effectRef idx="0">
-              <a:scrgbClr r="0" g="0" b="0"/>
-            </a:effectRef>
-            <a:fontRef idx="minor"/>
-          </p:style>
-        </p:sp>
-        <p:sp>
-          <p:nvSpPr>
-            <p:cNvPr id="211" name="Isosceles Triangle 17"/>
-            <p:cNvSpPr/>
-            <p:nvPr/>
-          </p:nvSpPr>
-          <p:spPr>
-            <a:xfrm rot="16200000">
-              <a:off x="10738080" y="481680"/>
-              <a:ext cx="1935000" cy="972360"/>
-            </a:xfrm>
-            <a:prstGeom prst="triangle">
-              <a:avLst>
-                <a:gd name="adj" fmla="val 50000"/>
-              </a:avLst>
-            </a:prstGeom>
-            <a:solidFill>
-              <a:srgbClr val="FFC000">
-                <a:alpha val="30000"/>
-              </a:srgbClr>
-            </a:solidFill>
-            <a:ln w="12600">
-              <a:noFill/>
-            </a:ln>
-          </p:spPr>
-          <p:style>
-            <a:lnRef idx="0">
-              <a:scrgbClr r="0" g="0" b="0"/>
-            </a:lnRef>
-            <a:fillRef idx="0">
-              <a:scrgbClr r="0" g="0" b="0"/>
-            </a:fillRef>
-            <a:effectRef idx="0">
-              <a:scrgbClr r="0" g="0" b="0"/>
-            </a:effectRef>
-            <a:fontRef idx="minor"/>
-          </p:style>
-        </p:sp>
-      </p:grpSp>
-      <p:sp>
-        <p:nvSpPr>
-          <p:cNvPr id="213" name="ZoneTexte 14"/>
-          <p:cNvSpPr/>
-          <p:nvPr/>
-        </p:nvSpPr>
-        <p:spPr>
-          <a:xfrm>
-            <a:off x="1080" y="6483240"/>
-            <a:ext cx="6232320" cy="364680"/>
-          </a:xfrm>
-          <a:prstGeom prst="rect">
-            <a:avLst/>
-          </a:prstGeom>
-          <a:noFill/>
-          <a:ln w="0">
-            <a:noFill/>
-          </a:ln>
-        </p:spPr>
-        <p:style>
-          <a:lnRef idx="0">
-            <a:scrgbClr r="0" g="0" b="0"/>
-          </a:lnRef>
-          <a:fillRef idx="0">
-            <a:scrgbClr r="0" g="0" b="0"/>
-          </a:fillRef>
-          <a:effectRef idx="0">
-            <a:scrgbClr r="0" g="0" b="0"/>
-          </a:effectRef>
-          <a:fontRef idx="minor"/>
-        </p:style>
-        <p:txBody>
-          <a:bodyPr lIns="90000" tIns="45000" rIns="90000" bIns="45000" anchor="t">
-            <a:spAutoFit/>
-          </a:bodyPr>
-          <a:lstStyle/>
-          <a:p>
-            <a:pPr>
-              <a:lnSpc>
-                <a:spcPct val="100000"/>
-              </a:lnSpc>
-              <a:buNone/>
-            </a:pPr>
-            <a:r>
-              <a:rPr lang="fr-FR" sz="1800" b="0" strike="noStrike" spc="-1">
-                <a:solidFill>
-                  <a:srgbClr val="000000"/>
-                </a:solidFill>
-                <a:latin typeface="Calibri"/>
-              </a:rPr>
-              <a:t>Source : M05 course</a:t>
-            </a:r>
-            <a:endParaRPr lang="fr-CH" sz="1800" b="0" strike="noStrike" spc="-1">
-              <a:latin typeface="Arial"/>
-            </a:endParaRPr>
-          </a:p>
-        </p:txBody>
-      </p:sp>
-      <p:pic>
-        <p:nvPicPr>
-          <p:cNvPr id="214" name="Image 7"/>
-          <p:cNvPicPr/>
-          <p:nvPr/>
-        </p:nvPicPr>
-        <p:blipFill>
-          <a:blip r:embed="rId3"/>
-          <a:stretch/>
-        </p:blipFill>
-        <p:spPr>
-          <a:xfrm>
-            <a:off x="5055840" y="574413"/>
-            <a:ext cx="7048080" cy="1434600"/>
-          </a:xfrm>
-          <a:prstGeom prst="rect">
-            <a:avLst/>
-          </a:prstGeom>
-          <a:ln w="0">
-            <a:noFill/>
-          </a:ln>
-        </p:spPr>
-      </p:pic>
-      <p:pic>
-        <p:nvPicPr>
-          <p:cNvPr id="215" name="Picture 24"/>
-          <p:cNvPicPr/>
-          <p:nvPr/>
-        </p:nvPicPr>
-        <p:blipFill>
-          <a:blip r:embed="rId4"/>
-          <a:stretch/>
-        </p:blipFill>
-        <p:spPr>
-          <a:xfrm>
-            <a:off x="1683965" y="4458106"/>
-            <a:ext cx="1824120" cy="1824120"/>
-          </a:xfrm>
-          <a:prstGeom prst="rect">
-            <a:avLst/>
-          </a:prstGeom>
-          <a:ln w="0">
-            <a:noFill/>
-          </a:ln>
-        </p:spPr>
-      </p:pic>
-      <p:pic>
-        <p:nvPicPr>
-          <p:cNvPr id="3" name="Image 2" descr="Une image contenant texte&#10;&#10;Description générée automatiquement">
-            <a:extLst>
-              <a:ext uri="{FF2B5EF4-FFF2-40B4-BE49-F238E27FC236}">
-                <a16:creationId xmlns:a16="http://schemas.microsoft.com/office/drawing/2014/main" id="{307E65B8-86FC-094D-B8A2-B092FAE172FE}"/>
-              </a:ext>
-            </a:extLst>
-          </p:cNvPr>
-          <p:cNvPicPr>
-            <a:picLocks noChangeAspect="1"/>
-          </p:cNvPicPr>
-          <p:nvPr/>
-        </p:nvPicPr>
-        <p:blipFill>
-          <a:blip r:embed="rId5">
-            <a:extLst>
-              <a:ext uri="{28A0092B-C50C-407E-A947-70E740481C1C}">
-                <a14:useLocalDpi xmlns:a14="http://schemas.microsoft.com/office/drawing/2010/main" val="0"/>
-              </a:ext>
-            </a:extLst>
-          </a:blip>
-          <a:stretch>
-            <a:fillRect/>
-          </a:stretch>
-        </p:blipFill>
-        <p:spPr>
-          <a:xfrm>
-            <a:off x="5050449" y="2128893"/>
-            <a:ext cx="7048079" cy="4153333"/>
-          </a:xfrm>
-          <a:prstGeom prst="rect">
-            <a:avLst/>
-          </a:prstGeom>
-        </p:spPr>
-      </p:pic>
-    </p:spTree>
-    <p:extLst>
-      <p:ext uri="{BB962C8B-B14F-4D97-AF65-F5344CB8AC3E}">
-        <p14:creationId xmlns:p14="http://schemas.microsoft.com/office/powerpoint/2010/main" val="2969619679"/>
-      </p:ext>
-    </p:extLst>
   </p:cSld>
   <p:clrMapOvr>
     <a:masterClrMapping/>
